--- a/assets/Hackfest - FSDF Overview.pptx
+++ b/assets/Hackfest - FSDF Overview.pptx
@@ -8,6 +8,7 @@
     <p:sldId id="258" r:id="rId2"/>
     <p:sldId id="256" r:id="rId3"/>
     <p:sldId id="257" r:id="rId4"/>
+    <p:sldId id="259" r:id="rId5"/>
   </p:sldIdLst>
   <p:sldSz cx="9144000" cy="6858000" type="screen4x3"/>
   <p:notesSz cx="6858000" cy="9144000"/>
@@ -4743,7 +4744,6 @@
                 <a:rPr lang="en-AU" dirty="0" smtClean="0"/>
                 <a:t>Geometry </a:t>
               </a:r>
-              <a:endParaRPr lang="en-AU" dirty="0" smtClean="0"/>
             </a:p>
             <a:p>
               <a:pPr algn="ctr"/>
@@ -16931,7 +16931,21 @@
                 <a:latin typeface="Arial" pitchFamily="34" charset="0"/>
                 <a:cs typeface="Arial" pitchFamily="34" charset="0"/>
               </a:rPr>
-              <a:t>” to Towong (LGA)</a:t>
+              <a:t>” to </a:t>
+            </a:r>
+            <a:r>
+              <a:rPr lang="en-AU" sz="800" i="1" dirty="0" smtClean="0">
+                <a:latin typeface="Arial" pitchFamily="34" charset="0"/>
+                <a:cs typeface="Arial" pitchFamily="34" charset="0"/>
+              </a:rPr>
+              <a:t>Berrigan (LGA</a:t>
+            </a:r>
+            <a:r>
+              <a:rPr lang="en-AU" sz="800" i="1" dirty="0" smtClean="0">
+                <a:latin typeface="Arial" pitchFamily="34" charset="0"/>
+                <a:cs typeface="Arial" pitchFamily="34" charset="0"/>
+              </a:rPr>
+              <a:t>)</a:t>
             </a:r>
             <a:endParaRPr lang="en-AU" sz="800" i="1" dirty="0">
               <a:latin typeface="Arial" pitchFamily="34" charset="0"/>
@@ -17636,7 +17650,21 @@
                 <a:latin typeface="Arial" pitchFamily="34" charset="0"/>
                 <a:cs typeface="Arial" pitchFamily="34" charset="0"/>
               </a:rPr>
-              <a:t> to Albury (LGA)</a:t>
+              <a:t> to </a:t>
+            </a:r>
+            <a:r>
+              <a:rPr lang="en-AU" sz="800" i="1" dirty="0" smtClean="0">
+                <a:latin typeface="Arial" pitchFamily="34" charset="0"/>
+                <a:cs typeface="Arial" pitchFamily="34" charset="0"/>
+              </a:rPr>
+              <a:t>Corowa (LGA</a:t>
+            </a:r>
+            <a:r>
+              <a:rPr lang="en-AU" sz="800" i="1" dirty="0" smtClean="0">
+                <a:latin typeface="Arial" pitchFamily="34" charset="0"/>
+                <a:cs typeface="Arial" pitchFamily="34" charset="0"/>
+              </a:rPr>
+              <a:t>)</a:t>
             </a:r>
             <a:endParaRPr lang="en-AU" sz="800" i="1" dirty="0">
               <a:latin typeface="Arial" pitchFamily="34" charset="0"/>
@@ -17715,7 +17743,6 @@
               <a:rPr lang="en-AU" dirty="0" smtClean="0"/>
               <a:t>Topology</a:t>
             </a:r>
-            <a:endParaRPr lang="en-AU" dirty="0" smtClean="0"/>
           </a:p>
         </p:txBody>
       </p:sp>
@@ -17913,7 +17940,21 @@
                 <a:latin typeface="Arial" pitchFamily="34" charset="0"/>
                 <a:cs typeface="Arial" pitchFamily="34" charset="0"/>
               </a:rPr>
-              <a:t>– e.g. Towong (LGA) “</a:t>
+              <a:t>– e.g. </a:t>
+            </a:r>
+            <a:r>
+              <a:rPr lang="en-AU" sz="800" i="1" dirty="0" smtClean="0">
+                <a:latin typeface="Arial" pitchFamily="34" charset="0"/>
+                <a:cs typeface="Arial" pitchFamily="34" charset="0"/>
+              </a:rPr>
+              <a:t>Albury (LGA</a:t>
+            </a:r>
+            <a:r>
+              <a:rPr lang="en-AU" sz="800" i="1" dirty="0" smtClean="0">
+                <a:latin typeface="Arial" pitchFamily="34" charset="0"/>
+                <a:cs typeface="Arial" pitchFamily="34" charset="0"/>
+              </a:rPr>
+              <a:t>) “</a:t>
             </a:r>
             <a:r>
               <a:rPr lang="en-AU" sz="800" b="1" i="1" dirty="0" smtClean="0">
@@ -17927,7 +17968,28 @@
                 <a:latin typeface="Arial" pitchFamily="34" charset="0"/>
                 <a:cs typeface="Arial" pitchFamily="34" charset="0"/>
               </a:rPr>
-              <a:t>” Yackandandah (SA2)</a:t>
+              <a:t>” </a:t>
+            </a:r>
+            <a:r>
+              <a:rPr lang="en-AU" sz="800" i="1" dirty="0" err="1" smtClean="0">
+                <a:latin typeface="Arial" pitchFamily="34" charset="0"/>
+                <a:cs typeface="Arial" pitchFamily="34" charset="0"/>
+              </a:rPr>
+              <a:t>Lavingtion</a:t>
+            </a:r>
+            <a:r>
+              <a:rPr lang="en-AU" sz="800" i="1" dirty="0" smtClean="0">
+                <a:latin typeface="Arial" pitchFamily="34" charset="0"/>
+                <a:cs typeface="Arial" pitchFamily="34" charset="0"/>
+              </a:rPr>
+              <a:t> (SA2</a:t>
+            </a:r>
+            <a:r>
+              <a:rPr lang="en-AU" sz="800" i="1" dirty="0" smtClean="0">
+                <a:latin typeface="Arial" pitchFamily="34" charset="0"/>
+                <a:cs typeface="Arial" pitchFamily="34" charset="0"/>
+              </a:rPr>
+              <a:t>)</a:t>
             </a:r>
             <a:endParaRPr lang="en-AU" sz="800" i="1" dirty="0">
               <a:latin typeface="Arial" pitchFamily="34" charset="0"/>
@@ -18170,7 +18232,7 @@
                   <a:schemeClr val="tx1"/>
                 </a:solidFill>
               </a:rPr>
-              <a:t>XYZ Server</a:t>
+              <a:t>FSDF Server</a:t>
             </a:r>
             <a:endParaRPr lang="en-AU" b="1" dirty="0" smtClean="0">
               <a:solidFill>
@@ -22737,7 +22799,7 @@
           <p:spPr>
             <a:xfrm>
               <a:off x="1767026" y="3056489"/>
-              <a:ext cx="755790" cy="383373"/>
+              <a:ext cx="894948" cy="383373"/>
             </a:xfrm>
             <a:prstGeom prst="rect">
               <a:avLst/>
@@ -22785,7 +22847,7 @@
                     <a:schemeClr val="tx1"/>
                   </a:solidFill>
                 </a:rPr>
-                <a:t>(Moira)</a:t>
+                <a:t>Berrigan</a:t>
               </a:r>
               <a:endParaRPr lang="de-DE" sz="600" dirty="0">
                 <a:solidFill>
@@ -22918,14 +22980,6 @@
                 </a:solidFill>
               </a:rPr>
               <a:t>SA2</a:t>
-            </a:r>
-            <a:r>
-              <a:rPr lang="en-AU" sz="600" b="1" dirty="0" smtClean="0">
-                <a:solidFill>
-                  <a:schemeClr val="tx1"/>
-                </a:solidFill>
-              </a:rPr>
-              <a:t/>
             </a:r>
             <a:br>
               <a:rPr lang="en-AU" sz="600" b="1" dirty="0" smtClean="0">
@@ -25036,6 +25090,935 @@
 </p:sld>
 </file>
 
+<file path=ppt/slides/slide4.xml><?xml version="1.0" encoding="utf-8"?>
+<p:sld xmlns:a="http://schemas.openxmlformats.org/drawingml/2006/main" xmlns:r="http://schemas.openxmlformats.org/officeDocument/2006/relationships" xmlns:p="http://schemas.openxmlformats.org/presentationml/2006/main">
+  <p:cSld>
+    <p:spTree>
+      <p:nvGrpSpPr>
+        <p:cNvPr id="1" name=""/>
+        <p:cNvGrpSpPr/>
+        <p:nvPr/>
+      </p:nvGrpSpPr>
+      <p:grpSpPr>
+        <a:xfrm>
+          <a:off x="0" y="0"/>
+          <a:ext cx="0" cy="0"/>
+          <a:chOff x="0" y="0"/>
+          <a:chExt cx="0" cy="0"/>
+        </a:xfrm>
+      </p:grpSpPr>
+      <p:pic>
+        <p:nvPicPr>
+          <p:cNvPr id="1029" name="Picture 5"/>
+          <p:cNvPicPr>
+            <a:picLocks noChangeAspect="1" noChangeArrowheads="1"/>
+          </p:cNvPicPr>
+          <p:nvPr/>
+        </p:nvPicPr>
+        <p:blipFill>
+          <a:blip r:embed="rId2">
+            <a:extLst>
+              <a:ext uri="{28A0092B-C50C-407E-A947-70E740481C1C}">
+                <a14:useLocalDpi xmlns:a14="http://schemas.microsoft.com/office/drawing/2010/main" val="0"/>
+              </a:ext>
+            </a:extLst>
+          </a:blip>
+          <a:srcRect/>
+          <a:stretch>
+            <a:fillRect/>
+          </a:stretch>
+        </p:blipFill>
+        <p:spPr bwMode="auto">
+          <a:xfrm>
+            <a:off x="611560" y="764704"/>
+            <a:ext cx="7607140" cy="5246539"/>
+          </a:xfrm>
+          <a:prstGeom prst="rect">
+            <a:avLst/>
+          </a:prstGeom>
+          <a:noFill/>
+          <a:ln>
+            <a:noFill/>
+          </a:ln>
+          <a:effectLst/>
+          <a:extLst>
+            <a:ext uri="{909E8E84-426E-40DD-AFC4-6F175D3DCCD1}">
+              <a14:hiddenFill xmlns:a14="http://schemas.microsoft.com/office/drawing/2010/main">
+                <a:solidFill>
+                  <a:schemeClr val="accent1"/>
+                </a:solidFill>
+              </a14:hiddenFill>
+            </a:ext>
+            <a:ext uri="{91240B29-F687-4F45-9708-019B960494DF}">
+              <a14:hiddenLine xmlns:a14="http://schemas.microsoft.com/office/drawing/2010/main" w="9525">
+                <a:solidFill>
+                  <a:schemeClr val="tx1"/>
+                </a:solidFill>
+                <a:miter lim="800000"/>
+                <a:headEnd/>
+                <a:tailEnd/>
+              </a14:hiddenLine>
+            </a:ext>
+            <a:ext uri="{AF507438-7753-43E0-B8FC-AC1667EBCBE1}">
+              <a14:hiddenEffects xmlns:a14="http://schemas.microsoft.com/office/drawing/2010/main">
+                <a:effectLst>
+                  <a:outerShdw dist="35921" dir="2700000" algn="ctr" rotWithShape="0">
+                    <a:schemeClr val="bg2"/>
+                  </a:outerShdw>
+                </a:effectLst>
+              </a14:hiddenEffects>
+            </a:ext>
+          </a:extLst>
+        </p:spPr>
+      </p:pic>
+      <p:cxnSp>
+        <p:nvCxnSpPr>
+          <p:cNvPr id="10" name="Elbow Connector 9"/>
+          <p:cNvCxnSpPr>
+            <a:stCxn id="18" idx="6"/>
+            <a:endCxn id="15" idx="1"/>
+          </p:cNvCxnSpPr>
+          <p:nvPr/>
+        </p:nvCxnSpPr>
+        <p:spPr>
+          <a:xfrm flipV="1">
+            <a:off x="3033353" y="2990586"/>
+            <a:ext cx="530535" cy="337285"/>
+          </a:xfrm>
+          <a:prstGeom prst="bentConnector3">
+            <a:avLst>
+              <a:gd name="adj1" fmla="val 50000"/>
+            </a:avLst>
+          </a:prstGeom>
+          <a:ln w="3175">
+            <a:solidFill>
+              <a:schemeClr val="tx1"/>
+            </a:solidFill>
+            <a:headEnd type="none" w="med" len="med"/>
+            <a:tailEnd type="triangle" w="med" len="med"/>
+          </a:ln>
+        </p:spPr>
+        <p:style>
+          <a:lnRef idx="2">
+            <a:schemeClr val="accent4"/>
+          </a:lnRef>
+          <a:fillRef idx="0">
+            <a:schemeClr val="accent4"/>
+          </a:fillRef>
+          <a:effectRef idx="1">
+            <a:schemeClr val="accent4"/>
+          </a:effectRef>
+          <a:fontRef idx="minor">
+            <a:schemeClr val="tx1"/>
+          </a:fontRef>
+        </p:style>
+      </p:cxnSp>
+      <p:sp>
+        <p:nvSpPr>
+          <p:cNvPr id="15" name="Rounded Rectangle 14"/>
+          <p:cNvSpPr/>
+          <p:nvPr/>
+        </p:nvSpPr>
+        <p:spPr>
+          <a:xfrm>
+            <a:off x="3563888" y="2910654"/>
+            <a:ext cx="2304256" cy="159863"/>
+          </a:xfrm>
+          <a:prstGeom prst="roundRect">
+            <a:avLst/>
+          </a:prstGeom>
+          <a:noFill/>
+          <a:ln w="19050">
+            <a:solidFill>
+              <a:schemeClr val="tx1"/>
+            </a:solidFill>
+          </a:ln>
+        </p:spPr>
+        <p:style>
+          <a:lnRef idx="1">
+            <a:schemeClr val="accent1"/>
+          </a:lnRef>
+          <a:fillRef idx="3">
+            <a:schemeClr val="accent1"/>
+          </a:fillRef>
+          <a:effectRef idx="2">
+            <a:schemeClr val="accent1"/>
+          </a:effectRef>
+          <a:fontRef idx="minor">
+            <a:schemeClr val="lt1"/>
+          </a:fontRef>
+        </p:style>
+        <p:txBody>
+          <a:bodyPr rtlCol="0" anchor="ctr"/>
+          <a:lstStyle/>
+          <a:p>
+            <a:pPr algn="ctr"/>
+            <a:endParaRPr lang="de-DE"/>
+          </a:p>
+        </p:txBody>
+      </p:sp>
+      <p:cxnSp>
+        <p:nvCxnSpPr>
+          <p:cNvPr id="21" name="Elbow Connector 20"/>
+          <p:cNvCxnSpPr>
+            <a:stCxn id="17" idx="6"/>
+            <a:endCxn id="15" idx="1"/>
+          </p:cNvCxnSpPr>
+          <p:nvPr/>
+        </p:nvCxnSpPr>
+        <p:spPr>
+          <a:xfrm flipV="1">
+            <a:off x="3033353" y="2990586"/>
+            <a:ext cx="530535" cy="476810"/>
+          </a:xfrm>
+          <a:prstGeom prst="bentConnector3">
+            <a:avLst>
+              <a:gd name="adj1" fmla="val 50000"/>
+            </a:avLst>
+          </a:prstGeom>
+          <a:ln w="3175">
+            <a:solidFill>
+              <a:schemeClr val="tx1"/>
+            </a:solidFill>
+            <a:headEnd type="none" w="med" len="med"/>
+            <a:tailEnd type="triangle" w="med" len="med"/>
+          </a:ln>
+          <a:effectLst/>
+        </p:spPr>
+        <p:style>
+          <a:lnRef idx="2">
+            <a:schemeClr val="accent4"/>
+          </a:lnRef>
+          <a:fillRef idx="0">
+            <a:schemeClr val="accent4"/>
+          </a:fillRef>
+          <a:effectRef idx="1">
+            <a:schemeClr val="accent4"/>
+          </a:effectRef>
+          <a:fontRef idx="minor">
+            <a:schemeClr val="tx1"/>
+          </a:fontRef>
+        </p:style>
+      </p:cxnSp>
+      <p:sp>
+        <p:nvSpPr>
+          <p:cNvPr id="19" name="TextBox 18"/>
+          <p:cNvSpPr txBox="1"/>
+          <p:nvPr/>
+        </p:nvSpPr>
+        <p:spPr>
+          <a:xfrm>
+            <a:off x="3022158" y="3077837"/>
+            <a:ext cx="322524" cy="261610"/>
+          </a:xfrm>
+          <a:prstGeom prst="rect">
+            <a:avLst/>
+          </a:prstGeom>
+          <a:noFill/>
+        </p:spPr>
+        <p:txBody>
+          <a:bodyPr wrap="none" rtlCol="0">
+            <a:spAutoFit/>
+          </a:bodyPr>
+          <a:lstStyle/>
+          <a:p>
+            <a:r>
+              <a:rPr lang="en-AU" sz="1100" dirty="0" smtClean="0"/>
+              <a:t>FK</a:t>
+            </a:r>
+            <a:endParaRPr lang="de-DE" sz="1100" dirty="0"/>
+          </a:p>
+        </p:txBody>
+      </p:sp>
+      <p:cxnSp>
+        <p:nvCxnSpPr>
+          <p:cNvPr id="25" name="Elbow Connector 24"/>
+          <p:cNvCxnSpPr>
+            <a:stCxn id="27" idx="2"/>
+            <a:endCxn id="15" idx="0"/>
+          </p:cNvCxnSpPr>
+          <p:nvPr/>
+        </p:nvCxnSpPr>
+        <p:spPr>
+          <a:xfrm rot="10800000" flipH="1" flipV="1">
+            <a:off x="3811052" y="1308472"/>
+            <a:ext cx="904963" cy="1602182"/>
+          </a:xfrm>
+          <a:prstGeom prst="bentConnector4">
+            <a:avLst>
+              <a:gd name="adj1" fmla="val -25261"/>
+              <a:gd name="adj2" fmla="val 51636"/>
+            </a:avLst>
+          </a:prstGeom>
+          <a:ln w="3175">
+            <a:solidFill>
+              <a:schemeClr val="tx1"/>
+            </a:solidFill>
+            <a:headEnd type="none" w="med" len="med"/>
+            <a:tailEnd type="triangle" w="med" len="med"/>
+          </a:ln>
+          <a:effectLst/>
+        </p:spPr>
+        <p:style>
+          <a:lnRef idx="2">
+            <a:schemeClr val="accent4"/>
+          </a:lnRef>
+          <a:fillRef idx="0">
+            <a:schemeClr val="accent4"/>
+          </a:fillRef>
+          <a:effectRef idx="1">
+            <a:schemeClr val="accent4"/>
+          </a:effectRef>
+          <a:fontRef idx="minor">
+            <a:schemeClr val="tx1"/>
+          </a:fontRef>
+        </p:style>
+      </p:cxnSp>
+      <p:sp>
+        <p:nvSpPr>
+          <p:cNvPr id="29" name="TextBox 28"/>
+          <p:cNvSpPr txBox="1"/>
+          <p:nvPr/>
+        </p:nvSpPr>
+        <p:spPr>
+          <a:xfrm>
+            <a:off x="3507822" y="2091815"/>
+            <a:ext cx="322524" cy="261610"/>
+          </a:xfrm>
+          <a:prstGeom prst="rect">
+            <a:avLst/>
+          </a:prstGeom>
+          <a:noFill/>
+        </p:spPr>
+        <p:txBody>
+          <a:bodyPr wrap="none" rtlCol="0">
+            <a:spAutoFit/>
+          </a:bodyPr>
+          <a:lstStyle/>
+          <a:p>
+            <a:r>
+              <a:rPr lang="en-AU" sz="1100" dirty="0" smtClean="0"/>
+              <a:t>FK</a:t>
+            </a:r>
+            <a:endParaRPr lang="de-DE" sz="1100" dirty="0"/>
+          </a:p>
+        </p:txBody>
+      </p:sp>
+      <p:cxnSp>
+        <p:nvCxnSpPr>
+          <p:cNvPr id="41" name="Elbow Connector 40"/>
+          <p:cNvCxnSpPr>
+            <a:stCxn id="39" idx="2"/>
+            <a:endCxn id="15" idx="3"/>
+          </p:cNvCxnSpPr>
+          <p:nvPr/>
+        </p:nvCxnSpPr>
+        <p:spPr>
+          <a:xfrm rot="10800000">
+            <a:off x="5868144" y="2990586"/>
+            <a:ext cx="673472" cy="442108"/>
+          </a:xfrm>
+          <a:prstGeom prst="bentConnector3">
+            <a:avLst>
+              <a:gd name="adj1" fmla="val 50000"/>
+            </a:avLst>
+          </a:prstGeom>
+          <a:ln w="3175">
+            <a:solidFill>
+              <a:schemeClr val="tx1"/>
+            </a:solidFill>
+            <a:headEnd type="none" w="med" len="med"/>
+            <a:tailEnd type="triangle" w="med" len="med"/>
+          </a:ln>
+        </p:spPr>
+        <p:style>
+          <a:lnRef idx="2">
+            <a:schemeClr val="accent4"/>
+          </a:lnRef>
+          <a:fillRef idx="0">
+            <a:schemeClr val="accent4"/>
+          </a:fillRef>
+          <a:effectRef idx="1">
+            <a:schemeClr val="accent4"/>
+          </a:effectRef>
+          <a:fontRef idx="minor">
+            <a:schemeClr val="tx1"/>
+          </a:fontRef>
+        </p:style>
+      </p:cxnSp>
+      <p:cxnSp>
+        <p:nvCxnSpPr>
+          <p:cNvPr id="45" name="Elbow Connector 44"/>
+          <p:cNvCxnSpPr>
+            <a:stCxn id="38" idx="2"/>
+            <a:endCxn id="15" idx="3"/>
+          </p:cNvCxnSpPr>
+          <p:nvPr/>
+        </p:nvCxnSpPr>
+        <p:spPr>
+          <a:xfrm rot="10800000">
+            <a:off x="5868144" y="2990586"/>
+            <a:ext cx="673472" cy="575534"/>
+          </a:xfrm>
+          <a:prstGeom prst="bentConnector3">
+            <a:avLst>
+              <a:gd name="adj1" fmla="val 50000"/>
+            </a:avLst>
+          </a:prstGeom>
+          <a:ln w="3175">
+            <a:solidFill>
+              <a:schemeClr val="tx1"/>
+            </a:solidFill>
+            <a:headEnd type="none" w="med" len="med"/>
+            <a:tailEnd type="triangle" w="med" len="med"/>
+          </a:ln>
+        </p:spPr>
+        <p:style>
+          <a:lnRef idx="2">
+            <a:schemeClr val="accent4"/>
+          </a:lnRef>
+          <a:fillRef idx="0">
+            <a:schemeClr val="accent4"/>
+          </a:fillRef>
+          <a:effectRef idx="1">
+            <a:schemeClr val="accent4"/>
+          </a:effectRef>
+          <a:fontRef idx="minor">
+            <a:schemeClr val="tx1"/>
+          </a:fontRef>
+        </p:style>
+      </p:cxnSp>
+      <p:sp>
+        <p:nvSpPr>
+          <p:cNvPr id="49" name="TextBox 48"/>
+          <p:cNvSpPr txBox="1"/>
+          <p:nvPr/>
+        </p:nvSpPr>
+        <p:spPr>
+          <a:xfrm>
+            <a:off x="5940152" y="2979984"/>
+            <a:ext cx="322524" cy="261610"/>
+          </a:xfrm>
+          <a:prstGeom prst="rect">
+            <a:avLst/>
+          </a:prstGeom>
+          <a:noFill/>
+        </p:spPr>
+        <p:txBody>
+          <a:bodyPr wrap="none" rtlCol="0">
+            <a:spAutoFit/>
+          </a:bodyPr>
+          <a:lstStyle/>
+          <a:p>
+            <a:r>
+              <a:rPr lang="en-AU" sz="1100" dirty="0" smtClean="0"/>
+              <a:t>FK</a:t>
+            </a:r>
+            <a:endParaRPr lang="de-DE" sz="1100" dirty="0"/>
+          </a:p>
+        </p:txBody>
+      </p:sp>
+      <p:grpSp>
+        <p:nvGrpSpPr>
+          <p:cNvPr id="56" name="Group 55"/>
+          <p:cNvGrpSpPr/>
+          <p:nvPr/>
+        </p:nvGrpSpPr>
+        <p:grpSpPr>
+          <a:xfrm>
+            <a:off x="2174528" y="1256060"/>
+            <a:ext cx="4475100" cy="4175372"/>
+            <a:chOff x="2174528" y="1256060"/>
+            <a:chExt cx="4475100" cy="4175372"/>
+          </a:xfrm>
+          <a:solidFill>
+            <a:schemeClr val="bg1">
+              <a:lumMod val="50000"/>
+            </a:schemeClr>
+          </a:solidFill>
+        </p:grpSpPr>
+        <p:sp>
+          <p:nvSpPr>
+            <p:cNvPr id="17" name="Oval 16"/>
+            <p:cNvSpPr/>
+            <p:nvPr/>
+          </p:nvSpPr>
+          <p:spPr>
+            <a:xfrm>
+              <a:off x="2925341" y="3414984"/>
+              <a:ext cx="108012" cy="104823"/>
+            </a:xfrm>
+            <a:prstGeom prst="ellipse">
+              <a:avLst/>
+            </a:prstGeom>
+            <a:grpFill/>
+            <a:ln w="19050">
+              <a:solidFill>
+                <a:schemeClr val="tx1"/>
+              </a:solidFill>
+            </a:ln>
+          </p:spPr>
+          <p:style>
+            <a:lnRef idx="1">
+              <a:schemeClr val="accent1"/>
+            </a:lnRef>
+            <a:fillRef idx="3">
+              <a:schemeClr val="accent1"/>
+            </a:fillRef>
+            <a:effectRef idx="2">
+              <a:schemeClr val="accent1"/>
+            </a:effectRef>
+            <a:fontRef idx="minor">
+              <a:schemeClr val="lt1"/>
+            </a:fontRef>
+          </p:style>
+          <p:txBody>
+            <a:bodyPr rtlCol="0" anchor="ctr"/>
+            <a:lstStyle/>
+            <a:p>
+              <a:pPr algn="ctr"/>
+              <a:endParaRPr lang="de-DE"/>
+            </a:p>
+          </p:txBody>
+        </p:sp>
+        <p:sp>
+          <p:nvSpPr>
+            <p:cNvPr id="18" name="Oval 17"/>
+            <p:cNvSpPr/>
+            <p:nvPr/>
+          </p:nvSpPr>
+          <p:spPr>
+            <a:xfrm>
+              <a:off x="2925341" y="3275459"/>
+              <a:ext cx="108012" cy="104823"/>
+            </a:xfrm>
+            <a:prstGeom prst="ellipse">
+              <a:avLst/>
+            </a:prstGeom>
+            <a:grpFill/>
+            <a:ln w="19050">
+              <a:solidFill>
+                <a:schemeClr val="tx1"/>
+              </a:solidFill>
+            </a:ln>
+          </p:spPr>
+          <p:style>
+            <a:lnRef idx="1">
+              <a:schemeClr val="accent1"/>
+            </a:lnRef>
+            <a:fillRef idx="3">
+              <a:schemeClr val="accent1"/>
+            </a:fillRef>
+            <a:effectRef idx="2">
+              <a:schemeClr val="accent1"/>
+            </a:effectRef>
+            <a:fontRef idx="minor">
+              <a:schemeClr val="lt1"/>
+            </a:fontRef>
+          </p:style>
+          <p:txBody>
+            <a:bodyPr rtlCol="0" anchor="ctr"/>
+            <a:lstStyle/>
+            <a:p>
+              <a:pPr algn="ctr"/>
+              <a:endParaRPr lang="de-DE"/>
+            </a:p>
+          </p:txBody>
+        </p:sp>
+        <p:sp>
+          <p:nvSpPr>
+            <p:cNvPr id="27" name="Oval 26"/>
+            <p:cNvSpPr/>
+            <p:nvPr/>
+          </p:nvSpPr>
+          <p:spPr>
+            <a:xfrm>
+              <a:off x="3811053" y="1256060"/>
+              <a:ext cx="108012" cy="104823"/>
+            </a:xfrm>
+            <a:prstGeom prst="ellipse">
+              <a:avLst/>
+            </a:prstGeom>
+            <a:grpFill/>
+            <a:ln w="19050">
+              <a:solidFill>
+                <a:schemeClr val="tx1"/>
+              </a:solidFill>
+            </a:ln>
+          </p:spPr>
+          <p:style>
+            <a:lnRef idx="1">
+              <a:schemeClr val="accent1"/>
+            </a:lnRef>
+            <a:fillRef idx="3">
+              <a:schemeClr val="accent1"/>
+            </a:fillRef>
+            <a:effectRef idx="2">
+              <a:schemeClr val="accent1"/>
+            </a:effectRef>
+            <a:fontRef idx="minor">
+              <a:schemeClr val="lt1"/>
+            </a:fontRef>
+          </p:style>
+          <p:txBody>
+            <a:bodyPr rtlCol="0" anchor="ctr"/>
+            <a:lstStyle/>
+            <a:p>
+              <a:pPr algn="ctr"/>
+              <a:endParaRPr lang="de-DE"/>
+            </a:p>
+          </p:txBody>
+        </p:sp>
+        <p:grpSp>
+          <p:nvGrpSpPr>
+            <p:cNvPr id="1030" name="Group 1029"/>
+            <p:cNvGrpSpPr/>
+            <p:nvPr/>
+          </p:nvGrpSpPr>
+          <p:grpSpPr>
+            <a:xfrm>
+              <a:off x="6541616" y="3380282"/>
+              <a:ext cx="108012" cy="238249"/>
+              <a:chOff x="3077741" y="3427859"/>
+              <a:chExt cx="108012" cy="238249"/>
+            </a:xfrm>
+            <a:grpFill/>
+          </p:grpSpPr>
+          <p:sp>
+            <p:nvSpPr>
+              <p:cNvPr id="38" name="Oval 37"/>
+              <p:cNvSpPr/>
+              <p:nvPr/>
+            </p:nvSpPr>
+            <p:spPr>
+              <a:xfrm>
+                <a:off x="3077741" y="3561285"/>
+                <a:ext cx="108012" cy="104823"/>
+              </a:xfrm>
+              <a:prstGeom prst="ellipse">
+                <a:avLst/>
+              </a:prstGeom>
+              <a:grpFill/>
+              <a:ln w="19050">
+                <a:solidFill>
+                  <a:schemeClr val="tx1"/>
+                </a:solidFill>
+              </a:ln>
+            </p:spPr>
+            <p:style>
+              <a:lnRef idx="1">
+                <a:schemeClr val="accent1"/>
+              </a:lnRef>
+              <a:fillRef idx="3">
+                <a:schemeClr val="accent1"/>
+              </a:fillRef>
+              <a:effectRef idx="2">
+                <a:schemeClr val="accent1"/>
+              </a:effectRef>
+              <a:fontRef idx="minor">
+                <a:schemeClr val="lt1"/>
+              </a:fontRef>
+            </p:style>
+            <p:txBody>
+              <a:bodyPr rtlCol="0" anchor="ctr"/>
+              <a:lstStyle/>
+              <a:p>
+                <a:pPr algn="ctr"/>
+                <a:endParaRPr lang="de-DE"/>
+              </a:p>
+            </p:txBody>
+          </p:sp>
+          <p:sp>
+            <p:nvSpPr>
+              <p:cNvPr id="39" name="Oval 38"/>
+              <p:cNvSpPr/>
+              <p:nvPr/>
+            </p:nvSpPr>
+            <p:spPr>
+              <a:xfrm>
+                <a:off x="3077741" y="3427859"/>
+                <a:ext cx="108012" cy="104823"/>
+              </a:xfrm>
+              <a:prstGeom prst="ellipse">
+                <a:avLst/>
+              </a:prstGeom>
+              <a:grpFill/>
+              <a:ln w="19050">
+                <a:solidFill>
+                  <a:schemeClr val="tx1"/>
+                </a:solidFill>
+              </a:ln>
+            </p:spPr>
+            <p:style>
+              <a:lnRef idx="1">
+                <a:schemeClr val="accent1"/>
+              </a:lnRef>
+              <a:fillRef idx="3">
+                <a:schemeClr val="accent1"/>
+              </a:fillRef>
+              <a:effectRef idx="2">
+                <a:schemeClr val="accent1"/>
+              </a:effectRef>
+              <a:fontRef idx="minor">
+                <a:schemeClr val="lt1"/>
+              </a:fontRef>
+            </p:style>
+            <p:txBody>
+              <a:bodyPr rtlCol="0" anchor="ctr"/>
+              <a:lstStyle/>
+              <a:p>
+                <a:pPr algn="ctr"/>
+                <a:endParaRPr lang="de-DE"/>
+              </a:p>
+            </p:txBody>
+          </p:sp>
+        </p:grpSp>
+        <p:sp>
+          <p:nvSpPr>
+            <p:cNvPr id="50" name="Oval 49"/>
+            <p:cNvSpPr/>
+            <p:nvPr/>
+          </p:nvSpPr>
+          <p:spPr>
+            <a:xfrm>
+              <a:off x="2174528" y="5326608"/>
+              <a:ext cx="108012" cy="104823"/>
+            </a:xfrm>
+            <a:prstGeom prst="ellipse">
+              <a:avLst/>
+            </a:prstGeom>
+            <a:grpFill/>
+            <a:ln w="19050">
+              <a:solidFill>
+                <a:schemeClr val="tx1"/>
+              </a:solidFill>
+            </a:ln>
+          </p:spPr>
+          <p:style>
+            <a:lnRef idx="1">
+              <a:schemeClr val="accent1"/>
+            </a:lnRef>
+            <a:fillRef idx="3">
+              <a:schemeClr val="accent1"/>
+            </a:fillRef>
+            <a:effectRef idx="2">
+              <a:schemeClr val="accent1"/>
+            </a:effectRef>
+            <a:fontRef idx="minor">
+              <a:schemeClr val="lt1"/>
+            </a:fontRef>
+          </p:style>
+          <p:txBody>
+            <a:bodyPr rtlCol="0" anchor="ctr"/>
+            <a:lstStyle/>
+            <a:p>
+              <a:pPr algn="ctr"/>
+              <a:endParaRPr lang="de-DE"/>
+            </a:p>
+          </p:txBody>
+        </p:sp>
+        <p:sp>
+          <p:nvSpPr>
+            <p:cNvPr id="51" name="Oval 50"/>
+            <p:cNvSpPr/>
+            <p:nvPr/>
+          </p:nvSpPr>
+          <p:spPr>
+            <a:xfrm>
+              <a:off x="5107806" y="5326609"/>
+              <a:ext cx="108012" cy="104823"/>
+            </a:xfrm>
+            <a:prstGeom prst="ellipse">
+              <a:avLst/>
+            </a:prstGeom>
+            <a:grpFill/>
+            <a:ln w="19050">
+              <a:solidFill>
+                <a:schemeClr val="tx1"/>
+              </a:solidFill>
+            </a:ln>
+          </p:spPr>
+          <p:style>
+            <a:lnRef idx="1">
+              <a:schemeClr val="accent1"/>
+            </a:lnRef>
+            <a:fillRef idx="3">
+              <a:schemeClr val="accent1"/>
+            </a:fillRef>
+            <a:effectRef idx="2">
+              <a:schemeClr val="accent1"/>
+            </a:effectRef>
+            <a:fontRef idx="minor">
+              <a:schemeClr val="lt1"/>
+            </a:fontRef>
+          </p:style>
+          <p:txBody>
+            <a:bodyPr rtlCol="0" anchor="ctr"/>
+            <a:lstStyle/>
+            <a:p>
+              <a:pPr algn="ctr"/>
+              <a:endParaRPr lang="de-DE"/>
+            </a:p>
+          </p:txBody>
+        </p:sp>
+      </p:grpSp>
+      <p:cxnSp>
+        <p:nvCxnSpPr>
+          <p:cNvPr id="52" name="Elbow Connector 51"/>
+          <p:cNvCxnSpPr>
+            <a:stCxn id="50" idx="2"/>
+            <a:endCxn id="15" idx="2"/>
+          </p:cNvCxnSpPr>
+          <p:nvPr/>
+        </p:nvCxnSpPr>
+        <p:spPr>
+          <a:xfrm rot="10800000" flipH="1">
+            <a:off x="2174528" y="3070518"/>
+            <a:ext cx="2541488" cy="2308503"/>
+          </a:xfrm>
+          <a:prstGeom prst="bentConnector4">
+            <a:avLst>
+              <a:gd name="adj1" fmla="val -8995"/>
+              <a:gd name="adj2" fmla="val 51135"/>
+            </a:avLst>
+          </a:prstGeom>
+          <a:ln w="3175">
+            <a:solidFill>
+              <a:schemeClr val="tx1"/>
+            </a:solidFill>
+            <a:headEnd type="none" w="med" len="med"/>
+            <a:tailEnd type="triangle" w="med" len="med"/>
+          </a:ln>
+        </p:spPr>
+        <p:style>
+          <a:lnRef idx="2">
+            <a:schemeClr val="accent4"/>
+          </a:lnRef>
+          <a:fillRef idx="0">
+            <a:schemeClr val="accent4"/>
+          </a:fillRef>
+          <a:effectRef idx="1">
+            <a:schemeClr val="accent4"/>
+          </a:effectRef>
+          <a:fontRef idx="minor">
+            <a:schemeClr val="tx1"/>
+          </a:fontRef>
+        </p:style>
+      </p:cxnSp>
+      <p:cxnSp>
+        <p:nvCxnSpPr>
+          <p:cNvPr id="55" name="Elbow Connector 54"/>
+          <p:cNvCxnSpPr>
+            <a:endCxn id="15" idx="2"/>
+          </p:cNvCxnSpPr>
+          <p:nvPr/>
+        </p:nvCxnSpPr>
+        <p:spPr>
+          <a:xfrm rot="16200000" flipV="1">
+            <a:off x="3821189" y="3965344"/>
+            <a:ext cx="2235454" cy="445799"/>
+          </a:xfrm>
+          <a:prstGeom prst="bentConnector3">
+            <a:avLst>
+              <a:gd name="adj1" fmla="val 49574"/>
+            </a:avLst>
+          </a:prstGeom>
+          <a:ln w="3175">
+            <a:solidFill>
+              <a:schemeClr val="tx1"/>
+            </a:solidFill>
+            <a:headEnd type="none" w="med" len="med"/>
+            <a:tailEnd type="triangle" w="med" len="med"/>
+          </a:ln>
+        </p:spPr>
+        <p:style>
+          <a:lnRef idx="2">
+            <a:schemeClr val="accent4"/>
+          </a:lnRef>
+          <a:fillRef idx="0">
+            <a:schemeClr val="accent4"/>
+          </a:fillRef>
+          <a:effectRef idx="1">
+            <a:schemeClr val="accent4"/>
+          </a:effectRef>
+          <a:fontRef idx="minor">
+            <a:schemeClr val="tx1"/>
+          </a:fontRef>
+        </p:style>
+      </p:cxnSp>
+      <p:sp>
+        <p:nvSpPr>
+          <p:cNvPr id="62" name="TextBox 61"/>
+          <p:cNvSpPr txBox="1"/>
+          <p:nvPr/>
+        </p:nvSpPr>
+        <p:spPr>
+          <a:xfrm>
+            <a:off x="5180744" y="4581128"/>
+            <a:ext cx="322524" cy="261610"/>
+          </a:xfrm>
+          <a:prstGeom prst="rect">
+            <a:avLst/>
+          </a:prstGeom>
+          <a:noFill/>
+        </p:spPr>
+        <p:txBody>
+          <a:bodyPr wrap="none" rtlCol="0">
+            <a:spAutoFit/>
+          </a:bodyPr>
+          <a:lstStyle/>
+          <a:p>
+            <a:r>
+              <a:rPr lang="en-AU" sz="1100" dirty="0" smtClean="0"/>
+              <a:t>FK</a:t>
+            </a:r>
+            <a:endParaRPr lang="de-DE" sz="1100" dirty="0"/>
+          </a:p>
+        </p:txBody>
+      </p:sp>
+      <p:sp>
+        <p:nvSpPr>
+          <p:cNvPr id="63" name="TextBox 62"/>
+          <p:cNvSpPr txBox="1"/>
+          <p:nvPr/>
+        </p:nvSpPr>
+        <p:spPr>
+          <a:xfrm>
+            <a:off x="1977528" y="4581128"/>
+            <a:ext cx="322524" cy="261610"/>
+          </a:xfrm>
+          <a:prstGeom prst="rect">
+            <a:avLst/>
+          </a:prstGeom>
+          <a:noFill/>
+        </p:spPr>
+        <p:txBody>
+          <a:bodyPr wrap="none" rtlCol="0">
+            <a:spAutoFit/>
+          </a:bodyPr>
+          <a:lstStyle/>
+          <a:p>
+            <a:r>
+              <a:rPr lang="en-AU" sz="1100" dirty="0" smtClean="0"/>
+              <a:t>FK</a:t>
+            </a:r>
+            <a:endParaRPr lang="de-DE" sz="1100" dirty="0"/>
+          </a:p>
+        </p:txBody>
+      </p:sp>
+    </p:spTree>
+    <p:extLst>
+      <p:ext uri="{BB962C8B-B14F-4D97-AF65-F5344CB8AC3E}">
+        <p14:creationId xmlns:p14="http://schemas.microsoft.com/office/powerpoint/2010/main" val="428725531"/>
+      </p:ext>
+    </p:extLst>
+  </p:cSld>
+  <p:clrMapOvr>
+    <a:masterClrMapping/>
+  </p:clrMapOvr>
+</p:sld>
+</file>
+
 <file path=ppt/theme/theme1.xml><?xml version="1.0" encoding="utf-8"?>
 <a:theme xmlns:a="http://schemas.openxmlformats.org/drawingml/2006/main" name="Office Theme">
   <a:themeElements>

--- a/assets/Hackfest - FSDF Overview.pptx
+++ b/assets/Hackfest - FSDF Overview.pptx
@@ -9,6 +9,7 @@
     <p:sldId id="256" r:id="rId3"/>
     <p:sldId id="257" r:id="rId4"/>
     <p:sldId id="259" r:id="rId5"/>
+    <p:sldId id="260" r:id="rId6"/>
   </p:sldIdLst>
   <p:sldSz cx="9144000" cy="6858000" type="screen4x3"/>
   <p:notesSz cx="6858000" cy="9144000"/>
@@ -16931,21 +16932,7 @@
                 <a:latin typeface="Arial" pitchFamily="34" charset="0"/>
                 <a:cs typeface="Arial" pitchFamily="34" charset="0"/>
               </a:rPr>
-              <a:t>” to </a:t>
-            </a:r>
-            <a:r>
-              <a:rPr lang="en-AU" sz="800" i="1" dirty="0" smtClean="0">
-                <a:latin typeface="Arial" pitchFamily="34" charset="0"/>
-                <a:cs typeface="Arial" pitchFamily="34" charset="0"/>
-              </a:rPr>
-              <a:t>Berrigan (LGA</a:t>
-            </a:r>
-            <a:r>
-              <a:rPr lang="en-AU" sz="800" i="1" dirty="0" smtClean="0">
-                <a:latin typeface="Arial" pitchFamily="34" charset="0"/>
-                <a:cs typeface="Arial" pitchFamily="34" charset="0"/>
-              </a:rPr>
-              <a:t>)</a:t>
+              <a:t>” to Berrigan (LGA)</a:t>
             </a:r>
             <a:endParaRPr lang="en-AU" sz="800" i="1" dirty="0">
               <a:latin typeface="Arial" pitchFamily="34" charset="0"/>
@@ -17650,21 +17637,7 @@
                 <a:latin typeface="Arial" pitchFamily="34" charset="0"/>
                 <a:cs typeface="Arial" pitchFamily="34" charset="0"/>
               </a:rPr>
-              <a:t> to </a:t>
-            </a:r>
-            <a:r>
-              <a:rPr lang="en-AU" sz="800" i="1" dirty="0" smtClean="0">
-                <a:latin typeface="Arial" pitchFamily="34" charset="0"/>
-                <a:cs typeface="Arial" pitchFamily="34" charset="0"/>
-              </a:rPr>
-              <a:t>Corowa (LGA</a:t>
-            </a:r>
-            <a:r>
-              <a:rPr lang="en-AU" sz="800" i="1" dirty="0" smtClean="0">
-                <a:latin typeface="Arial" pitchFamily="34" charset="0"/>
-                <a:cs typeface="Arial" pitchFamily="34" charset="0"/>
-              </a:rPr>
-              <a:t>)</a:t>
+              <a:t> to Corowa (LGA)</a:t>
             </a:r>
             <a:endParaRPr lang="en-AU" sz="800" i="1" dirty="0">
               <a:latin typeface="Arial" pitchFamily="34" charset="0"/>
@@ -17940,21 +17913,7 @@
                 <a:latin typeface="Arial" pitchFamily="34" charset="0"/>
                 <a:cs typeface="Arial" pitchFamily="34" charset="0"/>
               </a:rPr>
-              <a:t>– e.g. </a:t>
-            </a:r>
-            <a:r>
-              <a:rPr lang="en-AU" sz="800" i="1" dirty="0" smtClean="0">
-                <a:latin typeface="Arial" pitchFamily="34" charset="0"/>
-                <a:cs typeface="Arial" pitchFamily="34" charset="0"/>
-              </a:rPr>
-              <a:t>Albury (LGA</a:t>
-            </a:r>
-            <a:r>
-              <a:rPr lang="en-AU" sz="800" i="1" dirty="0" smtClean="0">
-                <a:latin typeface="Arial" pitchFamily="34" charset="0"/>
-                <a:cs typeface="Arial" pitchFamily="34" charset="0"/>
-              </a:rPr>
-              <a:t>) “</a:t>
+              <a:t>– e.g. Albury (LGA) “</a:t>
             </a:r>
             <a:r>
               <a:rPr lang="en-AU" sz="800" b="1" i="1" dirty="0" smtClean="0">
@@ -17982,14 +17941,7 @@
                 <a:latin typeface="Arial" pitchFamily="34" charset="0"/>
                 <a:cs typeface="Arial" pitchFamily="34" charset="0"/>
               </a:rPr>
-              <a:t> (SA2</a:t>
-            </a:r>
-            <a:r>
-              <a:rPr lang="en-AU" sz="800" i="1" dirty="0" smtClean="0">
-                <a:latin typeface="Arial" pitchFamily="34" charset="0"/>
-                <a:cs typeface="Arial" pitchFamily="34" charset="0"/>
-              </a:rPr>
-              <a:t>)</a:t>
+              <a:t> (SA2)</a:t>
             </a:r>
             <a:endParaRPr lang="en-AU" sz="800" i="1" dirty="0">
               <a:latin typeface="Arial" pitchFamily="34" charset="0"/>
@@ -18234,11 +18186,6 @@
               </a:rPr>
               <a:t>FSDF Server</a:t>
             </a:r>
-            <a:endParaRPr lang="en-AU" b="1" dirty="0" smtClean="0">
-              <a:solidFill>
-                <a:schemeClr val="tx1"/>
-              </a:solidFill>
-            </a:endParaRPr>
           </a:p>
         </p:txBody>
       </p:sp>
@@ -25183,7 +25130,7 @@
         <p:spPr>
           <a:xfrm flipV="1">
             <a:off x="3033353" y="2990586"/>
-            <a:ext cx="530535" cy="337285"/>
+            <a:ext cx="650017" cy="337285"/>
           </a:xfrm>
           <a:prstGeom prst="bentConnector3">
             <a:avLst>
@@ -25221,8 +25168,8 @@
         </p:nvSpPr>
         <p:spPr>
           <a:xfrm>
-            <a:off x="3563888" y="2910654"/>
-            <a:ext cx="2304256" cy="159863"/>
+            <a:off x="3683370" y="2910654"/>
+            <a:ext cx="2127052" cy="159863"/>
           </a:xfrm>
           <a:prstGeom prst="roundRect">
             <a:avLst/>
@@ -25233,6 +25180,7 @@
               <a:schemeClr val="tx1"/>
             </a:solidFill>
           </a:ln>
+          <a:effectLst/>
         </p:spPr>
         <p:style>
           <a:lnRef idx="1">
@@ -25269,7 +25217,7 @@
         <p:spPr>
           <a:xfrm flipV="1">
             <a:off x="3033353" y="2990586"/>
-            <a:ext cx="530535" cy="476810"/>
+            <a:ext cx="650017" cy="476810"/>
           </a:xfrm>
           <a:prstGeom prst="bentConnector3">
             <a:avLst>
@@ -25342,11 +25290,11 @@
         <p:spPr>
           <a:xfrm rot="10800000" flipH="1" flipV="1">
             <a:off x="3811052" y="1308472"/>
-            <a:ext cx="904963" cy="1602182"/>
+            <a:ext cx="935843" cy="1602182"/>
           </a:xfrm>
           <a:prstGeom prst="bentConnector4">
             <a:avLst>
-              <a:gd name="adj1" fmla="val -25261"/>
+              <a:gd name="adj1" fmla="val -24427"/>
               <a:gd name="adj2" fmla="val 51636"/>
             </a:avLst>
           </a:prstGeom>
@@ -25415,8 +25363,8 @@
         </p:nvCxnSpPr>
         <p:spPr>
           <a:xfrm rot="10800000">
-            <a:off x="5868144" y="2990586"/>
-            <a:ext cx="673472" cy="442108"/>
+            <a:off x="5810422" y="2990586"/>
+            <a:ext cx="731194" cy="442108"/>
           </a:xfrm>
           <a:prstGeom prst="bentConnector3">
             <a:avLst>
@@ -25457,8 +25405,8 @@
         </p:nvCxnSpPr>
         <p:spPr>
           <a:xfrm rot="10800000">
-            <a:off x="5868144" y="2990586"/>
-            <a:ext cx="673472" cy="575534"/>
+            <a:off x="5810422" y="2990586"/>
+            <a:ext cx="731194" cy="575534"/>
           </a:xfrm>
           <a:prstGeom prst="bentConnector3">
             <a:avLst>
@@ -25518,18 +25466,162 @@
           </a:p>
         </p:txBody>
       </p:sp>
+      <p:sp>
+        <p:nvSpPr>
+          <p:cNvPr id="17" name="Oval 16"/>
+          <p:cNvSpPr/>
+          <p:nvPr/>
+        </p:nvSpPr>
+        <p:spPr>
+          <a:xfrm>
+            <a:off x="2925341" y="3414984"/>
+            <a:ext cx="108012" cy="104823"/>
+          </a:xfrm>
+          <a:prstGeom prst="ellipse">
+            <a:avLst/>
+          </a:prstGeom>
+          <a:solidFill>
+            <a:schemeClr val="bg1">
+              <a:lumMod val="50000"/>
+            </a:schemeClr>
+          </a:solidFill>
+          <a:ln w="19050">
+            <a:solidFill>
+              <a:schemeClr val="tx1"/>
+            </a:solidFill>
+          </a:ln>
+        </p:spPr>
+        <p:style>
+          <a:lnRef idx="1">
+            <a:schemeClr val="accent1"/>
+          </a:lnRef>
+          <a:fillRef idx="3">
+            <a:schemeClr val="accent1"/>
+          </a:fillRef>
+          <a:effectRef idx="2">
+            <a:schemeClr val="accent1"/>
+          </a:effectRef>
+          <a:fontRef idx="minor">
+            <a:schemeClr val="lt1"/>
+          </a:fontRef>
+        </p:style>
+        <p:txBody>
+          <a:bodyPr rtlCol="0" anchor="ctr"/>
+          <a:lstStyle/>
+          <a:p>
+            <a:pPr algn="ctr"/>
+            <a:endParaRPr lang="de-DE"/>
+          </a:p>
+        </p:txBody>
+      </p:sp>
+      <p:sp>
+        <p:nvSpPr>
+          <p:cNvPr id="18" name="Oval 17"/>
+          <p:cNvSpPr/>
+          <p:nvPr/>
+        </p:nvSpPr>
+        <p:spPr>
+          <a:xfrm>
+            <a:off x="2925341" y="3275459"/>
+            <a:ext cx="108012" cy="104823"/>
+          </a:xfrm>
+          <a:prstGeom prst="ellipse">
+            <a:avLst/>
+          </a:prstGeom>
+          <a:solidFill>
+            <a:schemeClr val="bg1">
+              <a:lumMod val="50000"/>
+            </a:schemeClr>
+          </a:solidFill>
+          <a:ln w="19050">
+            <a:solidFill>
+              <a:schemeClr val="tx1"/>
+            </a:solidFill>
+          </a:ln>
+        </p:spPr>
+        <p:style>
+          <a:lnRef idx="1">
+            <a:schemeClr val="accent1"/>
+          </a:lnRef>
+          <a:fillRef idx="3">
+            <a:schemeClr val="accent1"/>
+          </a:fillRef>
+          <a:effectRef idx="2">
+            <a:schemeClr val="accent1"/>
+          </a:effectRef>
+          <a:fontRef idx="minor">
+            <a:schemeClr val="lt1"/>
+          </a:fontRef>
+        </p:style>
+        <p:txBody>
+          <a:bodyPr rtlCol="0" anchor="ctr"/>
+          <a:lstStyle/>
+          <a:p>
+            <a:pPr algn="ctr"/>
+            <a:endParaRPr lang="de-DE"/>
+          </a:p>
+        </p:txBody>
+      </p:sp>
+      <p:sp>
+        <p:nvSpPr>
+          <p:cNvPr id="27" name="Oval 26"/>
+          <p:cNvSpPr/>
+          <p:nvPr/>
+        </p:nvSpPr>
+        <p:spPr>
+          <a:xfrm>
+            <a:off x="3811053" y="1256060"/>
+            <a:ext cx="108012" cy="104823"/>
+          </a:xfrm>
+          <a:prstGeom prst="ellipse">
+            <a:avLst/>
+          </a:prstGeom>
+          <a:solidFill>
+            <a:schemeClr val="bg1">
+              <a:lumMod val="50000"/>
+            </a:schemeClr>
+          </a:solidFill>
+          <a:ln w="19050">
+            <a:solidFill>
+              <a:schemeClr val="tx1"/>
+            </a:solidFill>
+          </a:ln>
+        </p:spPr>
+        <p:style>
+          <a:lnRef idx="1">
+            <a:schemeClr val="accent1"/>
+          </a:lnRef>
+          <a:fillRef idx="3">
+            <a:schemeClr val="accent1"/>
+          </a:fillRef>
+          <a:effectRef idx="2">
+            <a:schemeClr val="accent1"/>
+          </a:effectRef>
+          <a:fontRef idx="minor">
+            <a:schemeClr val="lt1"/>
+          </a:fontRef>
+        </p:style>
+        <p:txBody>
+          <a:bodyPr rtlCol="0" anchor="ctr"/>
+          <a:lstStyle/>
+          <a:p>
+            <a:pPr algn="ctr"/>
+            <a:endParaRPr lang="de-DE"/>
+          </a:p>
+        </p:txBody>
+      </p:sp>
       <p:grpSp>
         <p:nvGrpSpPr>
-          <p:cNvPr id="56" name="Group 55"/>
+          <p:cNvPr id="1030" name="Group 1029"/>
           <p:cNvGrpSpPr/>
           <p:nvPr/>
         </p:nvGrpSpPr>
         <p:grpSpPr>
           <a:xfrm>
-            <a:off x="2174528" y="1256060"/>
-            <a:ext cx="4475100" cy="4175372"/>
-            <a:chOff x="2174528" y="1256060"/>
-            <a:chExt cx="4475100" cy="4175372"/>
+            <a:off x="6541616" y="3380282"/>
+            <a:ext cx="108012" cy="238249"/>
+            <a:chOff x="3077741" y="3427859"/>
+            <a:chExt cx="108012" cy="238249"/>
           </a:xfrm>
           <a:solidFill>
             <a:schemeClr val="bg1">
@@ -25539,13 +25631,13 @@
         </p:grpSpPr>
         <p:sp>
           <p:nvSpPr>
-            <p:cNvPr id="17" name="Oval 16"/>
+            <p:cNvPr id="38" name="Oval 37"/>
             <p:cNvSpPr/>
             <p:nvPr/>
           </p:nvSpPr>
           <p:spPr>
             <a:xfrm>
-              <a:off x="2925341" y="3414984"/>
+              <a:off x="3077741" y="3561285"/>
               <a:ext cx="108012" cy="104823"/>
             </a:xfrm>
             <a:prstGeom prst="ellipse">
@@ -25583,249 +25675,13 @@
         </p:sp>
         <p:sp>
           <p:nvSpPr>
-            <p:cNvPr id="18" name="Oval 17"/>
+            <p:cNvPr id="39" name="Oval 38"/>
             <p:cNvSpPr/>
             <p:nvPr/>
           </p:nvSpPr>
           <p:spPr>
             <a:xfrm>
-              <a:off x="2925341" y="3275459"/>
-              <a:ext cx="108012" cy="104823"/>
-            </a:xfrm>
-            <a:prstGeom prst="ellipse">
-              <a:avLst/>
-            </a:prstGeom>
-            <a:grpFill/>
-            <a:ln w="19050">
-              <a:solidFill>
-                <a:schemeClr val="tx1"/>
-              </a:solidFill>
-            </a:ln>
-          </p:spPr>
-          <p:style>
-            <a:lnRef idx="1">
-              <a:schemeClr val="accent1"/>
-            </a:lnRef>
-            <a:fillRef idx="3">
-              <a:schemeClr val="accent1"/>
-            </a:fillRef>
-            <a:effectRef idx="2">
-              <a:schemeClr val="accent1"/>
-            </a:effectRef>
-            <a:fontRef idx="minor">
-              <a:schemeClr val="lt1"/>
-            </a:fontRef>
-          </p:style>
-          <p:txBody>
-            <a:bodyPr rtlCol="0" anchor="ctr"/>
-            <a:lstStyle/>
-            <a:p>
-              <a:pPr algn="ctr"/>
-              <a:endParaRPr lang="de-DE"/>
-            </a:p>
-          </p:txBody>
-        </p:sp>
-        <p:sp>
-          <p:nvSpPr>
-            <p:cNvPr id="27" name="Oval 26"/>
-            <p:cNvSpPr/>
-            <p:nvPr/>
-          </p:nvSpPr>
-          <p:spPr>
-            <a:xfrm>
-              <a:off x="3811053" y="1256060"/>
-              <a:ext cx="108012" cy="104823"/>
-            </a:xfrm>
-            <a:prstGeom prst="ellipse">
-              <a:avLst/>
-            </a:prstGeom>
-            <a:grpFill/>
-            <a:ln w="19050">
-              <a:solidFill>
-                <a:schemeClr val="tx1"/>
-              </a:solidFill>
-            </a:ln>
-          </p:spPr>
-          <p:style>
-            <a:lnRef idx="1">
-              <a:schemeClr val="accent1"/>
-            </a:lnRef>
-            <a:fillRef idx="3">
-              <a:schemeClr val="accent1"/>
-            </a:fillRef>
-            <a:effectRef idx="2">
-              <a:schemeClr val="accent1"/>
-            </a:effectRef>
-            <a:fontRef idx="minor">
-              <a:schemeClr val="lt1"/>
-            </a:fontRef>
-          </p:style>
-          <p:txBody>
-            <a:bodyPr rtlCol="0" anchor="ctr"/>
-            <a:lstStyle/>
-            <a:p>
-              <a:pPr algn="ctr"/>
-              <a:endParaRPr lang="de-DE"/>
-            </a:p>
-          </p:txBody>
-        </p:sp>
-        <p:grpSp>
-          <p:nvGrpSpPr>
-            <p:cNvPr id="1030" name="Group 1029"/>
-            <p:cNvGrpSpPr/>
-            <p:nvPr/>
-          </p:nvGrpSpPr>
-          <p:grpSpPr>
-            <a:xfrm>
-              <a:off x="6541616" y="3380282"/>
-              <a:ext cx="108012" cy="238249"/>
-              <a:chOff x="3077741" y="3427859"/>
-              <a:chExt cx="108012" cy="238249"/>
-            </a:xfrm>
-            <a:grpFill/>
-          </p:grpSpPr>
-          <p:sp>
-            <p:nvSpPr>
-              <p:cNvPr id="38" name="Oval 37"/>
-              <p:cNvSpPr/>
-              <p:nvPr/>
-            </p:nvSpPr>
-            <p:spPr>
-              <a:xfrm>
-                <a:off x="3077741" y="3561285"/>
-                <a:ext cx="108012" cy="104823"/>
-              </a:xfrm>
-              <a:prstGeom prst="ellipse">
-                <a:avLst/>
-              </a:prstGeom>
-              <a:grpFill/>
-              <a:ln w="19050">
-                <a:solidFill>
-                  <a:schemeClr val="tx1"/>
-                </a:solidFill>
-              </a:ln>
-            </p:spPr>
-            <p:style>
-              <a:lnRef idx="1">
-                <a:schemeClr val="accent1"/>
-              </a:lnRef>
-              <a:fillRef idx="3">
-                <a:schemeClr val="accent1"/>
-              </a:fillRef>
-              <a:effectRef idx="2">
-                <a:schemeClr val="accent1"/>
-              </a:effectRef>
-              <a:fontRef idx="minor">
-                <a:schemeClr val="lt1"/>
-              </a:fontRef>
-            </p:style>
-            <p:txBody>
-              <a:bodyPr rtlCol="0" anchor="ctr"/>
-              <a:lstStyle/>
-              <a:p>
-                <a:pPr algn="ctr"/>
-                <a:endParaRPr lang="de-DE"/>
-              </a:p>
-            </p:txBody>
-          </p:sp>
-          <p:sp>
-            <p:nvSpPr>
-              <p:cNvPr id="39" name="Oval 38"/>
-              <p:cNvSpPr/>
-              <p:nvPr/>
-            </p:nvSpPr>
-            <p:spPr>
-              <a:xfrm>
-                <a:off x="3077741" y="3427859"/>
-                <a:ext cx="108012" cy="104823"/>
-              </a:xfrm>
-              <a:prstGeom prst="ellipse">
-                <a:avLst/>
-              </a:prstGeom>
-              <a:grpFill/>
-              <a:ln w="19050">
-                <a:solidFill>
-                  <a:schemeClr val="tx1"/>
-                </a:solidFill>
-              </a:ln>
-            </p:spPr>
-            <p:style>
-              <a:lnRef idx="1">
-                <a:schemeClr val="accent1"/>
-              </a:lnRef>
-              <a:fillRef idx="3">
-                <a:schemeClr val="accent1"/>
-              </a:fillRef>
-              <a:effectRef idx="2">
-                <a:schemeClr val="accent1"/>
-              </a:effectRef>
-              <a:fontRef idx="minor">
-                <a:schemeClr val="lt1"/>
-              </a:fontRef>
-            </p:style>
-            <p:txBody>
-              <a:bodyPr rtlCol="0" anchor="ctr"/>
-              <a:lstStyle/>
-              <a:p>
-                <a:pPr algn="ctr"/>
-                <a:endParaRPr lang="de-DE"/>
-              </a:p>
-            </p:txBody>
-          </p:sp>
-        </p:grpSp>
-        <p:sp>
-          <p:nvSpPr>
-            <p:cNvPr id="50" name="Oval 49"/>
-            <p:cNvSpPr/>
-            <p:nvPr/>
-          </p:nvSpPr>
-          <p:spPr>
-            <a:xfrm>
-              <a:off x="2174528" y="5326608"/>
-              <a:ext cx="108012" cy="104823"/>
-            </a:xfrm>
-            <a:prstGeom prst="ellipse">
-              <a:avLst/>
-            </a:prstGeom>
-            <a:grpFill/>
-            <a:ln w="19050">
-              <a:solidFill>
-                <a:schemeClr val="tx1"/>
-              </a:solidFill>
-            </a:ln>
-          </p:spPr>
-          <p:style>
-            <a:lnRef idx="1">
-              <a:schemeClr val="accent1"/>
-            </a:lnRef>
-            <a:fillRef idx="3">
-              <a:schemeClr val="accent1"/>
-            </a:fillRef>
-            <a:effectRef idx="2">
-              <a:schemeClr val="accent1"/>
-            </a:effectRef>
-            <a:fontRef idx="minor">
-              <a:schemeClr val="lt1"/>
-            </a:fontRef>
-          </p:style>
-          <p:txBody>
-            <a:bodyPr rtlCol="0" anchor="ctr"/>
-            <a:lstStyle/>
-            <a:p>
-              <a:pPr algn="ctr"/>
-              <a:endParaRPr lang="de-DE"/>
-            </a:p>
-          </p:txBody>
-        </p:sp>
-        <p:sp>
-          <p:nvSpPr>
-            <p:cNvPr id="51" name="Oval 50"/>
-            <p:cNvSpPr/>
-            <p:nvPr/>
-          </p:nvSpPr>
-          <p:spPr>
-            <a:xfrm>
-              <a:off x="5107806" y="5326609"/>
+              <a:off x="3077741" y="3427859"/>
               <a:ext cx="108012" cy="104823"/>
             </a:xfrm>
             <a:prstGeom prst="ellipse">
@@ -25862,6 +25718,102 @@
           </p:txBody>
         </p:sp>
       </p:grpSp>
+      <p:sp>
+        <p:nvSpPr>
+          <p:cNvPr id="50" name="Oval 49"/>
+          <p:cNvSpPr/>
+          <p:nvPr/>
+        </p:nvSpPr>
+        <p:spPr>
+          <a:xfrm>
+            <a:off x="2174528" y="5326608"/>
+            <a:ext cx="108012" cy="104823"/>
+          </a:xfrm>
+          <a:prstGeom prst="ellipse">
+            <a:avLst/>
+          </a:prstGeom>
+          <a:solidFill>
+            <a:schemeClr val="bg1">
+              <a:lumMod val="50000"/>
+            </a:schemeClr>
+          </a:solidFill>
+          <a:ln w="19050">
+            <a:solidFill>
+              <a:schemeClr val="tx1"/>
+            </a:solidFill>
+          </a:ln>
+        </p:spPr>
+        <p:style>
+          <a:lnRef idx="1">
+            <a:schemeClr val="accent1"/>
+          </a:lnRef>
+          <a:fillRef idx="3">
+            <a:schemeClr val="accent1"/>
+          </a:fillRef>
+          <a:effectRef idx="2">
+            <a:schemeClr val="accent1"/>
+          </a:effectRef>
+          <a:fontRef idx="minor">
+            <a:schemeClr val="lt1"/>
+          </a:fontRef>
+        </p:style>
+        <p:txBody>
+          <a:bodyPr rtlCol="0" anchor="ctr"/>
+          <a:lstStyle/>
+          <a:p>
+            <a:pPr algn="ctr"/>
+            <a:endParaRPr lang="de-DE"/>
+          </a:p>
+        </p:txBody>
+      </p:sp>
+      <p:sp>
+        <p:nvSpPr>
+          <p:cNvPr id="51" name="Oval 50"/>
+          <p:cNvSpPr/>
+          <p:nvPr/>
+        </p:nvSpPr>
+        <p:spPr>
+          <a:xfrm>
+            <a:off x="5107806" y="5326609"/>
+            <a:ext cx="108012" cy="104823"/>
+          </a:xfrm>
+          <a:prstGeom prst="ellipse">
+            <a:avLst/>
+          </a:prstGeom>
+          <a:solidFill>
+            <a:schemeClr val="bg1">
+              <a:lumMod val="50000"/>
+            </a:schemeClr>
+          </a:solidFill>
+          <a:ln w="19050">
+            <a:solidFill>
+              <a:schemeClr val="tx1"/>
+            </a:solidFill>
+          </a:ln>
+        </p:spPr>
+        <p:style>
+          <a:lnRef idx="1">
+            <a:schemeClr val="accent1"/>
+          </a:lnRef>
+          <a:fillRef idx="3">
+            <a:schemeClr val="accent1"/>
+          </a:fillRef>
+          <a:effectRef idx="2">
+            <a:schemeClr val="accent1"/>
+          </a:effectRef>
+          <a:fontRef idx="minor">
+            <a:schemeClr val="lt1"/>
+          </a:fontRef>
+        </p:style>
+        <p:txBody>
+          <a:bodyPr rtlCol="0" anchor="ctr"/>
+          <a:lstStyle/>
+          <a:p>
+            <a:pPr algn="ctr"/>
+            <a:endParaRPr lang="de-DE"/>
+          </a:p>
+        </p:txBody>
+      </p:sp>
       <p:cxnSp>
         <p:nvCxnSpPr>
           <p:cNvPr id="52" name="Elbow Connector 51"/>
@@ -25874,11 +25826,11 @@
         <p:spPr>
           <a:xfrm rot="10800000" flipH="1">
             <a:off x="2174528" y="3070518"/>
-            <a:ext cx="2541488" cy="2308503"/>
+            <a:ext cx="2572368" cy="2308503"/>
           </a:xfrm>
           <a:prstGeom prst="bentConnector4">
             <a:avLst>
-              <a:gd name="adj1" fmla="val -8995"/>
+              <a:gd name="adj1" fmla="val -8887"/>
               <a:gd name="adj2" fmla="val 51135"/>
             </a:avLst>
           </a:prstGeom>
@@ -25915,12 +25867,12 @@
         </p:nvCxnSpPr>
         <p:spPr>
           <a:xfrm rot="16200000" flipV="1">
-            <a:off x="3821189" y="3965344"/>
-            <a:ext cx="2235454" cy="445799"/>
+            <a:off x="3843772" y="3973641"/>
+            <a:ext cx="2235454" cy="429206"/>
           </a:xfrm>
           <a:prstGeom prst="bentConnector3">
             <a:avLst>
-              <a:gd name="adj1" fmla="val 49574"/>
+              <a:gd name="adj1" fmla="val 50000"/>
             </a:avLst>
           </a:prstGeom>
           <a:ln w="3175">
@@ -26010,6 +25962,1338 @@
     <p:extLst>
       <p:ext uri="{BB962C8B-B14F-4D97-AF65-F5344CB8AC3E}">
         <p14:creationId xmlns:p14="http://schemas.microsoft.com/office/powerpoint/2010/main" val="428725531"/>
+      </p:ext>
+    </p:extLst>
+  </p:cSld>
+  <p:clrMapOvr>
+    <a:masterClrMapping/>
+  </p:clrMapOvr>
+</p:sld>
+</file>
+
+<file path=ppt/slides/slide5.xml><?xml version="1.0" encoding="utf-8"?>
+<p:sld xmlns:a="http://schemas.openxmlformats.org/drawingml/2006/main" xmlns:r="http://schemas.openxmlformats.org/officeDocument/2006/relationships" xmlns:p="http://schemas.openxmlformats.org/presentationml/2006/main">
+  <p:cSld>
+    <p:spTree>
+      <p:nvGrpSpPr>
+        <p:cNvPr id="1" name=""/>
+        <p:cNvGrpSpPr/>
+        <p:nvPr/>
+      </p:nvGrpSpPr>
+      <p:grpSpPr>
+        <a:xfrm>
+          <a:off x="0" y="0"/>
+          <a:ext cx="0" cy="0"/>
+          <a:chOff x="0" y="0"/>
+          <a:chExt cx="0" cy="0"/>
+        </a:xfrm>
+      </p:grpSpPr>
+      <p:pic>
+        <p:nvPicPr>
+          <p:cNvPr id="62" name="Picture 3"/>
+          <p:cNvPicPr>
+            <a:picLocks noChangeAspect="1" noChangeArrowheads="1"/>
+          </p:cNvPicPr>
+          <p:nvPr/>
+        </p:nvPicPr>
+        <p:blipFill>
+          <a:blip r:embed="rId2">
+            <a:extLst>
+              <a:ext uri="{28A0092B-C50C-407E-A947-70E740481C1C}">
+                <a14:useLocalDpi xmlns:a14="http://schemas.microsoft.com/office/drawing/2010/main" val="0"/>
+              </a:ext>
+            </a:extLst>
+          </a:blip>
+          <a:srcRect/>
+          <a:stretch>
+            <a:fillRect/>
+          </a:stretch>
+        </p:blipFill>
+        <p:spPr bwMode="auto">
+          <a:xfrm>
+            <a:off x="361313" y="1655617"/>
+            <a:ext cx="8064896" cy="3197817"/>
+          </a:xfrm>
+          <a:prstGeom prst="rect">
+            <a:avLst/>
+          </a:prstGeom>
+          <a:noFill/>
+          <a:ln>
+            <a:noFill/>
+          </a:ln>
+          <a:effectLst/>
+          <a:extLst>
+            <a:ext uri="{909E8E84-426E-40DD-AFC4-6F175D3DCCD1}">
+              <a14:hiddenFill xmlns:a14="http://schemas.microsoft.com/office/drawing/2010/main">
+                <a:solidFill>
+                  <a:schemeClr val="accent1"/>
+                </a:solidFill>
+              </a14:hiddenFill>
+            </a:ext>
+            <a:ext uri="{91240B29-F687-4F45-9708-019B960494DF}">
+              <a14:hiddenLine xmlns:a14="http://schemas.microsoft.com/office/drawing/2010/main" w="9525">
+                <a:solidFill>
+                  <a:schemeClr val="tx1"/>
+                </a:solidFill>
+                <a:miter lim="800000"/>
+                <a:headEnd/>
+                <a:tailEnd/>
+              </a14:hiddenLine>
+            </a:ext>
+            <a:ext uri="{AF507438-7753-43E0-B8FC-AC1667EBCBE1}">
+              <a14:hiddenEffects xmlns:a14="http://schemas.microsoft.com/office/drawing/2010/main">
+                <a:effectLst>
+                  <a:outerShdw dist="35921" dir="2700000" algn="ctr" rotWithShape="0">
+                    <a:schemeClr val="bg2"/>
+                  </a:outerShdw>
+                </a:effectLst>
+              </a14:hiddenEffects>
+            </a:ext>
+          </a:extLst>
+        </p:spPr>
+      </p:pic>
+      <p:cxnSp>
+        <p:nvCxnSpPr>
+          <p:cNvPr id="5" name="Elbow Connector 4"/>
+          <p:cNvCxnSpPr>
+            <a:stCxn id="56" idx="6"/>
+            <a:endCxn id="63" idx="2"/>
+          </p:cNvCxnSpPr>
+          <p:nvPr/>
+        </p:nvCxnSpPr>
+        <p:spPr>
+          <a:xfrm>
+            <a:off x="2756305" y="3041143"/>
+            <a:ext cx="568537" cy="722441"/>
+          </a:xfrm>
+          <a:prstGeom prst="bentConnector3">
+            <a:avLst>
+              <a:gd name="adj1" fmla="val 53770"/>
+            </a:avLst>
+          </a:prstGeom>
+          <a:ln w="3175">
+            <a:solidFill>
+              <a:schemeClr val="tx1"/>
+            </a:solidFill>
+            <a:headEnd type="none" w="med" len="med"/>
+            <a:tailEnd type="triangle" w="med" len="med"/>
+          </a:ln>
+          <a:effectLst/>
+        </p:spPr>
+        <p:style>
+          <a:lnRef idx="2">
+            <a:schemeClr val="accent4"/>
+          </a:lnRef>
+          <a:fillRef idx="0">
+            <a:schemeClr val="accent4"/>
+          </a:fillRef>
+          <a:effectRef idx="1">
+            <a:schemeClr val="accent4"/>
+          </a:effectRef>
+          <a:fontRef idx="minor">
+            <a:schemeClr val="tx1"/>
+          </a:fontRef>
+        </p:style>
+      </p:cxnSp>
+      <p:sp>
+        <p:nvSpPr>
+          <p:cNvPr id="10" name="Oval 9"/>
+          <p:cNvSpPr/>
+          <p:nvPr/>
+        </p:nvSpPr>
+        <p:spPr>
+          <a:xfrm>
+            <a:off x="3287761" y="3686804"/>
+            <a:ext cx="108012" cy="104823"/>
+          </a:xfrm>
+          <a:prstGeom prst="ellipse">
+            <a:avLst/>
+          </a:prstGeom>
+          <a:noFill/>
+          <a:ln w="3175">
+            <a:noFill/>
+          </a:ln>
+        </p:spPr>
+        <p:style>
+          <a:lnRef idx="1">
+            <a:schemeClr val="accent1"/>
+          </a:lnRef>
+          <a:fillRef idx="3">
+            <a:schemeClr val="accent1"/>
+          </a:fillRef>
+          <a:effectRef idx="2">
+            <a:schemeClr val="accent1"/>
+          </a:effectRef>
+          <a:fontRef idx="minor">
+            <a:schemeClr val="lt1"/>
+          </a:fontRef>
+        </p:style>
+        <p:txBody>
+          <a:bodyPr rtlCol="0" anchor="ctr"/>
+          <a:lstStyle/>
+          <a:p>
+            <a:pPr algn="ctr"/>
+            <a:endParaRPr lang="de-DE"/>
+          </a:p>
+        </p:txBody>
+      </p:sp>
+      <p:sp>
+        <p:nvSpPr>
+          <p:cNvPr id="12" name="Oval 11"/>
+          <p:cNvSpPr/>
+          <p:nvPr/>
+        </p:nvSpPr>
+        <p:spPr>
+          <a:xfrm>
+            <a:off x="3458190" y="3839204"/>
+            <a:ext cx="108012" cy="104823"/>
+          </a:xfrm>
+          <a:prstGeom prst="ellipse">
+            <a:avLst/>
+          </a:prstGeom>
+          <a:noFill/>
+          <a:ln w="3175">
+            <a:noFill/>
+          </a:ln>
+        </p:spPr>
+        <p:style>
+          <a:lnRef idx="1">
+            <a:schemeClr val="accent1"/>
+          </a:lnRef>
+          <a:fillRef idx="3">
+            <a:schemeClr val="accent1"/>
+          </a:fillRef>
+          <a:effectRef idx="2">
+            <a:schemeClr val="accent1"/>
+          </a:effectRef>
+          <a:fontRef idx="minor">
+            <a:schemeClr val="lt1"/>
+          </a:fontRef>
+        </p:style>
+        <p:txBody>
+          <a:bodyPr rtlCol="0" anchor="ctr"/>
+          <a:lstStyle/>
+          <a:p>
+            <a:pPr algn="ctr"/>
+            <a:endParaRPr lang="de-DE"/>
+          </a:p>
+        </p:txBody>
+      </p:sp>
+      <p:sp>
+        <p:nvSpPr>
+          <p:cNvPr id="13" name="Oval 12"/>
+          <p:cNvSpPr/>
+          <p:nvPr/>
+        </p:nvSpPr>
+        <p:spPr>
+          <a:xfrm>
+            <a:off x="3432854" y="2109041"/>
+            <a:ext cx="108012" cy="104823"/>
+          </a:xfrm>
+          <a:prstGeom prst="ellipse">
+            <a:avLst/>
+          </a:prstGeom>
+          <a:solidFill>
+            <a:schemeClr val="tx2">
+              <a:lumMod val="60000"/>
+              <a:lumOff val="40000"/>
+            </a:schemeClr>
+          </a:solidFill>
+          <a:ln w="3175">
+            <a:noFill/>
+          </a:ln>
+        </p:spPr>
+        <p:style>
+          <a:lnRef idx="1">
+            <a:schemeClr val="accent1"/>
+          </a:lnRef>
+          <a:fillRef idx="3">
+            <a:schemeClr val="accent1"/>
+          </a:fillRef>
+          <a:effectRef idx="2">
+            <a:schemeClr val="accent1"/>
+          </a:effectRef>
+          <a:fontRef idx="minor">
+            <a:schemeClr val="lt1"/>
+          </a:fontRef>
+        </p:style>
+        <p:txBody>
+          <a:bodyPr rtlCol="0" anchor="ctr"/>
+          <a:lstStyle/>
+          <a:p>
+            <a:pPr algn="ctr"/>
+            <a:endParaRPr lang="de-DE"/>
+          </a:p>
+        </p:txBody>
+      </p:sp>
+      <p:sp>
+        <p:nvSpPr>
+          <p:cNvPr id="14" name="Oval 13"/>
+          <p:cNvSpPr/>
+          <p:nvPr/>
+        </p:nvSpPr>
+        <p:spPr>
+          <a:xfrm>
+            <a:off x="2597556" y="2990128"/>
+            <a:ext cx="108012" cy="104823"/>
+          </a:xfrm>
+          <a:prstGeom prst="ellipse">
+            <a:avLst/>
+          </a:prstGeom>
+          <a:noFill/>
+          <a:ln w="3175">
+            <a:noFill/>
+          </a:ln>
+        </p:spPr>
+        <p:style>
+          <a:lnRef idx="1">
+            <a:schemeClr val="accent1"/>
+          </a:lnRef>
+          <a:fillRef idx="3">
+            <a:schemeClr val="accent1"/>
+          </a:fillRef>
+          <a:effectRef idx="2">
+            <a:schemeClr val="accent1"/>
+          </a:effectRef>
+          <a:fontRef idx="minor">
+            <a:schemeClr val="lt1"/>
+          </a:fontRef>
+        </p:style>
+        <p:txBody>
+          <a:bodyPr rtlCol="0" anchor="ctr"/>
+          <a:lstStyle/>
+          <a:p>
+            <a:pPr algn="ctr"/>
+            <a:endParaRPr lang="de-DE"/>
+          </a:p>
+        </p:txBody>
+      </p:sp>
+      <p:cxnSp>
+        <p:nvCxnSpPr>
+          <p:cNvPr id="17" name="Elbow Connector 16"/>
+          <p:cNvCxnSpPr>
+            <a:stCxn id="54" idx="6"/>
+            <a:endCxn id="63" idx="2"/>
+          </p:cNvCxnSpPr>
+          <p:nvPr/>
+        </p:nvCxnSpPr>
+        <p:spPr>
+          <a:xfrm>
+            <a:off x="2760600" y="2891962"/>
+            <a:ext cx="564242" cy="871622"/>
+          </a:xfrm>
+          <a:prstGeom prst="bentConnector3">
+            <a:avLst>
+              <a:gd name="adj1" fmla="val 53798"/>
+            </a:avLst>
+          </a:prstGeom>
+          <a:ln w="3175">
+            <a:solidFill>
+              <a:schemeClr val="tx1"/>
+            </a:solidFill>
+            <a:headEnd type="none" w="med" len="med"/>
+            <a:tailEnd type="triangle" w="med" len="med"/>
+          </a:ln>
+          <a:effectLst/>
+        </p:spPr>
+        <p:style>
+          <a:lnRef idx="2">
+            <a:schemeClr val="accent4"/>
+          </a:lnRef>
+          <a:fillRef idx="0">
+            <a:schemeClr val="accent4"/>
+          </a:fillRef>
+          <a:effectRef idx="1">
+            <a:schemeClr val="accent4"/>
+          </a:effectRef>
+          <a:fontRef idx="minor">
+            <a:schemeClr val="tx1"/>
+          </a:fontRef>
+        </p:style>
+      </p:cxnSp>
+      <p:cxnSp>
+        <p:nvCxnSpPr>
+          <p:cNvPr id="23" name="Elbow Connector 22"/>
+          <p:cNvCxnSpPr>
+            <a:stCxn id="13" idx="2"/>
+            <a:endCxn id="63" idx="0"/>
+          </p:cNvCxnSpPr>
+          <p:nvPr/>
+        </p:nvCxnSpPr>
+        <p:spPr>
+          <a:xfrm rot="10800000" flipV="1">
+            <a:off x="3378848" y="2161452"/>
+            <a:ext cx="54006" cy="1549719"/>
+          </a:xfrm>
+          <a:prstGeom prst="bentConnector2">
+            <a:avLst/>
+          </a:prstGeom>
+          <a:ln w="3175">
+            <a:solidFill>
+              <a:schemeClr val="tx1"/>
+            </a:solidFill>
+            <a:headEnd type="none" w="med" len="med"/>
+            <a:tailEnd type="triangle" w="med" len="med"/>
+          </a:ln>
+          <a:effectLst/>
+        </p:spPr>
+        <p:style>
+          <a:lnRef idx="2">
+            <a:schemeClr val="accent4"/>
+          </a:lnRef>
+          <a:fillRef idx="0">
+            <a:schemeClr val="accent4"/>
+          </a:fillRef>
+          <a:effectRef idx="1">
+            <a:schemeClr val="accent4"/>
+          </a:effectRef>
+          <a:fontRef idx="minor">
+            <a:schemeClr val="tx1"/>
+          </a:fontRef>
+        </p:style>
+      </p:cxnSp>
+      <p:sp>
+        <p:nvSpPr>
+          <p:cNvPr id="26" name="Oval 25"/>
+          <p:cNvSpPr/>
+          <p:nvPr/>
+        </p:nvSpPr>
+        <p:spPr>
+          <a:xfrm>
+            <a:off x="2637984" y="4077072"/>
+            <a:ext cx="108012" cy="104823"/>
+          </a:xfrm>
+          <a:prstGeom prst="ellipse">
+            <a:avLst/>
+          </a:prstGeom>
+          <a:noFill/>
+          <a:ln w="3175">
+            <a:noFill/>
+          </a:ln>
+        </p:spPr>
+        <p:style>
+          <a:lnRef idx="1">
+            <a:schemeClr val="accent1"/>
+          </a:lnRef>
+          <a:fillRef idx="3">
+            <a:schemeClr val="accent1"/>
+          </a:fillRef>
+          <a:effectRef idx="2">
+            <a:schemeClr val="accent1"/>
+          </a:effectRef>
+          <a:fontRef idx="minor">
+            <a:schemeClr val="lt1"/>
+          </a:fontRef>
+        </p:style>
+        <p:txBody>
+          <a:bodyPr rtlCol="0" anchor="ctr"/>
+          <a:lstStyle/>
+          <a:p>
+            <a:pPr algn="ctr"/>
+            <a:endParaRPr lang="de-DE"/>
+          </a:p>
+        </p:txBody>
+      </p:sp>
+      <p:sp>
+        <p:nvSpPr>
+          <p:cNvPr id="27" name="Oval 26"/>
+          <p:cNvSpPr/>
+          <p:nvPr/>
+        </p:nvSpPr>
+        <p:spPr>
+          <a:xfrm>
+            <a:off x="2639973" y="4221088"/>
+            <a:ext cx="108012" cy="104823"/>
+          </a:xfrm>
+          <a:prstGeom prst="ellipse">
+            <a:avLst/>
+          </a:prstGeom>
+          <a:noFill/>
+          <a:ln w="3175">
+            <a:noFill/>
+          </a:ln>
+        </p:spPr>
+        <p:style>
+          <a:lnRef idx="1">
+            <a:schemeClr val="accent1"/>
+          </a:lnRef>
+          <a:fillRef idx="3">
+            <a:schemeClr val="accent1"/>
+          </a:fillRef>
+          <a:effectRef idx="2">
+            <a:schemeClr val="accent1"/>
+          </a:effectRef>
+          <a:fontRef idx="minor">
+            <a:schemeClr val="lt1"/>
+          </a:fontRef>
+        </p:style>
+        <p:txBody>
+          <a:bodyPr rtlCol="0" anchor="ctr"/>
+          <a:lstStyle/>
+          <a:p>
+            <a:pPr algn="ctr"/>
+            <a:endParaRPr lang="de-DE"/>
+          </a:p>
+        </p:txBody>
+      </p:sp>
+      <p:cxnSp>
+        <p:nvCxnSpPr>
+          <p:cNvPr id="28" name="Elbow Connector 27"/>
+          <p:cNvCxnSpPr>
+            <a:stCxn id="67" idx="6"/>
+            <a:endCxn id="63" idx="2"/>
+          </p:cNvCxnSpPr>
+          <p:nvPr/>
+        </p:nvCxnSpPr>
+        <p:spPr>
+          <a:xfrm flipV="1">
+            <a:off x="2799605" y="3763584"/>
+            <a:ext cx="525237" cy="365899"/>
+          </a:xfrm>
+          <a:prstGeom prst="bentConnector3">
+            <a:avLst>
+              <a:gd name="adj1" fmla="val 50000"/>
+            </a:avLst>
+          </a:prstGeom>
+          <a:ln w="3175">
+            <a:solidFill>
+              <a:schemeClr val="tx1"/>
+            </a:solidFill>
+            <a:headEnd type="none" w="med" len="med"/>
+            <a:tailEnd type="triangle" w="med" len="med"/>
+          </a:ln>
+          <a:effectLst/>
+        </p:spPr>
+        <p:style>
+          <a:lnRef idx="2">
+            <a:schemeClr val="accent4"/>
+          </a:lnRef>
+          <a:fillRef idx="0">
+            <a:schemeClr val="accent4"/>
+          </a:fillRef>
+          <a:effectRef idx="1">
+            <a:schemeClr val="accent4"/>
+          </a:effectRef>
+          <a:fontRef idx="minor">
+            <a:schemeClr val="tx1"/>
+          </a:fontRef>
+        </p:style>
+      </p:cxnSp>
+      <p:cxnSp>
+        <p:nvCxnSpPr>
+          <p:cNvPr id="31" name="Elbow Connector 30"/>
+          <p:cNvCxnSpPr>
+            <a:stCxn id="68" idx="6"/>
+            <a:endCxn id="63" idx="2"/>
+          </p:cNvCxnSpPr>
+          <p:nvPr/>
+        </p:nvCxnSpPr>
+        <p:spPr>
+          <a:xfrm flipV="1">
+            <a:off x="2799605" y="3763584"/>
+            <a:ext cx="525237" cy="505548"/>
+          </a:xfrm>
+          <a:prstGeom prst="bentConnector3">
+            <a:avLst>
+              <a:gd name="adj1" fmla="val 50000"/>
+            </a:avLst>
+          </a:prstGeom>
+          <a:ln w="3175">
+            <a:solidFill>
+              <a:schemeClr val="tx1"/>
+            </a:solidFill>
+            <a:headEnd type="none" w="med" len="med"/>
+            <a:tailEnd type="triangle" w="med" len="med"/>
+          </a:ln>
+          <a:effectLst/>
+        </p:spPr>
+        <p:style>
+          <a:lnRef idx="2">
+            <a:schemeClr val="accent4"/>
+          </a:lnRef>
+          <a:fillRef idx="0">
+            <a:schemeClr val="accent4"/>
+          </a:fillRef>
+          <a:effectRef idx="1">
+            <a:schemeClr val="accent4"/>
+          </a:effectRef>
+          <a:fontRef idx="minor">
+            <a:schemeClr val="tx1"/>
+          </a:fontRef>
+        </p:style>
+      </p:cxnSp>
+      <p:cxnSp>
+        <p:nvCxnSpPr>
+          <p:cNvPr id="41" name="Elbow Connector 40"/>
+          <p:cNvCxnSpPr>
+            <a:stCxn id="80" idx="2"/>
+            <a:endCxn id="63" idx="0"/>
+          </p:cNvCxnSpPr>
+          <p:nvPr/>
+        </p:nvCxnSpPr>
+        <p:spPr>
+          <a:xfrm rot="10800000">
+            <a:off x="3378848" y="3711172"/>
+            <a:ext cx="2732850" cy="595358"/>
+          </a:xfrm>
+          <a:prstGeom prst="bentConnector4">
+            <a:avLst>
+              <a:gd name="adj1" fmla="val 22697"/>
+              <a:gd name="adj2" fmla="val 184794"/>
+            </a:avLst>
+          </a:prstGeom>
+          <a:ln w="3175">
+            <a:solidFill>
+              <a:schemeClr val="tx1"/>
+            </a:solidFill>
+            <a:headEnd type="none" w="med" len="med"/>
+            <a:tailEnd type="triangle" w="med" len="med"/>
+          </a:ln>
+          <a:effectLst/>
+        </p:spPr>
+        <p:style>
+          <a:lnRef idx="2">
+            <a:schemeClr val="accent4"/>
+          </a:lnRef>
+          <a:fillRef idx="0">
+            <a:schemeClr val="accent4"/>
+          </a:fillRef>
+          <a:effectRef idx="1">
+            <a:schemeClr val="accent4"/>
+          </a:effectRef>
+          <a:fontRef idx="minor">
+            <a:schemeClr val="tx1"/>
+          </a:fontRef>
+        </p:style>
+      </p:cxnSp>
+      <p:cxnSp>
+        <p:nvCxnSpPr>
+          <p:cNvPr id="46" name="Elbow Connector 45"/>
+          <p:cNvCxnSpPr>
+            <a:stCxn id="78" idx="2"/>
+            <a:endCxn id="63" idx="0"/>
+          </p:cNvCxnSpPr>
+          <p:nvPr/>
+        </p:nvCxnSpPr>
+        <p:spPr>
+          <a:xfrm rot="10800000" flipV="1">
+            <a:off x="3378849" y="2954620"/>
+            <a:ext cx="2712185" cy="756552"/>
+          </a:xfrm>
+          <a:prstGeom prst="bentConnector2">
+            <a:avLst/>
+          </a:prstGeom>
+          <a:ln w="3175">
+            <a:solidFill>
+              <a:schemeClr val="tx1"/>
+            </a:solidFill>
+            <a:headEnd type="none" w="med" len="med"/>
+            <a:tailEnd type="triangle" w="med" len="med"/>
+          </a:ln>
+          <a:effectLst/>
+        </p:spPr>
+        <p:style>
+          <a:lnRef idx="2">
+            <a:schemeClr val="accent4"/>
+          </a:lnRef>
+          <a:fillRef idx="0">
+            <a:schemeClr val="accent4"/>
+          </a:fillRef>
+          <a:effectRef idx="1">
+            <a:schemeClr val="accent4"/>
+          </a:effectRef>
+          <a:fontRef idx="minor">
+            <a:schemeClr val="tx1"/>
+          </a:fontRef>
+        </p:style>
+      </p:cxnSp>
+      <p:sp>
+        <p:nvSpPr>
+          <p:cNvPr id="48" name="Oval 47"/>
+          <p:cNvSpPr/>
+          <p:nvPr/>
+        </p:nvSpPr>
+        <p:spPr>
+          <a:xfrm>
+            <a:off x="5222735" y="3756225"/>
+            <a:ext cx="108012" cy="104823"/>
+          </a:xfrm>
+          <a:prstGeom prst="ellipse">
+            <a:avLst/>
+          </a:prstGeom>
+          <a:noFill/>
+          <a:ln w="3175">
+            <a:noFill/>
+          </a:ln>
+        </p:spPr>
+        <p:style>
+          <a:lnRef idx="1">
+            <a:schemeClr val="accent1"/>
+          </a:lnRef>
+          <a:fillRef idx="3">
+            <a:schemeClr val="accent1"/>
+          </a:fillRef>
+          <a:effectRef idx="2">
+            <a:schemeClr val="accent1"/>
+          </a:effectRef>
+          <a:fontRef idx="minor">
+            <a:schemeClr val="lt1"/>
+          </a:fontRef>
+        </p:style>
+        <p:txBody>
+          <a:bodyPr rtlCol="0" anchor="ctr"/>
+          <a:lstStyle/>
+          <a:p>
+            <a:pPr algn="ctr"/>
+            <a:endParaRPr lang="de-DE"/>
+          </a:p>
+        </p:txBody>
+      </p:sp>
+      <p:sp>
+        <p:nvSpPr>
+          <p:cNvPr id="50" name="Oval 49"/>
+          <p:cNvSpPr/>
+          <p:nvPr/>
+        </p:nvSpPr>
+        <p:spPr>
+          <a:xfrm>
+            <a:off x="5220072" y="3908625"/>
+            <a:ext cx="108012" cy="104823"/>
+          </a:xfrm>
+          <a:prstGeom prst="ellipse">
+            <a:avLst/>
+          </a:prstGeom>
+          <a:noFill/>
+          <a:ln w="3175">
+            <a:noFill/>
+          </a:ln>
+        </p:spPr>
+        <p:style>
+          <a:lnRef idx="1">
+            <a:schemeClr val="accent1"/>
+          </a:lnRef>
+          <a:fillRef idx="3">
+            <a:schemeClr val="accent1"/>
+          </a:fillRef>
+          <a:effectRef idx="2">
+            <a:schemeClr val="accent1"/>
+          </a:effectRef>
+          <a:fontRef idx="minor">
+            <a:schemeClr val="lt1"/>
+          </a:fontRef>
+        </p:style>
+        <p:txBody>
+          <a:bodyPr rtlCol="0" anchor="ctr"/>
+          <a:lstStyle/>
+          <a:p>
+            <a:pPr algn="ctr"/>
+            <a:endParaRPr lang="de-DE"/>
+          </a:p>
+        </p:txBody>
+      </p:sp>
+      <p:sp>
+        <p:nvSpPr>
+          <p:cNvPr id="54" name="Oval 53"/>
+          <p:cNvSpPr/>
+          <p:nvPr/>
+        </p:nvSpPr>
+        <p:spPr>
+          <a:xfrm>
+            <a:off x="2652588" y="2839550"/>
+            <a:ext cx="108012" cy="104823"/>
+          </a:xfrm>
+          <a:prstGeom prst="ellipse">
+            <a:avLst/>
+          </a:prstGeom>
+          <a:solidFill>
+            <a:schemeClr val="tx2">
+              <a:lumMod val="60000"/>
+              <a:lumOff val="40000"/>
+            </a:schemeClr>
+          </a:solidFill>
+          <a:ln w="3175">
+            <a:noFill/>
+          </a:ln>
+        </p:spPr>
+        <p:style>
+          <a:lnRef idx="1">
+            <a:schemeClr val="accent1"/>
+          </a:lnRef>
+          <a:fillRef idx="3">
+            <a:schemeClr val="accent1"/>
+          </a:fillRef>
+          <a:effectRef idx="2">
+            <a:schemeClr val="accent1"/>
+          </a:effectRef>
+          <a:fontRef idx="minor">
+            <a:schemeClr val="lt1"/>
+          </a:fontRef>
+        </p:style>
+        <p:txBody>
+          <a:bodyPr rtlCol="0" anchor="ctr"/>
+          <a:lstStyle/>
+          <a:p>
+            <a:pPr algn="ctr"/>
+            <a:endParaRPr lang="de-DE"/>
+          </a:p>
+        </p:txBody>
+      </p:sp>
+      <p:sp>
+        <p:nvSpPr>
+          <p:cNvPr id="56" name="Oval 55"/>
+          <p:cNvSpPr/>
+          <p:nvPr/>
+        </p:nvSpPr>
+        <p:spPr>
+          <a:xfrm>
+            <a:off x="2648293" y="2988731"/>
+            <a:ext cx="108012" cy="104823"/>
+          </a:xfrm>
+          <a:prstGeom prst="ellipse">
+            <a:avLst/>
+          </a:prstGeom>
+          <a:solidFill>
+            <a:schemeClr val="tx2">
+              <a:lumMod val="60000"/>
+              <a:lumOff val="40000"/>
+            </a:schemeClr>
+          </a:solidFill>
+          <a:ln w="3175">
+            <a:noFill/>
+          </a:ln>
+        </p:spPr>
+        <p:style>
+          <a:lnRef idx="1">
+            <a:schemeClr val="accent1"/>
+          </a:lnRef>
+          <a:fillRef idx="3">
+            <a:schemeClr val="accent1"/>
+          </a:fillRef>
+          <a:effectRef idx="2">
+            <a:schemeClr val="accent1"/>
+          </a:effectRef>
+          <a:fontRef idx="minor">
+            <a:schemeClr val="lt1"/>
+          </a:fontRef>
+        </p:style>
+        <p:txBody>
+          <a:bodyPr rtlCol="0" anchor="ctr"/>
+          <a:lstStyle/>
+          <a:p>
+            <a:pPr algn="ctr"/>
+            <a:endParaRPr lang="de-DE"/>
+          </a:p>
+        </p:txBody>
+      </p:sp>
+      <p:sp>
+        <p:nvSpPr>
+          <p:cNvPr id="63" name="Oval 62"/>
+          <p:cNvSpPr/>
+          <p:nvPr/>
+        </p:nvSpPr>
+        <p:spPr>
+          <a:xfrm>
+            <a:off x="3324842" y="3711172"/>
+            <a:ext cx="108012" cy="104823"/>
+          </a:xfrm>
+          <a:prstGeom prst="ellipse">
+            <a:avLst/>
+          </a:prstGeom>
+          <a:solidFill>
+            <a:schemeClr val="tx2">
+              <a:lumMod val="60000"/>
+              <a:lumOff val="40000"/>
+            </a:schemeClr>
+          </a:solidFill>
+          <a:ln w="3175">
+            <a:noFill/>
+          </a:ln>
+        </p:spPr>
+        <p:style>
+          <a:lnRef idx="1">
+            <a:schemeClr val="accent1"/>
+          </a:lnRef>
+          <a:fillRef idx="3">
+            <a:schemeClr val="accent1"/>
+          </a:fillRef>
+          <a:effectRef idx="2">
+            <a:schemeClr val="accent1"/>
+          </a:effectRef>
+          <a:fontRef idx="minor">
+            <a:schemeClr val="lt1"/>
+          </a:fontRef>
+        </p:style>
+        <p:txBody>
+          <a:bodyPr rtlCol="0" anchor="ctr"/>
+          <a:lstStyle/>
+          <a:p>
+            <a:pPr algn="ctr"/>
+            <a:endParaRPr lang="de-DE"/>
+          </a:p>
+        </p:txBody>
+      </p:sp>
+      <p:sp>
+        <p:nvSpPr>
+          <p:cNvPr id="67" name="Oval 66"/>
+          <p:cNvSpPr/>
+          <p:nvPr/>
+        </p:nvSpPr>
+        <p:spPr>
+          <a:xfrm>
+            <a:off x="2691593" y="4077071"/>
+            <a:ext cx="108012" cy="104823"/>
+          </a:xfrm>
+          <a:prstGeom prst="ellipse">
+            <a:avLst/>
+          </a:prstGeom>
+          <a:solidFill>
+            <a:schemeClr val="tx2">
+              <a:lumMod val="60000"/>
+              <a:lumOff val="40000"/>
+            </a:schemeClr>
+          </a:solidFill>
+          <a:ln w="3175">
+            <a:noFill/>
+          </a:ln>
+        </p:spPr>
+        <p:style>
+          <a:lnRef idx="1">
+            <a:schemeClr val="accent1"/>
+          </a:lnRef>
+          <a:fillRef idx="3">
+            <a:schemeClr val="accent1"/>
+          </a:fillRef>
+          <a:effectRef idx="2">
+            <a:schemeClr val="accent1"/>
+          </a:effectRef>
+          <a:fontRef idx="minor">
+            <a:schemeClr val="lt1"/>
+          </a:fontRef>
+        </p:style>
+        <p:txBody>
+          <a:bodyPr rtlCol="0" anchor="ctr"/>
+          <a:lstStyle/>
+          <a:p>
+            <a:pPr algn="ctr"/>
+            <a:endParaRPr lang="de-DE"/>
+          </a:p>
+        </p:txBody>
+      </p:sp>
+      <p:sp>
+        <p:nvSpPr>
+          <p:cNvPr id="68" name="Oval 67"/>
+          <p:cNvSpPr/>
+          <p:nvPr/>
+        </p:nvSpPr>
+        <p:spPr>
+          <a:xfrm>
+            <a:off x="2691593" y="4216720"/>
+            <a:ext cx="108012" cy="104823"/>
+          </a:xfrm>
+          <a:prstGeom prst="ellipse">
+            <a:avLst/>
+          </a:prstGeom>
+          <a:solidFill>
+            <a:schemeClr val="tx2">
+              <a:lumMod val="60000"/>
+              <a:lumOff val="40000"/>
+            </a:schemeClr>
+          </a:solidFill>
+          <a:ln w="3175">
+            <a:noFill/>
+          </a:ln>
+        </p:spPr>
+        <p:style>
+          <a:lnRef idx="1">
+            <a:schemeClr val="accent1"/>
+          </a:lnRef>
+          <a:fillRef idx="3">
+            <a:schemeClr val="accent1"/>
+          </a:fillRef>
+          <a:effectRef idx="2">
+            <a:schemeClr val="accent1"/>
+          </a:effectRef>
+          <a:fontRef idx="minor">
+            <a:schemeClr val="lt1"/>
+          </a:fontRef>
+        </p:style>
+        <p:txBody>
+          <a:bodyPr rtlCol="0" anchor="ctr"/>
+          <a:lstStyle/>
+          <a:p>
+            <a:pPr algn="ctr"/>
+            <a:endParaRPr lang="de-DE"/>
+          </a:p>
+        </p:txBody>
+      </p:sp>
+      <p:sp>
+        <p:nvSpPr>
+          <p:cNvPr id="78" name="Oval 77"/>
+          <p:cNvSpPr/>
+          <p:nvPr/>
+        </p:nvSpPr>
+        <p:spPr>
+          <a:xfrm>
+            <a:off x="6091033" y="2902208"/>
+            <a:ext cx="108012" cy="104823"/>
+          </a:xfrm>
+          <a:prstGeom prst="ellipse">
+            <a:avLst/>
+          </a:prstGeom>
+          <a:solidFill>
+            <a:schemeClr val="tx2">
+              <a:lumMod val="60000"/>
+              <a:lumOff val="40000"/>
+            </a:schemeClr>
+          </a:solidFill>
+          <a:ln w="3175">
+            <a:noFill/>
+          </a:ln>
+        </p:spPr>
+        <p:style>
+          <a:lnRef idx="1">
+            <a:schemeClr val="accent1"/>
+          </a:lnRef>
+          <a:fillRef idx="3">
+            <a:schemeClr val="accent1"/>
+          </a:fillRef>
+          <a:effectRef idx="2">
+            <a:schemeClr val="accent1"/>
+          </a:effectRef>
+          <a:fontRef idx="minor">
+            <a:schemeClr val="lt1"/>
+          </a:fontRef>
+        </p:style>
+        <p:txBody>
+          <a:bodyPr rtlCol="0" anchor="ctr"/>
+          <a:lstStyle/>
+          <a:p>
+            <a:pPr algn="ctr"/>
+            <a:endParaRPr lang="de-DE"/>
+          </a:p>
+        </p:txBody>
+      </p:sp>
+      <p:sp>
+        <p:nvSpPr>
+          <p:cNvPr id="80" name="Oval 79"/>
+          <p:cNvSpPr/>
+          <p:nvPr/>
+        </p:nvSpPr>
+        <p:spPr>
+          <a:xfrm>
+            <a:off x="6111698" y="4254118"/>
+            <a:ext cx="108012" cy="104823"/>
+          </a:xfrm>
+          <a:prstGeom prst="ellipse">
+            <a:avLst/>
+          </a:prstGeom>
+          <a:solidFill>
+            <a:schemeClr val="tx2">
+              <a:lumMod val="60000"/>
+              <a:lumOff val="40000"/>
+            </a:schemeClr>
+          </a:solidFill>
+          <a:ln w="3175">
+            <a:noFill/>
+          </a:ln>
+        </p:spPr>
+        <p:style>
+          <a:lnRef idx="1">
+            <a:schemeClr val="accent1"/>
+          </a:lnRef>
+          <a:fillRef idx="3">
+            <a:schemeClr val="accent1"/>
+          </a:fillRef>
+          <a:effectRef idx="2">
+            <a:schemeClr val="accent1"/>
+          </a:effectRef>
+          <a:fontRef idx="minor">
+            <a:schemeClr val="lt1"/>
+          </a:fontRef>
+        </p:style>
+        <p:txBody>
+          <a:bodyPr rtlCol="0" anchor="ctr"/>
+          <a:lstStyle/>
+          <a:p>
+            <a:pPr algn="ctr"/>
+            <a:endParaRPr lang="de-DE"/>
+          </a:p>
+        </p:txBody>
+      </p:sp>
+      <p:sp>
+        <p:nvSpPr>
+          <p:cNvPr id="87" name="Oval 86"/>
+          <p:cNvSpPr/>
+          <p:nvPr/>
+        </p:nvSpPr>
+        <p:spPr>
+          <a:xfrm>
+            <a:off x="5076056" y="2285256"/>
+            <a:ext cx="108012" cy="104823"/>
+          </a:xfrm>
+          <a:prstGeom prst="ellipse">
+            <a:avLst/>
+          </a:prstGeom>
+          <a:solidFill>
+            <a:schemeClr val="accent2">
+              <a:lumMod val="75000"/>
+            </a:schemeClr>
+          </a:solidFill>
+          <a:ln w="3175">
+            <a:noFill/>
+          </a:ln>
+        </p:spPr>
+        <p:style>
+          <a:lnRef idx="1">
+            <a:schemeClr val="accent1"/>
+          </a:lnRef>
+          <a:fillRef idx="3">
+            <a:schemeClr val="accent1"/>
+          </a:fillRef>
+          <a:effectRef idx="2">
+            <a:schemeClr val="accent1"/>
+          </a:effectRef>
+          <a:fontRef idx="minor">
+            <a:schemeClr val="lt1"/>
+          </a:fontRef>
+        </p:style>
+        <p:txBody>
+          <a:bodyPr rtlCol="0" anchor="ctr"/>
+          <a:lstStyle/>
+          <a:p>
+            <a:pPr algn="ctr"/>
+            <a:endParaRPr lang="de-DE"/>
+          </a:p>
+        </p:txBody>
+      </p:sp>
+      <p:sp>
+        <p:nvSpPr>
+          <p:cNvPr id="88" name="Oval 87"/>
+          <p:cNvSpPr/>
+          <p:nvPr/>
+        </p:nvSpPr>
+        <p:spPr>
+          <a:xfrm>
+            <a:off x="5076056" y="2428129"/>
+            <a:ext cx="108012" cy="104823"/>
+          </a:xfrm>
+          <a:prstGeom prst="ellipse">
+            <a:avLst/>
+          </a:prstGeom>
+          <a:solidFill>
+            <a:schemeClr val="accent2">
+              <a:lumMod val="75000"/>
+            </a:schemeClr>
+          </a:solidFill>
+          <a:ln w="3175">
+            <a:noFill/>
+          </a:ln>
+        </p:spPr>
+        <p:style>
+          <a:lnRef idx="1">
+            <a:schemeClr val="accent1"/>
+          </a:lnRef>
+          <a:fillRef idx="3">
+            <a:schemeClr val="accent1"/>
+          </a:fillRef>
+          <a:effectRef idx="2">
+            <a:schemeClr val="accent1"/>
+          </a:effectRef>
+          <a:fontRef idx="minor">
+            <a:schemeClr val="lt1"/>
+          </a:fontRef>
+        </p:style>
+        <p:txBody>
+          <a:bodyPr rtlCol="0" anchor="ctr"/>
+          <a:lstStyle/>
+          <a:p>
+            <a:pPr algn="ctr"/>
+            <a:endParaRPr lang="de-DE"/>
+          </a:p>
+        </p:txBody>
+      </p:sp>
+      <p:sp>
+        <p:nvSpPr>
+          <p:cNvPr id="89" name="Oval 88"/>
+          <p:cNvSpPr/>
+          <p:nvPr/>
+        </p:nvSpPr>
+        <p:spPr>
+          <a:xfrm>
+            <a:off x="6091033" y="2750908"/>
+            <a:ext cx="108012" cy="104823"/>
+          </a:xfrm>
+          <a:prstGeom prst="ellipse">
+            <a:avLst/>
+          </a:prstGeom>
+          <a:solidFill>
+            <a:schemeClr val="accent2">
+              <a:lumMod val="75000"/>
+            </a:schemeClr>
+          </a:solidFill>
+          <a:ln w="3175">
+            <a:noFill/>
+          </a:ln>
+        </p:spPr>
+        <p:style>
+          <a:lnRef idx="1">
+            <a:schemeClr val="accent1"/>
+          </a:lnRef>
+          <a:fillRef idx="3">
+            <a:schemeClr val="accent1"/>
+          </a:fillRef>
+          <a:effectRef idx="2">
+            <a:schemeClr val="accent1"/>
+          </a:effectRef>
+          <a:fontRef idx="minor">
+            <a:schemeClr val="lt1"/>
+          </a:fontRef>
+        </p:style>
+        <p:txBody>
+          <a:bodyPr rtlCol="0" anchor="ctr"/>
+          <a:lstStyle/>
+          <a:p>
+            <a:pPr algn="ctr"/>
+            <a:endParaRPr lang="de-DE"/>
+          </a:p>
+        </p:txBody>
+      </p:sp>
+      <p:sp>
+        <p:nvSpPr>
+          <p:cNvPr id="90" name="Oval 89"/>
+          <p:cNvSpPr/>
+          <p:nvPr/>
+        </p:nvSpPr>
+        <p:spPr>
+          <a:xfrm>
+            <a:off x="6111698" y="4111897"/>
+            <a:ext cx="108012" cy="104823"/>
+          </a:xfrm>
+          <a:prstGeom prst="ellipse">
+            <a:avLst/>
+          </a:prstGeom>
+          <a:solidFill>
+            <a:schemeClr val="accent2">
+              <a:lumMod val="75000"/>
+            </a:schemeClr>
+          </a:solidFill>
+          <a:ln w="3175">
+            <a:noFill/>
+          </a:ln>
+        </p:spPr>
+        <p:style>
+          <a:lnRef idx="1">
+            <a:schemeClr val="accent1"/>
+          </a:lnRef>
+          <a:fillRef idx="3">
+            <a:schemeClr val="accent1"/>
+          </a:fillRef>
+          <a:effectRef idx="2">
+            <a:schemeClr val="accent1"/>
+          </a:effectRef>
+          <a:fontRef idx="minor">
+            <a:schemeClr val="lt1"/>
+          </a:fontRef>
+        </p:style>
+        <p:txBody>
+          <a:bodyPr rtlCol="0" anchor="ctr"/>
+          <a:lstStyle/>
+          <a:p>
+            <a:pPr algn="ctr"/>
+            <a:endParaRPr lang="de-DE"/>
+          </a:p>
+        </p:txBody>
+      </p:sp>
+      <p:cxnSp>
+        <p:nvCxnSpPr>
+          <p:cNvPr id="91" name="Elbow Connector 90"/>
+          <p:cNvCxnSpPr>
+            <a:stCxn id="87" idx="6"/>
+            <a:endCxn id="89" idx="2"/>
+          </p:cNvCxnSpPr>
+          <p:nvPr/>
+        </p:nvCxnSpPr>
+        <p:spPr>
+          <a:xfrm>
+            <a:off x="5184068" y="2337668"/>
+            <a:ext cx="906965" cy="465652"/>
+          </a:xfrm>
+          <a:prstGeom prst="bentConnector3">
+            <a:avLst>
+              <a:gd name="adj1" fmla="val 83082"/>
+            </a:avLst>
+          </a:prstGeom>
+          <a:ln w="3175">
+            <a:solidFill>
+              <a:schemeClr val="tx1"/>
+            </a:solidFill>
+            <a:headEnd type="none" w="med" len="med"/>
+            <a:tailEnd type="triangle" w="med" len="med"/>
+          </a:ln>
+          <a:effectLst/>
+        </p:spPr>
+        <p:style>
+          <a:lnRef idx="2">
+            <a:schemeClr val="accent4"/>
+          </a:lnRef>
+          <a:fillRef idx="0">
+            <a:schemeClr val="accent4"/>
+          </a:fillRef>
+          <a:effectRef idx="1">
+            <a:schemeClr val="accent4"/>
+          </a:effectRef>
+          <a:fontRef idx="minor">
+            <a:schemeClr val="tx1"/>
+          </a:fontRef>
+        </p:style>
+      </p:cxnSp>
+      <p:cxnSp>
+        <p:nvCxnSpPr>
+          <p:cNvPr id="95" name="Elbow Connector 94"/>
+          <p:cNvCxnSpPr>
+            <a:stCxn id="88" idx="6"/>
+            <a:endCxn id="90" idx="2"/>
+          </p:cNvCxnSpPr>
+          <p:nvPr/>
+        </p:nvCxnSpPr>
+        <p:spPr>
+          <a:xfrm>
+            <a:off x="5184068" y="2480541"/>
+            <a:ext cx="927630" cy="1683768"/>
+          </a:xfrm>
+          <a:prstGeom prst="bentConnector3">
+            <a:avLst>
+              <a:gd name="adj1" fmla="val 72077"/>
+            </a:avLst>
+          </a:prstGeom>
+          <a:ln w="3175">
+            <a:solidFill>
+              <a:schemeClr val="tx1"/>
+            </a:solidFill>
+            <a:headEnd type="none" w="med" len="med"/>
+            <a:tailEnd type="triangle" w="med" len="med"/>
+          </a:ln>
+          <a:effectLst/>
+        </p:spPr>
+        <p:style>
+          <a:lnRef idx="2">
+            <a:schemeClr val="accent4"/>
+          </a:lnRef>
+          <a:fillRef idx="0">
+            <a:schemeClr val="accent4"/>
+          </a:fillRef>
+          <a:effectRef idx="1">
+            <a:schemeClr val="accent4"/>
+          </a:effectRef>
+          <a:fontRef idx="minor">
+            <a:schemeClr val="tx1"/>
+          </a:fontRef>
+        </p:style>
+      </p:cxnSp>
+    </p:spTree>
+    <p:extLst>
+      <p:ext uri="{BB962C8B-B14F-4D97-AF65-F5344CB8AC3E}">
+        <p14:creationId xmlns:p14="http://schemas.microsoft.com/office/powerpoint/2010/main" val="991638451"/>
       </p:ext>
     </p:extLst>
   </p:cSld>

--- a/assets/Hackfest - FSDF Overview.pptx
+++ b/assets/Hackfest - FSDF Overview.pptx
@@ -26052,6 +26052,116 @@
           </a:extLst>
         </p:spPr>
       </p:pic>
+      <p:sp>
+        <p:nvSpPr>
+          <p:cNvPr id="64" name="Rectangle 63"/>
+          <p:cNvSpPr/>
+          <p:nvPr/>
+        </p:nvSpPr>
+        <p:spPr>
+          <a:xfrm>
+            <a:off x="3287761" y="1412776"/>
+            <a:ext cx="2042986" cy="1523536"/>
+          </a:xfrm>
+          <a:prstGeom prst="rect">
+            <a:avLst/>
+          </a:prstGeom>
+          <a:solidFill>
+            <a:schemeClr val="bg1"/>
+          </a:solidFill>
+          <a:ln>
+            <a:solidFill>
+              <a:schemeClr val="bg1"/>
+            </a:solidFill>
+          </a:ln>
+        </p:spPr>
+        <p:style>
+          <a:lnRef idx="2">
+            <a:schemeClr val="accent1">
+              <a:shade val="50000"/>
+            </a:schemeClr>
+          </a:lnRef>
+          <a:fillRef idx="1">
+            <a:schemeClr val="accent1"/>
+          </a:fillRef>
+          <a:effectRef idx="0">
+            <a:schemeClr val="accent1"/>
+          </a:effectRef>
+          <a:fontRef idx="minor">
+            <a:schemeClr val="lt1"/>
+          </a:fontRef>
+        </p:style>
+        <p:txBody>
+          <a:bodyPr rtlCol="0" anchor="ctr"/>
+          <a:lstStyle/>
+          <a:p>
+            <a:pPr algn="ctr"/>
+            <a:endParaRPr lang="de-DE"/>
+          </a:p>
+        </p:txBody>
+      </p:sp>
+      <p:pic>
+        <p:nvPicPr>
+          <p:cNvPr id="109" name="Picture 3"/>
+          <p:cNvPicPr>
+            <a:picLocks noChangeAspect="1" noChangeArrowheads="1"/>
+          </p:cNvPicPr>
+          <p:nvPr/>
+        </p:nvPicPr>
+        <p:blipFill rotWithShape="1">
+          <a:blip r:embed="rId2">
+            <a:extLst>
+              <a:ext uri="{28A0092B-C50C-407E-A947-70E740481C1C}">
+                <a14:useLocalDpi xmlns:a14="http://schemas.microsoft.com/office/drawing/2010/main" val="0"/>
+              </a:ext>
+            </a:extLst>
+          </a:blip>
+          <a:srcRect l="35282" t="94" r="38814" b="56579"/>
+          <a:stretch/>
+        </p:blipFill>
+        <p:spPr bwMode="auto">
+          <a:xfrm>
+            <a:off x="3274937" y="1662000"/>
+            <a:ext cx="2089151" cy="1385525"/>
+          </a:xfrm>
+          <a:prstGeom prst="rect">
+            <a:avLst/>
+          </a:prstGeom>
+          <a:noFill/>
+          <a:ln>
+            <a:noFill/>
+          </a:ln>
+          <a:effectLst/>
+          <a:extLst>
+            <a:ext uri="{909E8E84-426E-40DD-AFC4-6F175D3DCCD1}">
+              <a14:hiddenFill xmlns:a14="http://schemas.microsoft.com/office/drawing/2010/main">
+                <a:solidFill>
+                  <a:schemeClr val="accent1"/>
+                </a:solidFill>
+              </a14:hiddenFill>
+            </a:ext>
+            <a:ext uri="{91240B29-F687-4F45-9708-019B960494DF}">
+              <a14:hiddenLine xmlns:a14="http://schemas.microsoft.com/office/drawing/2010/main" w="9525">
+                <a:solidFill>
+                  <a:schemeClr val="tx1"/>
+                </a:solidFill>
+                <a:miter lim="800000"/>
+                <a:headEnd/>
+                <a:tailEnd/>
+              </a14:hiddenLine>
+            </a:ext>
+            <a:ext uri="{AF507438-7753-43E0-B8FC-AC1667EBCBE1}">
+              <a14:hiddenEffects xmlns:a14="http://schemas.microsoft.com/office/drawing/2010/main">
+                <a:effectLst>
+                  <a:outerShdw dist="35921" dir="2700000" algn="ctr" rotWithShape="0">
+                    <a:schemeClr val="bg2"/>
+                  </a:outerShdw>
+                </a:effectLst>
+              </a14:hiddenEffects>
+            </a:ext>
+          </a:extLst>
+        </p:spPr>
+      </p:pic>
       <p:cxnSp>
         <p:nvCxnSpPr>
           <p:cNvPr id="5" name="Elbow Connector 4"/>
@@ -26064,11 +26174,11 @@
         <p:spPr>
           <a:xfrm>
             <a:off x="2756305" y="3041143"/>
-            <a:ext cx="568537" cy="722441"/>
+            <a:ext cx="568537" cy="703389"/>
           </a:xfrm>
           <a:prstGeom prst="bentConnector3">
             <a:avLst>
-              <a:gd name="adj1" fmla="val 53770"/>
+              <a:gd name="adj1" fmla="val 53769"/>
             </a:avLst>
           </a:prstGeom>
           <a:ln w="3175">
@@ -26187,7 +26297,7 @@
         </p:nvSpPr>
         <p:spPr>
           <a:xfrm>
-            <a:off x="3432854" y="2109041"/>
+            <a:off x="3491880" y="2109041"/>
             <a:ext cx="108012" cy="104823"/>
           </a:xfrm>
           <a:prstGeom prst="ellipse">
@@ -26280,7 +26390,7 @@
         <p:spPr>
           <a:xfrm>
             <a:off x="2760600" y="2891962"/>
-            <a:ext cx="564242" cy="871622"/>
+            <a:ext cx="564242" cy="852570"/>
           </a:xfrm>
           <a:prstGeom prst="bentConnector3">
             <a:avLst>
@@ -26316,17 +26426,19 @@
           <p:cNvPr id="23" name="Elbow Connector 22"/>
           <p:cNvCxnSpPr>
             <a:stCxn id="13" idx="2"/>
-            <a:endCxn id="63" idx="0"/>
+            <a:endCxn id="63" idx="2"/>
           </p:cNvCxnSpPr>
           <p:nvPr/>
         </p:nvCxnSpPr>
         <p:spPr>
           <a:xfrm rot="10800000" flipV="1">
-            <a:off x="3378848" y="2161452"/>
-            <a:ext cx="54006" cy="1549719"/>
+            <a:off x="3324842" y="2161452"/>
+            <a:ext cx="167038" cy="1583079"/>
           </a:xfrm>
-          <a:prstGeom prst="bentConnector2">
-            <a:avLst/>
+          <a:prstGeom prst="bentConnector3">
+            <a:avLst>
+              <a:gd name="adj1" fmla="val 256813"/>
+            </a:avLst>
           </a:prstGeom>
           <a:ln w="3175">
             <a:solidFill>
@@ -26447,8 +26559,8 @@
         </p:nvCxnSpPr>
         <p:spPr>
           <a:xfrm flipV="1">
-            <a:off x="2799605" y="3763584"/>
-            <a:ext cx="525237" cy="365899"/>
+            <a:off x="2799605" y="3744532"/>
+            <a:ext cx="525237" cy="384951"/>
           </a:xfrm>
           <a:prstGeom prst="bentConnector3">
             <a:avLst>
@@ -26490,8 +26602,8 @@
         </p:nvCxnSpPr>
         <p:spPr>
           <a:xfrm flipV="1">
-            <a:off x="2799605" y="3763584"/>
-            <a:ext cx="525237" cy="505548"/>
+            <a:off x="2799605" y="3744532"/>
+            <a:ext cx="525237" cy="524600"/>
           </a:xfrm>
           <a:prstGeom prst="bentConnector3">
             <a:avLst>
@@ -26527,19 +26639,18 @@
           <p:cNvPr id="41" name="Elbow Connector 40"/>
           <p:cNvCxnSpPr>
             <a:stCxn id="80" idx="2"/>
-            <a:endCxn id="63" idx="0"/>
+            <a:endCxn id="48" idx="6"/>
           </p:cNvCxnSpPr>
           <p:nvPr/>
         </p:nvCxnSpPr>
         <p:spPr>
           <a:xfrm rot="10800000">
-            <a:off x="3378848" y="3711172"/>
-            <a:ext cx="2732850" cy="595358"/>
+            <a:off x="5330748" y="3808638"/>
+            <a:ext cx="780951" cy="497893"/>
           </a:xfrm>
-          <a:prstGeom prst="bentConnector4">
+          <a:prstGeom prst="bentConnector3">
             <a:avLst>
-              <a:gd name="adj1" fmla="val 22697"/>
-              <a:gd name="adj2" fmla="val 184794"/>
+              <a:gd name="adj1" fmla="val 60977"/>
             </a:avLst>
           </a:prstGeom>
           <a:ln w="3175">
@@ -26571,17 +26682,19 @@
           <p:cNvPr id="46" name="Elbow Connector 45"/>
           <p:cNvCxnSpPr>
             <a:stCxn id="78" idx="2"/>
-            <a:endCxn id="63" idx="0"/>
+            <a:endCxn id="48" idx="6"/>
           </p:cNvCxnSpPr>
           <p:nvPr/>
         </p:nvCxnSpPr>
         <p:spPr>
           <a:xfrm rot="10800000" flipV="1">
-            <a:off x="3378849" y="2954620"/>
-            <a:ext cx="2712185" cy="756552"/>
+            <a:off x="5330747" y="2954619"/>
+            <a:ext cx="760286" cy="854017"/>
           </a:xfrm>
-          <a:prstGeom prst="bentConnector2">
-            <a:avLst/>
+          <a:prstGeom prst="bentConnector3">
+            <a:avLst>
+              <a:gd name="adj1" fmla="val 60023"/>
+            </a:avLst>
           </a:prstGeom>
           <a:ln w="3175">
             <a:solidFill>
@@ -26793,7 +26906,7 @@
         </p:nvSpPr>
         <p:spPr>
           <a:xfrm>
-            <a:off x="3324842" y="3711172"/>
+            <a:off x="3324842" y="3692120"/>
             <a:ext cx="108012" cy="104823"/>
           </a:xfrm>
           <a:prstGeom prst="ellipse">
@@ -27028,7 +27141,7 @@
         </p:nvSpPr>
         <p:spPr>
           <a:xfrm>
-            <a:off x="5076056" y="2285256"/>
+            <a:off x="5148064" y="2285256"/>
             <a:ext cx="108012" cy="104823"/>
           </a:xfrm>
           <a:prstGeom prst="ellipse">
@@ -27074,14 +27187,14 @@
         </p:nvSpPr>
         <p:spPr>
           <a:xfrm>
-            <a:off x="5076056" y="2428129"/>
+            <a:off x="5148064" y="2428129"/>
             <a:ext cx="108012" cy="104823"/>
           </a:xfrm>
           <a:prstGeom prst="ellipse">
             <a:avLst/>
           </a:prstGeom>
           <a:solidFill>
-            <a:schemeClr val="accent2">
+            <a:schemeClr val="accent3">
               <a:lumMod val="75000"/>
             </a:schemeClr>
           </a:solidFill>
@@ -27173,7 +27286,7 @@
             <a:avLst/>
           </a:prstGeom>
           <a:solidFill>
-            <a:schemeClr val="accent2">
+            <a:schemeClr val="accent3">
               <a:lumMod val="75000"/>
             </a:schemeClr>
           </a:solidFill>
@@ -27215,12 +27328,12 @@
         </p:nvCxnSpPr>
         <p:spPr>
           <a:xfrm>
-            <a:off x="5184068" y="2337668"/>
-            <a:ext cx="906965" cy="465652"/>
+            <a:off x="5256076" y="2337668"/>
+            <a:ext cx="834957" cy="465652"/>
           </a:xfrm>
           <a:prstGeom prst="bentConnector3">
             <a:avLst>
-              <a:gd name="adj1" fmla="val 83082"/>
+              <a:gd name="adj1" fmla="val 81182"/>
             </a:avLst>
           </a:prstGeom>
           <a:ln w="3175">
@@ -27258,12 +27371,12 @@
         </p:nvCxnSpPr>
         <p:spPr>
           <a:xfrm>
-            <a:off x="5184068" y="2480541"/>
-            <a:ext cx="927630" cy="1683768"/>
+            <a:off x="5256076" y="2480541"/>
+            <a:ext cx="855622" cy="1683768"/>
           </a:xfrm>
           <a:prstGeom prst="bentConnector3">
             <a:avLst>
-              <a:gd name="adj1" fmla="val 72077"/>
+              <a:gd name="adj1" fmla="val 58164"/>
             </a:avLst>
           </a:prstGeom>
           <a:ln w="3175">

--- a/assets/Hackfest - FSDF Overview.pptx
+++ b/assets/Hackfest - FSDF Overview.pptx
@@ -5,11 +5,11 @@
     <p:sldMasterId id="2147483648" r:id="rId1"/>
   </p:sldMasterIdLst>
   <p:sldIdLst>
-    <p:sldId id="258" r:id="rId2"/>
-    <p:sldId id="256" r:id="rId3"/>
-    <p:sldId id="257" r:id="rId4"/>
-    <p:sldId id="259" r:id="rId5"/>
-    <p:sldId id="260" r:id="rId6"/>
+    <p:sldId id="256" r:id="rId2"/>
+    <p:sldId id="257" r:id="rId3"/>
+    <p:sldId id="260" r:id="rId4"/>
+    <p:sldId id="261" r:id="rId5"/>
+    <p:sldId id="262" r:id="rId6"/>
   </p:sldIdLst>
   <p:sldSz cx="9144000" cy="6858000" type="screen4x3"/>
   <p:notesSz cx="6858000" cy="9144000"/>
@@ -3099,74 +3099,6 @@
           <a:chExt cx="0" cy="0"/>
         </a:xfrm>
       </p:grpSpPr>
-      <p:sp>
-        <p:nvSpPr>
-          <p:cNvPr id="2" name="Title 1"/>
-          <p:cNvSpPr>
-            <a:spLocks noGrp="1"/>
-          </p:cNvSpPr>
-          <p:nvPr>
-            <p:ph type="title"/>
-          </p:nvPr>
-        </p:nvSpPr>
-        <p:spPr/>
-        <p:txBody>
-          <a:bodyPr/>
-          <a:lstStyle/>
-          <a:p>
-            <a:endParaRPr lang="de-DE"/>
-          </a:p>
-        </p:txBody>
-      </p:sp>
-      <p:sp>
-        <p:nvSpPr>
-          <p:cNvPr id="3" name="Content Placeholder 2"/>
-          <p:cNvSpPr>
-            <a:spLocks noGrp="1"/>
-          </p:cNvSpPr>
-          <p:nvPr>
-            <p:ph idx="1"/>
-          </p:nvPr>
-        </p:nvSpPr>
-        <p:spPr/>
-        <p:txBody>
-          <a:bodyPr/>
-          <a:lstStyle/>
-          <a:p>
-            <a:endParaRPr lang="de-DE"/>
-          </a:p>
-        </p:txBody>
-      </p:sp>
-    </p:spTree>
-    <p:extLst>
-      <p:ext uri="{BB962C8B-B14F-4D97-AF65-F5344CB8AC3E}">
-        <p14:creationId xmlns:p14="http://schemas.microsoft.com/office/powerpoint/2010/main" val="293759613"/>
-      </p:ext>
-    </p:extLst>
-  </p:cSld>
-  <p:clrMapOvr>
-    <a:masterClrMapping/>
-  </p:clrMapOvr>
-</p:sld>
-</file>
-
-<file path=ppt/slides/slide2.xml><?xml version="1.0" encoding="utf-8"?>
-<p:sld xmlns:a="http://schemas.openxmlformats.org/drawingml/2006/main" xmlns:r="http://schemas.openxmlformats.org/officeDocument/2006/relationships" xmlns:p="http://schemas.openxmlformats.org/presentationml/2006/main">
-  <p:cSld>
-    <p:spTree>
-      <p:nvGrpSpPr>
-        <p:cNvPr id="1" name=""/>
-        <p:cNvGrpSpPr/>
-        <p:nvPr/>
-      </p:nvGrpSpPr>
-      <p:grpSpPr>
-        <a:xfrm>
-          <a:off x="0" y="0"/>
-          <a:ext cx="0" cy="0"/>
-          <a:chOff x="0" y="0"/>
-          <a:chExt cx="0" cy="0"/>
-        </a:xfrm>
-      </p:grpSpPr>
       <p:grpSp>
         <p:nvGrpSpPr>
           <p:cNvPr id="4" name="Group 3"/>
@@ -18243,7 +18175,7 @@
 </p:sld>
 </file>
 
-<file path=ppt/slides/slide3.xml><?xml version="1.0" encoding="utf-8"?>
+<file path=ppt/slides/slide2.xml><?xml version="1.0" encoding="utf-8"?>
 <p:sld xmlns:a="http://schemas.openxmlformats.org/drawingml/2006/main" xmlns:r="http://schemas.openxmlformats.org/officeDocument/2006/relationships" xmlns:p="http://schemas.openxmlformats.org/presentationml/2006/main">
   <p:cSld>
     <p:spTree>
@@ -25037,941 +24969,7 @@
 </p:sld>
 </file>
 
-<file path=ppt/slides/slide4.xml><?xml version="1.0" encoding="utf-8"?>
-<p:sld xmlns:a="http://schemas.openxmlformats.org/drawingml/2006/main" xmlns:r="http://schemas.openxmlformats.org/officeDocument/2006/relationships" xmlns:p="http://schemas.openxmlformats.org/presentationml/2006/main">
-  <p:cSld>
-    <p:spTree>
-      <p:nvGrpSpPr>
-        <p:cNvPr id="1" name=""/>
-        <p:cNvGrpSpPr/>
-        <p:nvPr/>
-      </p:nvGrpSpPr>
-      <p:grpSpPr>
-        <a:xfrm>
-          <a:off x="0" y="0"/>
-          <a:ext cx="0" cy="0"/>
-          <a:chOff x="0" y="0"/>
-          <a:chExt cx="0" cy="0"/>
-        </a:xfrm>
-      </p:grpSpPr>
-      <p:pic>
-        <p:nvPicPr>
-          <p:cNvPr id="1029" name="Picture 5"/>
-          <p:cNvPicPr>
-            <a:picLocks noChangeAspect="1" noChangeArrowheads="1"/>
-          </p:cNvPicPr>
-          <p:nvPr/>
-        </p:nvPicPr>
-        <p:blipFill>
-          <a:blip r:embed="rId2">
-            <a:extLst>
-              <a:ext uri="{28A0092B-C50C-407E-A947-70E740481C1C}">
-                <a14:useLocalDpi xmlns:a14="http://schemas.microsoft.com/office/drawing/2010/main" val="0"/>
-              </a:ext>
-            </a:extLst>
-          </a:blip>
-          <a:srcRect/>
-          <a:stretch>
-            <a:fillRect/>
-          </a:stretch>
-        </p:blipFill>
-        <p:spPr bwMode="auto">
-          <a:xfrm>
-            <a:off x="611560" y="764704"/>
-            <a:ext cx="7607140" cy="5246539"/>
-          </a:xfrm>
-          <a:prstGeom prst="rect">
-            <a:avLst/>
-          </a:prstGeom>
-          <a:noFill/>
-          <a:ln>
-            <a:noFill/>
-          </a:ln>
-          <a:effectLst/>
-          <a:extLst>
-            <a:ext uri="{909E8E84-426E-40DD-AFC4-6F175D3DCCD1}">
-              <a14:hiddenFill xmlns:a14="http://schemas.microsoft.com/office/drawing/2010/main">
-                <a:solidFill>
-                  <a:schemeClr val="accent1"/>
-                </a:solidFill>
-              </a14:hiddenFill>
-            </a:ext>
-            <a:ext uri="{91240B29-F687-4F45-9708-019B960494DF}">
-              <a14:hiddenLine xmlns:a14="http://schemas.microsoft.com/office/drawing/2010/main" w="9525">
-                <a:solidFill>
-                  <a:schemeClr val="tx1"/>
-                </a:solidFill>
-                <a:miter lim="800000"/>
-                <a:headEnd/>
-                <a:tailEnd/>
-              </a14:hiddenLine>
-            </a:ext>
-            <a:ext uri="{AF507438-7753-43E0-B8FC-AC1667EBCBE1}">
-              <a14:hiddenEffects xmlns:a14="http://schemas.microsoft.com/office/drawing/2010/main">
-                <a:effectLst>
-                  <a:outerShdw dist="35921" dir="2700000" algn="ctr" rotWithShape="0">
-                    <a:schemeClr val="bg2"/>
-                  </a:outerShdw>
-                </a:effectLst>
-              </a14:hiddenEffects>
-            </a:ext>
-          </a:extLst>
-        </p:spPr>
-      </p:pic>
-      <p:cxnSp>
-        <p:nvCxnSpPr>
-          <p:cNvPr id="10" name="Elbow Connector 9"/>
-          <p:cNvCxnSpPr>
-            <a:stCxn id="18" idx="6"/>
-            <a:endCxn id="15" idx="1"/>
-          </p:cNvCxnSpPr>
-          <p:nvPr/>
-        </p:nvCxnSpPr>
-        <p:spPr>
-          <a:xfrm flipV="1">
-            <a:off x="3033353" y="2990586"/>
-            <a:ext cx="650017" cy="337285"/>
-          </a:xfrm>
-          <a:prstGeom prst="bentConnector3">
-            <a:avLst>
-              <a:gd name="adj1" fmla="val 50000"/>
-            </a:avLst>
-          </a:prstGeom>
-          <a:ln w="3175">
-            <a:solidFill>
-              <a:schemeClr val="tx1"/>
-            </a:solidFill>
-            <a:headEnd type="none" w="med" len="med"/>
-            <a:tailEnd type="triangle" w="med" len="med"/>
-          </a:ln>
-        </p:spPr>
-        <p:style>
-          <a:lnRef idx="2">
-            <a:schemeClr val="accent4"/>
-          </a:lnRef>
-          <a:fillRef idx="0">
-            <a:schemeClr val="accent4"/>
-          </a:fillRef>
-          <a:effectRef idx="1">
-            <a:schemeClr val="accent4"/>
-          </a:effectRef>
-          <a:fontRef idx="minor">
-            <a:schemeClr val="tx1"/>
-          </a:fontRef>
-        </p:style>
-      </p:cxnSp>
-      <p:sp>
-        <p:nvSpPr>
-          <p:cNvPr id="15" name="Rounded Rectangle 14"/>
-          <p:cNvSpPr/>
-          <p:nvPr/>
-        </p:nvSpPr>
-        <p:spPr>
-          <a:xfrm>
-            <a:off x="3683370" y="2910654"/>
-            <a:ext cx="2127052" cy="159863"/>
-          </a:xfrm>
-          <a:prstGeom prst="roundRect">
-            <a:avLst/>
-          </a:prstGeom>
-          <a:noFill/>
-          <a:ln w="19050">
-            <a:solidFill>
-              <a:schemeClr val="tx1"/>
-            </a:solidFill>
-          </a:ln>
-          <a:effectLst/>
-        </p:spPr>
-        <p:style>
-          <a:lnRef idx="1">
-            <a:schemeClr val="accent1"/>
-          </a:lnRef>
-          <a:fillRef idx="3">
-            <a:schemeClr val="accent1"/>
-          </a:fillRef>
-          <a:effectRef idx="2">
-            <a:schemeClr val="accent1"/>
-          </a:effectRef>
-          <a:fontRef idx="minor">
-            <a:schemeClr val="lt1"/>
-          </a:fontRef>
-        </p:style>
-        <p:txBody>
-          <a:bodyPr rtlCol="0" anchor="ctr"/>
-          <a:lstStyle/>
-          <a:p>
-            <a:pPr algn="ctr"/>
-            <a:endParaRPr lang="de-DE"/>
-          </a:p>
-        </p:txBody>
-      </p:sp>
-      <p:cxnSp>
-        <p:nvCxnSpPr>
-          <p:cNvPr id="21" name="Elbow Connector 20"/>
-          <p:cNvCxnSpPr>
-            <a:stCxn id="17" idx="6"/>
-            <a:endCxn id="15" idx="1"/>
-          </p:cNvCxnSpPr>
-          <p:nvPr/>
-        </p:nvCxnSpPr>
-        <p:spPr>
-          <a:xfrm flipV="1">
-            <a:off x="3033353" y="2990586"/>
-            <a:ext cx="650017" cy="476810"/>
-          </a:xfrm>
-          <a:prstGeom prst="bentConnector3">
-            <a:avLst>
-              <a:gd name="adj1" fmla="val 50000"/>
-            </a:avLst>
-          </a:prstGeom>
-          <a:ln w="3175">
-            <a:solidFill>
-              <a:schemeClr val="tx1"/>
-            </a:solidFill>
-            <a:headEnd type="none" w="med" len="med"/>
-            <a:tailEnd type="triangle" w="med" len="med"/>
-          </a:ln>
-          <a:effectLst/>
-        </p:spPr>
-        <p:style>
-          <a:lnRef idx="2">
-            <a:schemeClr val="accent4"/>
-          </a:lnRef>
-          <a:fillRef idx="0">
-            <a:schemeClr val="accent4"/>
-          </a:fillRef>
-          <a:effectRef idx="1">
-            <a:schemeClr val="accent4"/>
-          </a:effectRef>
-          <a:fontRef idx="minor">
-            <a:schemeClr val="tx1"/>
-          </a:fontRef>
-        </p:style>
-      </p:cxnSp>
-      <p:sp>
-        <p:nvSpPr>
-          <p:cNvPr id="19" name="TextBox 18"/>
-          <p:cNvSpPr txBox="1"/>
-          <p:nvPr/>
-        </p:nvSpPr>
-        <p:spPr>
-          <a:xfrm>
-            <a:off x="3022158" y="3077837"/>
-            <a:ext cx="322524" cy="261610"/>
-          </a:xfrm>
-          <a:prstGeom prst="rect">
-            <a:avLst/>
-          </a:prstGeom>
-          <a:noFill/>
-        </p:spPr>
-        <p:txBody>
-          <a:bodyPr wrap="none" rtlCol="0">
-            <a:spAutoFit/>
-          </a:bodyPr>
-          <a:lstStyle/>
-          <a:p>
-            <a:r>
-              <a:rPr lang="en-AU" sz="1100" dirty="0" smtClean="0"/>
-              <a:t>FK</a:t>
-            </a:r>
-            <a:endParaRPr lang="de-DE" sz="1100" dirty="0"/>
-          </a:p>
-        </p:txBody>
-      </p:sp>
-      <p:cxnSp>
-        <p:nvCxnSpPr>
-          <p:cNvPr id="25" name="Elbow Connector 24"/>
-          <p:cNvCxnSpPr>
-            <a:stCxn id="27" idx="2"/>
-            <a:endCxn id="15" idx="0"/>
-          </p:cNvCxnSpPr>
-          <p:nvPr/>
-        </p:nvCxnSpPr>
-        <p:spPr>
-          <a:xfrm rot="10800000" flipH="1" flipV="1">
-            <a:off x="3811052" y="1308472"/>
-            <a:ext cx="935843" cy="1602182"/>
-          </a:xfrm>
-          <a:prstGeom prst="bentConnector4">
-            <a:avLst>
-              <a:gd name="adj1" fmla="val -24427"/>
-              <a:gd name="adj2" fmla="val 51636"/>
-            </a:avLst>
-          </a:prstGeom>
-          <a:ln w="3175">
-            <a:solidFill>
-              <a:schemeClr val="tx1"/>
-            </a:solidFill>
-            <a:headEnd type="none" w="med" len="med"/>
-            <a:tailEnd type="triangle" w="med" len="med"/>
-          </a:ln>
-          <a:effectLst/>
-        </p:spPr>
-        <p:style>
-          <a:lnRef idx="2">
-            <a:schemeClr val="accent4"/>
-          </a:lnRef>
-          <a:fillRef idx="0">
-            <a:schemeClr val="accent4"/>
-          </a:fillRef>
-          <a:effectRef idx="1">
-            <a:schemeClr val="accent4"/>
-          </a:effectRef>
-          <a:fontRef idx="minor">
-            <a:schemeClr val="tx1"/>
-          </a:fontRef>
-        </p:style>
-      </p:cxnSp>
-      <p:sp>
-        <p:nvSpPr>
-          <p:cNvPr id="29" name="TextBox 28"/>
-          <p:cNvSpPr txBox="1"/>
-          <p:nvPr/>
-        </p:nvSpPr>
-        <p:spPr>
-          <a:xfrm>
-            <a:off x="3507822" y="2091815"/>
-            <a:ext cx="322524" cy="261610"/>
-          </a:xfrm>
-          <a:prstGeom prst="rect">
-            <a:avLst/>
-          </a:prstGeom>
-          <a:noFill/>
-        </p:spPr>
-        <p:txBody>
-          <a:bodyPr wrap="none" rtlCol="0">
-            <a:spAutoFit/>
-          </a:bodyPr>
-          <a:lstStyle/>
-          <a:p>
-            <a:r>
-              <a:rPr lang="en-AU" sz="1100" dirty="0" smtClean="0"/>
-              <a:t>FK</a:t>
-            </a:r>
-            <a:endParaRPr lang="de-DE" sz="1100" dirty="0"/>
-          </a:p>
-        </p:txBody>
-      </p:sp>
-      <p:cxnSp>
-        <p:nvCxnSpPr>
-          <p:cNvPr id="41" name="Elbow Connector 40"/>
-          <p:cNvCxnSpPr>
-            <a:stCxn id="39" idx="2"/>
-            <a:endCxn id="15" idx="3"/>
-          </p:cNvCxnSpPr>
-          <p:nvPr/>
-        </p:nvCxnSpPr>
-        <p:spPr>
-          <a:xfrm rot="10800000">
-            <a:off x="5810422" y="2990586"/>
-            <a:ext cx="731194" cy="442108"/>
-          </a:xfrm>
-          <a:prstGeom prst="bentConnector3">
-            <a:avLst>
-              <a:gd name="adj1" fmla="val 50000"/>
-            </a:avLst>
-          </a:prstGeom>
-          <a:ln w="3175">
-            <a:solidFill>
-              <a:schemeClr val="tx1"/>
-            </a:solidFill>
-            <a:headEnd type="none" w="med" len="med"/>
-            <a:tailEnd type="triangle" w="med" len="med"/>
-          </a:ln>
-        </p:spPr>
-        <p:style>
-          <a:lnRef idx="2">
-            <a:schemeClr val="accent4"/>
-          </a:lnRef>
-          <a:fillRef idx="0">
-            <a:schemeClr val="accent4"/>
-          </a:fillRef>
-          <a:effectRef idx="1">
-            <a:schemeClr val="accent4"/>
-          </a:effectRef>
-          <a:fontRef idx="minor">
-            <a:schemeClr val="tx1"/>
-          </a:fontRef>
-        </p:style>
-      </p:cxnSp>
-      <p:cxnSp>
-        <p:nvCxnSpPr>
-          <p:cNvPr id="45" name="Elbow Connector 44"/>
-          <p:cNvCxnSpPr>
-            <a:stCxn id="38" idx="2"/>
-            <a:endCxn id="15" idx="3"/>
-          </p:cNvCxnSpPr>
-          <p:nvPr/>
-        </p:nvCxnSpPr>
-        <p:spPr>
-          <a:xfrm rot="10800000">
-            <a:off x="5810422" y="2990586"/>
-            <a:ext cx="731194" cy="575534"/>
-          </a:xfrm>
-          <a:prstGeom prst="bentConnector3">
-            <a:avLst>
-              <a:gd name="adj1" fmla="val 50000"/>
-            </a:avLst>
-          </a:prstGeom>
-          <a:ln w="3175">
-            <a:solidFill>
-              <a:schemeClr val="tx1"/>
-            </a:solidFill>
-            <a:headEnd type="none" w="med" len="med"/>
-            <a:tailEnd type="triangle" w="med" len="med"/>
-          </a:ln>
-        </p:spPr>
-        <p:style>
-          <a:lnRef idx="2">
-            <a:schemeClr val="accent4"/>
-          </a:lnRef>
-          <a:fillRef idx="0">
-            <a:schemeClr val="accent4"/>
-          </a:fillRef>
-          <a:effectRef idx="1">
-            <a:schemeClr val="accent4"/>
-          </a:effectRef>
-          <a:fontRef idx="minor">
-            <a:schemeClr val="tx1"/>
-          </a:fontRef>
-        </p:style>
-      </p:cxnSp>
-      <p:sp>
-        <p:nvSpPr>
-          <p:cNvPr id="49" name="TextBox 48"/>
-          <p:cNvSpPr txBox="1"/>
-          <p:nvPr/>
-        </p:nvSpPr>
-        <p:spPr>
-          <a:xfrm>
-            <a:off x="5940152" y="2979984"/>
-            <a:ext cx="322524" cy="261610"/>
-          </a:xfrm>
-          <a:prstGeom prst="rect">
-            <a:avLst/>
-          </a:prstGeom>
-          <a:noFill/>
-        </p:spPr>
-        <p:txBody>
-          <a:bodyPr wrap="none" rtlCol="0">
-            <a:spAutoFit/>
-          </a:bodyPr>
-          <a:lstStyle/>
-          <a:p>
-            <a:r>
-              <a:rPr lang="en-AU" sz="1100" dirty="0" smtClean="0"/>
-              <a:t>FK</a:t>
-            </a:r>
-            <a:endParaRPr lang="de-DE" sz="1100" dirty="0"/>
-          </a:p>
-        </p:txBody>
-      </p:sp>
-      <p:sp>
-        <p:nvSpPr>
-          <p:cNvPr id="17" name="Oval 16"/>
-          <p:cNvSpPr/>
-          <p:nvPr/>
-        </p:nvSpPr>
-        <p:spPr>
-          <a:xfrm>
-            <a:off x="2925341" y="3414984"/>
-            <a:ext cx="108012" cy="104823"/>
-          </a:xfrm>
-          <a:prstGeom prst="ellipse">
-            <a:avLst/>
-          </a:prstGeom>
-          <a:solidFill>
-            <a:schemeClr val="bg1">
-              <a:lumMod val="50000"/>
-            </a:schemeClr>
-          </a:solidFill>
-          <a:ln w="19050">
-            <a:solidFill>
-              <a:schemeClr val="tx1"/>
-            </a:solidFill>
-          </a:ln>
-        </p:spPr>
-        <p:style>
-          <a:lnRef idx="1">
-            <a:schemeClr val="accent1"/>
-          </a:lnRef>
-          <a:fillRef idx="3">
-            <a:schemeClr val="accent1"/>
-          </a:fillRef>
-          <a:effectRef idx="2">
-            <a:schemeClr val="accent1"/>
-          </a:effectRef>
-          <a:fontRef idx="minor">
-            <a:schemeClr val="lt1"/>
-          </a:fontRef>
-        </p:style>
-        <p:txBody>
-          <a:bodyPr rtlCol="0" anchor="ctr"/>
-          <a:lstStyle/>
-          <a:p>
-            <a:pPr algn="ctr"/>
-            <a:endParaRPr lang="de-DE"/>
-          </a:p>
-        </p:txBody>
-      </p:sp>
-      <p:sp>
-        <p:nvSpPr>
-          <p:cNvPr id="18" name="Oval 17"/>
-          <p:cNvSpPr/>
-          <p:nvPr/>
-        </p:nvSpPr>
-        <p:spPr>
-          <a:xfrm>
-            <a:off x="2925341" y="3275459"/>
-            <a:ext cx="108012" cy="104823"/>
-          </a:xfrm>
-          <a:prstGeom prst="ellipse">
-            <a:avLst/>
-          </a:prstGeom>
-          <a:solidFill>
-            <a:schemeClr val="bg1">
-              <a:lumMod val="50000"/>
-            </a:schemeClr>
-          </a:solidFill>
-          <a:ln w="19050">
-            <a:solidFill>
-              <a:schemeClr val="tx1"/>
-            </a:solidFill>
-          </a:ln>
-        </p:spPr>
-        <p:style>
-          <a:lnRef idx="1">
-            <a:schemeClr val="accent1"/>
-          </a:lnRef>
-          <a:fillRef idx="3">
-            <a:schemeClr val="accent1"/>
-          </a:fillRef>
-          <a:effectRef idx="2">
-            <a:schemeClr val="accent1"/>
-          </a:effectRef>
-          <a:fontRef idx="minor">
-            <a:schemeClr val="lt1"/>
-          </a:fontRef>
-        </p:style>
-        <p:txBody>
-          <a:bodyPr rtlCol="0" anchor="ctr"/>
-          <a:lstStyle/>
-          <a:p>
-            <a:pPr algn="ctr"/>
-            <a:endParaRPr lang="de-DE"/>
-          </a:p>
-        </p:txBody>
-      </p:sp>
-      <p:sp>
-        <p:nvSpPr>
-          <p:cNvPr id="27" name="Oval 26"/>
-          <p:cNvSpPr/>
-          <p:nvPr/>
-        </p:nvSpPr>
-        <p:spPr>
-          <a:xfrm>
-            <a:off x="3811053" y="1256060"/>
-            <a:ext cx="108012" cy="104823"/>
-          </a:xfrm>
-          <a:prstGeom prst="ellipse">
-            <a:avLst/>
-          </a:prstGeom>
-          <a:solidFill>
-            <a:schemeClr val="bg1">
-              <a:lumMod val="50000"/>
-            </a:schemeClr>
-          </a:solidFill>
-          <a:ln w="19050">
-            <a:solidFill>
-              <a:schemeClr val="tx1"/>
-            </a:solidFill>
-          </a:ln>
-        </p:spPr>
-        <p:style>
-          <a:lnRef idx="1">
-            <a:schemeClr val="accent1"/>
-          </a:lnRef>
-          <a:fillRef idx="3">
-            <a:schemeClr val="accent1"/>
-          </a:fillRef>
-          <a:effectRef idx="2">
-            <a:schemeClr val="accent1"/>
-          </a:effectRef>
-          <a:fontRef idx="minor">
-            <a:schemeClr val="lt1"/>
-          </a:fontRef>
-        </p:style>
-        <p:txBody>
-          <a:bodyPr rtlCol="0" anchor="ctr"/>
-          <a:lstStyle/>
-          <a:p>
-            <a:pPr algn="ctr"/>
-            <a:endParaRPr lang="de-DE"/>
-          </a:p>
-        </p:txBody>
-      </p:sp>
-      <p:grpSp>
-        <p:nvGrpSpPr>
-          <p:cNvPr id="1030" name="Group 1029"/>
-          <p:cNvGrpSpPr/>
-          <p:nvPr/>
-        </p:nvGrpSpPr>
-        <p:grpSpPr>
-          <a:xfrm>
-            <a:off x="6541616" y="3380282"/>
-            <a:ext cx="108012" cy="238249"/>
-            <a:chOff x="3077741" y="3427859"/>
-            <a:chExt cx="108012" cy="238249"/>
-          </a:xfrm>
-          <a:solidFill>
-            <a:schemeClr val="bg1">
-              <a:lumMod val="50000"/>
-            </a:schemeClr>
-          </a:solidFill>
-        </p:grpSpPr>
-        <p:sp>
-          <p:nvSpPr>
-            <p:cNvPr id="38" name="Oval 37"/>
-            <p:cNvSpPr/>
-            <p:nvPr/>
-          </p:nvSpPr>
-          <p:spPr>
-            <a:xfrm>
-              <a:off x="3077741" y="3561285"/>
-              <a:ext cx="108012" cy="104823"/>
-            </a:xfrm>
-            <a:prstGeom prst="ellipse">
-              <a:avLst/>
-            </a:prstGeom>
-            <a:grpFill/>
-            <a:ln w="19050">
-              <a:solidFill>
-                <a:schemeClr val="tx1"/>
-              </a:solidFill>
-            </a:ln>
-          </p:spPr>
-          <p:style>
-            <a:lnRef idx="1">
-              <a:schemeClr val="accent1"/>
-            </a:lnRef>
-            <a:fillRef idx="3">
-              <a:schemeClr val="accent1"/>
-            </a:fillRef>
-            <a:effectRef idx="2">
-              <a:schemeClr val="accent1"/>
-            </a:effectRef>
-            <a:fontRef idx="minor">
-              <a:schemeClr val="lt1"/>
-            </a:fontRef>
-          </p:style>
-          <p:txBody>
-            <a:bodyPr rtlCol="0" anchor="ctr"/>
-            <a:lstStyle/>
-            <a:p>
-              <a:pPr algn="ctr"/>
-              <a:endParaRPr lang="de-DE"/>
-            </a:p>
-          </p:txBody>
-        </p:sp>
-        <p:sp>
-          <p:nvSpPr>
-            <p:cNvPr id="39" name="Oval 38"/>
-            <p:cNvSpPr/>
-            <p:nvPr/>
-          </p:nvSpPr>
-          <p:spPr>
-            <a:xfrm>
-              <a:off x="3077741" y="3427859"/>
-              <a:ext cx="108012" cy="104823"/>
-            </a:xfrm>
-            <a:prstGeom prst="ellipse">
-              <a:avLst/>
-            </a:prstGeom>
-            <a:grpFill/>
-            <a:ln w="19050">
-              <a:solidFill>
-                <a:schemeClr val="tx1"/>
-              </a:solidFill>
-            </a:ln>
-          </p:spPr>
-          <p:style>
-            <a:lnRef idx="1">
-              <a:schemeClr val="accent1"/>
-            </a:lnRef>
-            <a:fillRef idx="3">
-              <a:schemeClr val="accent1"/>
-            </a:fillRef>
-            <a:effectRef idx="2">
-              <a:schemeClr val="accent1"/>
-            </a:effectRef>
-            <a:fontRef idx="minor">
-              <a:schemeClr val="lt1"/>
-            </a:fontRef>
-          </p:style>
-          <p:txBody>
-            <a:bodyPr rtlCol="0" anchor="ctr"/>
-            <a:lstStyle/>
-            <a:p>
-              <a:pPr algn="ctr"/>
-              <a:endParaRPr lang="de-DE"/>
-            </a:p>
-          </p:txBody>
-        </p:sp>
-      </p:grpSp>
-      <p:sp>
-        <p:nvSpPr>
-          <p:cNvPr id="50" name="Oval 49"/>
-          <p:cNvSpPr/>
-          <p:nvPr/>
-        </p:nvSpPr>
-        <p:spPr>
-          <a:xfrm>
-            <a:off x="2174528" y="5326608"/>
-            <a:ext cx="108012" cy="104823"/>
-          </a:xfrm>
-          <a:prstGeom prst="ellipse">
-            <a:avLst/>
-          </a:prstGeom>
-          <a:solidFill>
-            <a:schemeClr val="bg1">
-              <a:lumMod val="50000"/>
-            </a:schemeClr>
-          </a:solidFill>
-          <a:ln w="19050">
-            <a:solidFill>
-              <a:schemeClr val="tx1"/>
-            </a:solidFill>
-          </a:ln>
-        </p:spPr>
-        <p:style>
-          <a:lnRef idx="1">
-            <a:schemeClr val="accent1"/>
-          </a:lnRef>
-          <a:fillRef idx="3">
-            <a:schemeClr val="accent1"/>
-          </a:fillRef>
-          <a:effectRef idx="2">
-            <a:schemeClr val="accent1"/>
-          </a:effectRef>
-          <a:fontRef idx="minor">
-            <a:schemeClr val="lt1"/>
-          </a:fontRef>
-        </p:style>
-        <p:txBody>
-          <a:bodyPr rtlCol="0" anchor="ctr"/>
-          <a:lstStyle/>
-          <a:p>
-            <a:pPr algn="ctr"/>
-            <a:endParaRPr lang="de-DE"/>
-          </a:p>
-        </p:txBody>
-      </p:sp>
-      <p:sp>
-        <p:nvSpPr>
-          <p:cNvPr id="51" name="Oval 50"/>
-          <p:cNvSpPr/>
-          <p:nvPr/>
-        </p:nvSpPr>
-        <p:spPr>
-          <a:xfrm>
-            <a:off x="5107806" y="5326609"/>
-            <a:ext cx="108012" cy="104823"/>
-          </a:xfrm>
-          <a:prstGeom prst="ellipse">
-            <a:avLst/>
-          </a:prstGeom>
-          <a:solidFill>
-            <a:schemeClr val="bg1">
-              <a:lumMod val="50000"/>
-            </a:schemeClr>
-          </a:solidFill>
-          <a:ln w="19050">
-            <a:solidFill>
-              <a:schemeClr val="tx1"/>
-            </a:solidFill>
-          </a:ln>
-        </p:spPr>
-        <p:style>
-          <a:lnRef idx="1">
-            <a:schemeClr val="accent1"/>
-          </a:lnRef>
-          <a:fillRef idx="3">
-            <a:schemeClr val="accent1"/>
-          </a:fillRef>
-          <a:effectRef idx="2">
-            <a:schemeClr val="accent1"/>
-          </a:effectRef>
-          <a:fontRef idx="minor">
-            <a:schemeClr val="lt1"/>
-          </a:fontRef>
-        </p:style>
-        <p:txBody>
-          <a:bodyPr rtlCol="0" anchor="ctr"/>
-          <a:lstStyle/>
-          <a:p>
-            <a:pPr algn="ctr"/>
-            <a:endParaRPr lang="de-DE"/>
-          </a:p>
-        </p:txBody>
-      </p:sp>
-      <p:cxnSp>
-        <p:nvCxnSpPr>
-          <p:cNvPr id="52" name="Elbow Connector 51"/>
-          <p:cNvCxnSpPr>
-            <a:stCxn id="50" idx="2"/>
-            <a:endCxn id="15" idx="2"/>
-          </p:cNvCxnSpPr>
-          <p:nvPr/>
-        </p:nvCxnSpPr>
-        <p:spPr>
-          <a:xfrm rot="10800000" flipH="1">
-            <a:off x="2174528" y="3070518"/>
-            <a:ext cx="2572368" cy="2308503"/>
-          </a:xfrm>
-          <a:prstGeom prst="bentConnector4">
-            <a:avLst>
-              <a:gd name="adj1" fmla="val -8887"/>
-              <a:gd name="adj2" fmla="val 51135"/>
-            </a:avLst>
-          </a:prstGeom>
-          <a:ln w="3175">
-            <a:solidFill>
-              <a:schemeClr val="tx1"/>
-            </a:solidFill>
-            <a:headEnd type="none" w="med" len="med"/>
-            <a:tailEnd type="triangle" w="med" len="med"/>
-          </a:ln>
-        </p:spPr>
-        <p:style>
-          <a:lnRef idx="2">
-            <a:schemeClr val="accent4"/>
-          </a:lnRef>
-          <a:fillRef idx="0">
-            <a:schemeClr val="accent4"/>
-          </a:fillRef>
-          <a:effectRef idx="1">
-            <a:schemeClr val="accent4"/>
-          </a:effectRef>
-          <a:fontRef idx="minor">
-            <a:schemeClr val="tx1"/>
-          </a:fontRef>
-        </p:style>
-      </p:cxnSp>
-      <p:cxnSp>
-        <p:nvCxnSpPr>
-          <p:cNvPr id="55" name="Elbow Connector 54"/>
-          <p:cNvCxnSpPr>
-            <a:endCxn id="15" idx="2"/>
-          </p:cNvCxnSpPr>
-          <p:nvPr/>
-        </p:nvCxnSpPr>
-        <p:spPr>
-          <a:xfrm rot="16200000" flipV="1">
-            <a:off x="3843772" y="3973641"/>
-            <a:ext cx="2235454" cy="429206"/>
-          </a:xfrm>
-          <a:prstGeom prst="bentConnector3">
-            <a:avLst>
-              <a:gd name="adj1" fmla="val 50000"/>
-            </a:avLst>
-          </a:prstGeom>
-          <a:ln w="3175">
-            <a:solidFill>
-              <a:schemeClr val="tx1"/>
-            </a:solidFill>
-            <a:headEnd type="none" w="med" len="med"/>
-            <a:tailEnd type="triangle" w="med" len="med"/>
-          </a:ln>
-        </p:spPr>
-        <p:style>
-          <a:lnRef idx="2">
-            <a:schemeClr val="accent4"/>
-          </a:lnRef>
-          <a:fillRef idx="0">
-            <a:schemeClr val="accent4"/>
-          </a:fillRef>
-          <a:effectRef idx="1">
-            <a:schemeClr val="accent4"/>
-          </a:effectRef>
-          <a:fontRef idx="minor">
-            <a:schemeClr val="tx1"/>
-          </a:fontRef>
-        </p:style>
-      </p:cxnSp>
-      <p:sp>
-        <p:nvSpPr>
-          <p:cNvPr id="62" name="TextBox 61"/>
-          <p:cNvSpPr txBox="1"/>
-          <p:nvPr/>
-        </p:nvSpPr>
-        <p:spPr>
-          <a:xfrm>
-            <a:off x="5180744" y="4581128"/>
-            <a:ext cx="322524" cy="261610"/>
-          </a:xfrm>
-          <a:prstGeom prst="rect">
-            <a:avLst/>
-          </a:prstGeom>
-          <a:noFill/>
-        </p:spPr>
-        <p:txBody>
-          <a:bodyPr wrap="none" rtlCol="0">
-            <a:spAutoFit/>
-          </a:bodyPr>
-          <a:lstStyle/>
-          <a:p>
-            <a:r>
-              <a:rPr lang="en-AU" sz="1100" dirty="0" smtClean="0"/>
-              <a:t>FK</a:t>
-            </a:r>
-            <a:endParaRPr lang="de-DE" sz="1100" dirty="0"/>
-          </a:p>
-        </p:txBody>
-      </p:sp>
-      <p:sp>
-        <p:nvSpPr>
-          <p:cNvPr id="63" name="TextBox 62"/>
-          <p:cNvSpPr txBox="1"/>
-          <p:nvPr/>
-        </p:nvSpPr>
-        <p:spPr>
-          <a:xfrm>
-            <a:off x="1977528" y="4581128"/>
-            <a:ext cx="322524" cy="261610"/>
-          </a:xfrm>
-          <a:prstGeom prst="rect">
-            <a:avLst/>
-          </a:prstGeom>
-          <a:noFill/>
-        </p:spPr>
-        <p:txBody>
-          <a:bodyPr wrap="none" rtlCol="0">
-            <a:spAutoFit/>
-          </a:bodyPr>
-          <a:lstStyle/>
-          <a:p>
-            <a:r>
-              <a:rPr lang="en-AU" sz="1100" dirty="0" smtClean="0"/>
-              <a:t>FK</a:t>
-            </a:r>
-            <a:endParaRPr lang="de-DE" sz="1100" dirty="0"/>
-          </a:p>
-        </p:txBody>
-      </p:sp>
-    </p:spTree>
-    <p:extLst>
-      <p:ext uri="{BB962C8B-B14F-4D97-AF65-F5344CB8AC3E}">
-        <p14:creationId xmlns:p14="http://schemas.microsoft.com/office/powerpoint/2010/main" val="428725531"/>
-      </p:ext>
-    </p:extLst>
-  </p:cSld>
-  <p:clrMapOvr>
-    <a:masterClrMapping/>
-  </p:clrMapOvr>
-</p:sld>
-</file>
-
-<file path=ppt/slides/slide5.xml><?xml version="1.0" encoding="utf-8"?>
+<file path=ppt/slides/slide3.xml><?xml version="1.0" encoding="utf-8"?>
 <p:sld xmlns:a="http://schemas.openxmlformats.org/drawingml/2006/main" xmlns:r="http://schemas.openxmlformats.org/officeDocument/2006/relationships" xmlns:p="http://schemas.openxmlformats.org/presentationml/2006/main">
   <p:cSld>
     <p:spTree>
@@ -27416,6 +26414,546 @@
 </p:sld>
 </file>
 
+<file path=ppt/slides/slide4.xml><?xml version="1.0" encoding="utf-8"?>
+<p:sld xmlns:a="http://schemas.openxmlformats.org/drawingml/2006/main" xmlns:r="http://schemas.openxmlformats.org/officeDocument/2006/relationships" xmlns:p="http://schemas.openxmlformats.org/presentationml/2006/main">
+  <p:cSld>
+    <p:spTree>
+      <p:nvGrpSpPr>
+        <p:cNvPr id="1" name=""/>
+        <p:cNvGrpSpPr/>
+        <p:nvPr/>
+      </p:nvGrpSpPr>
+      <p:grpSpPr>
+        <a:xfrm>
+          <a:off x="0" y="0"/>
+          <a:ext cx="0" cy="0"/>
+          <a:chOff x="0" y="0"/>
+          <a:chExt cx="0" cy="0"/>
+        </a:xfrm>
+      </p:grpSpPr>
+      <p:pic>
+        <p:nvPicPr>
+          <p:cNvPr id="2050" name="Picture 2"/>
+          <p:cNvPicPr>
+            <a:picLocks noChangeAspect="1" noChangeArrowheads="1"/>
+          </p:cNvPicPr>
+          <p:nvPr/>
+        </p:nvPicPr>
+        <p:blipFill>
+          <a:blip r:embed="rId2">
+            <a:extLst>
+              <a:ext uri="{28A0092B-C50C-407E-A947-70E740481C1C}">
+                <a14:useLocalDpi xmlns:a14="http://schemas.microsoft.com/office/drawing/2010/main" val="0"/>
+              </a:ext>
+            </a:extLst>
+          </a:blip>
+          <a:srcRect/>
+          <a:stretch>
+            <a:fillRect/>
+          </a:stretch>
+        </p:blipFill>
+        <p:spPr bwMode="auto">
+          <a:xfrm>
+            <a:off x="611561" y="332656"/>
+            <a:ext cx="6696744" cy="6310513"/>
+          </a:xfrm>
+          <a:prstGeom prst="rect">
+            <a:avLst/>
+          </a:prstGeom>
+          <a:noFill/>
+          <a:ln>
+            <a:noFill/>
+          </a:ln>
+          <a:effectLst/>
+          <a:extLst>
+            <a:ext uri="{909E8E84-426E-40DD-AFC4-6F175D3DCCD1}">
+              <a14:hiddenFill xmlns:a14="http://schemas.microsoft.com/office/drawing/2010/main">
+                <a:solidFill>
+                  <a:schemeClr val="accent1"/>
+                </a:solidFill>
+              </a14:hiddenFill>
+            </a:ext>
+            <a:ext uri="{91240B29-F687-4F45-9708-019B960494DF}">
+              <a14:hiddenLine xmlns:a14="http://schemas.microsoft.com/office/drawing/2010/main" w="9525">
+                <a:solidFill>
+                  <a:schemeClr val="tx1"/>
+                </a:solidFill>
+                <a:miter lim="800000"/>
+                <a:headEnd/>
+                <a:tailEnd/>
+              </a14:hiddenLine>
+            </a:ext>
+            <a:ext uri="{AF507438-7753-43E0-B8FC-AC1667EBCBE1}">
+              <a14:hiddenEffects xmlns:a14="http://schemas.microsoft.com/office/drawing/2010/main">
+                <a:effectLst>
+                  <a:outerShdw dist="35921" dir="2700000" algn="ctr" rotWithShape="0">
+                    <a:schemeClr val="bg2"/>
+                  </a:outerShdw>
+                </a:effectLst>
+              </a14:hiddenEffects>
+            </a:ext>
+          </a:extLst>
+        </p:spPr>
+      </p:pic>
+      <p:sp>
+        <p:nvSpPr>
+          <p:cNvPr id="4" name="Rounded Rectangle 3"/>
+          <p:cNvSpPr/>
+          <p:nvPr/>
+        </p:nvSpPr>
+        <p:spPr>
+          <a:xfrm>
+            <a:off x="683568" y="620688"/>
+            <a:ext cx="1656184" cy="432048"/>
+          </a:xfrm>
+          <a:prstGeom prst="roundRect">
+            <a:avLst/>
+          </a:prstGeom>
+          <a:solidFill>
+            <a:srgbClr val="558ED5">
+              <a:alpha val="70000"/>
+            </a:srgbClr>
+          </a:solidFill>
+          <a:ln>
+            <a:noFill/>
+          </a:ln>
+        </p:spPr>
+        <p:style>
+          <a:lnRef idx="2">
+            <a:schemeClr val="accent1">
+              <a:shade val="50000"/>
+            </a:schemeClr>
+          </a:lnRef>
+          <a:fillRef idx="1">
+            <a:schemeClr val="accent1"/>
+          </a:fillRef>
+          <a:effectRef idx="0">
+            <a:schemeClr val="accent1"/>
+          </a:effectRef>
+          <a:fontRef idx="minor">
+            <a:schemeClr val="lt1"/>
+          </a:fontRef>
+        </p:style>
+        <p:txBody>
+          <a:bodyPr rtlCol="0" anchor="ctr"/>
+          <a:lstStyle/>
+          <a:p>
+            <a:pPr algn="ctr"/>
+            <a:r>
+              <a:rPr lang="en-AU" b="1" dirty="0" smtClean="0"/>
+              <a:t>FSDF Server</a:t>
+            </a:r>
+            <a:endParaRPr lang="de-DE" b="1" dirty="0"/>
+          </a:p>
+        </p:txBody>
+      </p:sp>
+      <p:sp>
+        <p:nvSpPr>
+          <p:cNvPr id="8" name="Rounded Rectangle 7"/>
+          <p:cNvSpPr/>
+          <p:nvPr/>
+        </p:nvSpPr>
+        <p:spPr>
+          <a:xfrm>
+            <a:off x="2373659" y="620688"/>
+            <a:ext cx="1586273" cy="432048"/>
+          </a:xfrm>
+          <a:prstGeom prst="roundRect">
+            <a:avLst/>
+          </a:prstGeom>
+          <a:solidFill>
+            <a:srgbClr val="558ED5">
+              <a:alpha val="70000"/>
+            </a:srgbClr>
+          </a:solidFill>
+          <a:ln>
+            <a:noFill/>
+          </a:ln>
+        </p:spPr>
+        <p:style>
+          <a:lnRef idx="2">
+            <a:schemeClr val="accent1">
+              <a:shade val="50000"/>
+            </a:schemeClr>
+          </a:lnRef>
+          <a:fillRef idx="1">
+            <a:schemeClr val="accent1"/>
+          </a:fillRef>
+          <a:effectRef idx="0">
+            <a:schemeClr val="accent1"/>
+          </a:effectRef>
+          <a:fontRef idx="minor">
+            <a:schemeClr val="lt1"/>
+          </a:fontRef>
+        </p:style>
+        <p:txBody>
+          <a:bodyPr rtlCol="0" anchor="ctr"/>
+          <a:lstStyle/>
+          <a:p>
+            <a:pPr algn="ctr"/>
+            <a:r>
+              <a:rPr lang="en-AU" b="1" dirty="0" smtClean="0"/>
+              <a:t>WMS/WFS?</a:t>
+            </a:r>
+            <a:endParaRPr lang="de-DE" b="1" dirty="0"/>
+          </a:p>
+        </p:txBody>
+      </p:sp>
+      <p:sp>
+        <p:nvSpPr>
+          <p:cNvPr id="10" name="Rounded Rectangle 9"/>
+          <p:cNvSpPr/>
+          <p:nvPr/>
+        </p:nvSpPr>
+        <p:spPr>
+          <a:xfrm>
+            <a:off x="611561" y="3356992"/>
+            <a:ext cx="2304255" cy="432048"/>
+          </a:xfrm>
+          <a:prstGeom prst="roundRect">
+            <a:avLst/>
+          </a:prstGeom>
+          <a:solidFill>
+            <a:srgbClr val="558ED5">
+              <a:alpha val="70000"/>
+            </a:srgbClr>
+          </a:solidFill>
+          <a:ln>
+            <a:noFill/>
+          </a:ln>
+        </p:spPr>
+        <p:style>
+          <a:lnRef idx="2">
+            <a:schemeClr val="accent1">
+              <a:shade val="50000"/>
+            </a:schemeClr>
+          </a:lnRef>
+          <a:fillRef idx="1">
+            <a:schemeClr val="accent1"/>
+          </a:fillRef>
+          <a:effectRef idx="0">
+            <a:schemeClr val="accent1"/>
+          </a:effectRef>
+          <a:fontRef idx="minor">
+            <a:schemeClr val="lt1"/>
+          </a:fontRef>
+        </p:style>
+        <p:txBody>
+          <a:bodyPr rtlCol="0" anchor="ctr"/>
+          <a:lstStyle/>
+          <a:p>
+            <a:pPr algn="ctr"/>
+            <a:r>
+              <a:rPr lang="en-AU" b="1" dirty="0" smtClean="0"/>
+              <a:t>Select Feature (Table)</a:t>
+            </a:r>
+            <a:endParaRPr lang="de-DE" b="1" dirty="0"/>
+          </a:p>
+        </p:txBody>
+      </p:sp>
+      <p:sp>
+        <p:nvSpPr>
+          <p:cNvPr id="11" name="Rounded Rectangle 10"/>
+          <p:cNvSpPr/>
+          <p:nvPr/>
+        </p:nvSpPr>
+        <p:spPr>
+          <a:xfrm>
+            <a:off x="717474" y="4077072"/>
+            <a:ext cx="4286574" cy="432048"/>
+          </a:xfrm>
+          <a:prstGeom prst="roundRect">
+            <a:avLst/>
+          </a:prstGeom>
+          <a:solidFill>
+            <a:srgbClr val="558ED5">
+              <a:alpha val="70000"/>
+            </a:srgbClr>
+          </a:solidFill>
+          <a:ln>
+            <a:noFill/>
+          </a:ln>
+        </p:spPr>
+        <p:style>
+          <a:lnRef idx="2">
+            <a:schemeClr val="accent1">
+              <a:shade val="50000"/>
+            </a:schemeClr>
+          </a:lnRef>
+          <a:fillRef idx="1">
+            <a:schemeClr val="accent1"/>
+          </a:fillRef>
+          <a:effectRef idx="0">
+            <a:schemeClr val="accent1"/>
+          </a:effectRef>
+          <a:fontRef idx="minor">
+            <a:schemeClr val="lt1"/>
+          </a:fontRef>
+        </p:style>
+        <p:txBody>
+          <a:bodyPr rtlCol="0" anchor="ctr"/>
+          <a:lstStyle/>
+          <a:p>
+            <a:pPr algn="ctr"/>
+            <a:r>
+              <a:rPr lang="en-AU" b="1" dirty="0" smtClean="0"/>
+              <a:t>Filter By Property (Table Attribute)</a:t>
+            </a:r>
+            <a:endParaRPr lang="de-DE" b="1" dirty="0"/>
+          </a:p>
+        </p:txBody>
+      </p:sp>
+    </p:spTree>
+    <p:extLst>
+      <p:ext uri="{BB962C8B-B14F-4D97-AF65-F5344CB8AC3E}">
+        <p14:creationId xmlns:p14="http://schemas.microsoft.com/office/powerpoint/2010/main" val="1480883515"/>
+      </p:ext>
+    </p:extLst>
+  </p:cSld>
+  <p:clrMapOvr>
+    <a:masterClrMapping/>
+  </p:clrMapOvr>
+</p:sld>
+</file>
+
+<file path=ppt/slides/slide5.xml><?xml version="1.0" encoding="utf-8"?>
+<p:sld xmlns:a="http://schemas.openxmlformats.org/drawingml/2006/main" xmlns:r="http://schemas.openxmlformats.org/officeDocument/2006/relationships" xmlns:p="http://schemas.openxmlformats.org/presentationml/2006/main">
+  <p:cSld>
+    <p:spTree>
+      <p:nvGrpSpPr>
+        <p:cNvPr id="1" name=""/>
+        <p:cNvGrpSpPr/>
+        <p:nvPr/>
+      </p:nvGrpSpPr>
+      <p:grpSpPr>
+        <a:xfrm>
+          <a:off x="0" y="0"/>
+          <a:ext cx="0" cy="0"/>
+          <a:chOff x="0" y="0"/>
+          <a:chExt cx="0" cy="0"/>
+        </a:xfrm>
+      </p:grpSpPr>
+      <p:pic>
+        <p:nvPicPr>
+          <p:cNvPr id="3075" name="Picture 3"/>
+          <p:cNvPicPr>
+            <a:picLocks noChangeAspect="1" noChangeArrowheads="1"/>
+          </p:cNvPicPr>
+          <p:nvPr/>
+        </p:nvPicPr>
+        <p:blipFill>
+          <a:blip r:embed="rId2">
+            <a:extLst>
+              <a:ext uri="{BEBA8EAE-BF5A-486C-A8C5-ECC9F3942E4B}">
+                <a14:imgProps xmlns:a14="http://schemas.microsoft.com/office/drawing/2010/main">
+                  <a14:imgLayer r:embed="rId3">
+                    <a14:imgEffect>
+                      <a14:brightnessContrast contrast="-40000"/>
+                    </a14:imgEffect>
+                  </a14:imgLayer>
+                </a14:imgProps>
+              </a:ext>
+              <a:ext uri="{28A0092B-C50C-407E-A947-70E740481C1C}">
+                <a14:useLocalDpi xmlns:a14="http://schemas.microsoft.com/office/drawing/2010/main" val="0"/>
+              </a:ext>
+            </a:extLst>
+          </a:blip>
+          <a:srcRect/>
+          <a:stretch>
+            <a:fillRect/>
+          </a:stretch>
+        </p:blipFill>
+        <p:spPr bwMode="auto">
+          <a:xfrm>
+            <a:off x="323527" y="3068960"/>
+            <a:ext cx="8124623" cy="262508"/>
+          </a:xfrm>
+          <a:prstGeom prst="rect">
+            <a:avLst/>
+          </a:prstGeom>
+          <a:noFill/>
+          <a:ln>
+            <a:noFill/>
+          </a:ln>
+          <a:effectLst/>
+          <a:extLst>
+            <a:ext uri="{909E8E84-426E-40DD-AFC4-6F175D3DCCD1}">
+              <a14:hiddenFill xmlns:a14="http://schemas.microsoft.com/office/drawing/2010/main">
+                <a:solidFill>
+                  <a:schemeClr val="accent1"/>
+                </a:solidFill>
+              </a14:hiddenFill>
+            </a:ext>
+            <a:ext uri="{91240B29-F687-4F45-9708-019B960494DF}">
+              <a14:hiddenLine xmlns:a14="http://schemas.microsoft.com/office/drawing/2010/main" w="9525">
+                <a:solidFill>
+                  <a:schemeClr val="tx1"/>
+                </a:solidFill>
+                <a:miter lim="800000"/>
+                <a:headEnd/>
+                <a:tailEnd/>
+              </a14:hiddenLine>
+            </a:ext>
+            <a:ext uri="{AF507438-7753-43E0-B8FC-AC1667EBCBE1}">
+              <a14:hiddenEffects xmlns:a14="http://schemas.microsoft.com/office/drawing/2010/main">
+                <a:effectLst>
+                  <a:outerShdw dist="35921" dir="2700000" algn="ctr" rotWithShape="0">
+                    <a:schemeClr val="bg2"/>
+                  </a:outerShdw>
+                </a:effectLst>
+              </a14:hiddenEffects>
+            </a:ext>
+          </a:extLst>
+        </p:spPr>
+      </p:pic>
+      <p:sp>
+        <p:nvSpPr>
+          <p:cNvPr id="5" name="Rectangle 4"/>
+          <p:cNvSpPr/>
+          <p:nvPr/>
+        </p:nvSpPr>
+        <p:spPr>
+          <a:xfrm>
+            <a:off x="251520" y="1988840"/>
+            <a:ext cx="8568952" cy="292388"/>
+          </a:xfrm>
+          <a:prstGeom prst="rect">
+            <a:avLst/>
+          </a:prstGeom>
+        </p:spPr>
+        <p:txBody>
+          <a:bodyPr wrap="square">
+            <a:spAutoFit/>
+          </a:bodyPr>
+          <a:lstStyle/>
+          <a:p>
+            <a:endParaRPr lang="de-DE" sz="650" dirty="0">
+              <a:latin typeface="Times New Roman" pitchFamily="18" charset="0"/>
+              <a:cs typeface="Times New Roman" pitchFamily="18" charset="0"/>
+            </a:endParaRPr>
+          </a:p>
+          <a:p>
+            <a:r>
+              <a:rPr lang="de-DE" sz="650" dirty="0">
+                <a:latin typeface="Times New Roman" pitchFamily="18" charset="0"/>
+                <a:cs typeface="Times New Roman" pitchFamily="18" charset="0"/>
+              </a:rPr>
+              <a:t>http://envirohack.research.nicta.com.au/[</a:t>
+            </a:r>
+            <a:r>
+              <a:rPr lang="de-DE" sz="650" b="1" dirty="0">
+                <a:latin typeface="Times New Roman" pitchFamily="18" charset="0"/>
+                <a:cs typeface="Times New Roman" pitchFamily="18" charset="0"/>
+              </a:rPr>
+              <a:t>FSDF Server</a:t>
+            </a:r>
+            <a:r>
+              <a:rPr lang="de-DE" sz="650" dirty="0">
+                <a:latin typeface="Times New Roman" pitchFamily="18" charset="0"/>
+                <a:cs typeface="Times New Roman" pitchFamily="18" charset="0"/>
+              </a:rPr>
+              <a:t>]/ows?service=[</a:t>
+            </a:r>
+            <a:r>
+              <a:rPr lang="de-DE" sz="650" b="1" dirty="0">
+                <a:latin typeface="Times New Roman" pitchFamily="18" charset="0"/>
+                <a:cs typeface="Times New Roman" pitchFamily="18" charset="0"/>
+              </a:rPr>
+              <a:t>Service Type</a:t>
+            </a:r>
+            <a:r>
+              <a:rPr lang="de-DE" sz="650" dirty="0">
+                <a:latin typeface="Times New Roman" pitchFamily="18" charset="0"/>
+                <a:cs typeface="Times New Roman" pitchFamily="18" charset="0"/>
+              </a:rPr>
+              <a:t>]&amp;request=[</a:t>
+            </a:r>
+            <a:r>
+              <a:rPr lang="de-DE" sz="650" b="1" dirty="0">
+                <a:latin typeface="Times New Roman" pitchFamily="18" charset="0"/>
+                <a:cs typeface="Times New Roman" pitchFamily="18" charset="0"/>
+              </a:rPr>
+              <a:t>Request Type</a:t>
+            </a:r>
+            <a:r>
+              <a:rPr lang="de-DE" sz="650" dirty="0">
+                <a:latin typeface="Times New Roman" pitchFamily="18" charset="0"/>
+                <a:cs typeface="Times New Roman" pitchFamily="18" charset="0"/>
+              </a:rPr>
+              <a:t>]&amp;cql_filter=[</a:t>
+            </a:r>
+            <a:r>
+              <a:rPr lang="de-DE" sz="650" b="1" dirty="0">
+                <a:latin typeface="Times New Roman" pitchFamily="18" charset="0"/>
+                <a:cs typeface="Times New Roman" pitchFamily="18" charset="0"/>
+              </a:rPr>
+              <a:t>Attribute Filter</a:t>
+            </a:r>
+            <a:r>
+              <a:rPr lang="de-DE" sz="650" dirty="0">
+                <a:latin typeface="Times New Roman" pitchFamily="18" charset="0"/>
+                <a:cs typeface="Times New Roman" pitchFamily="18" charset="0"/>
+              </a:rPr>
+              <a:t>]&amp;typeName=[</a:t>
+            </a:r>
+            <a:r>
+              <a:rPr lang="de-DE" sz="650" b="1" dirty="0">
+                <a:latin typeface="Times New Roman" pitchFamily="18" charset="0"/>
+                <a:cs typeface="Times New Roman" pitchFamily="18" charset="0"/>
+              </a:rPr>
+              <a:t>Feature Type</a:t>
+            </a:r>
+            <a:r>
+              <a:rPr lang="de-DE" sz="650" dirty="0">
+                <a:latin typeface="Times New Roman" pitchFamily="18" charset="0"/>
+                <a:cs typeface="Times New Roman" pitchFamily="18" charset="0"/>
+              </a:rPr>
+              <a:t>]&amp;maxFeatures=[</a:t>
+            </a:r>
+            <a:r>
+              <a:rPr lang="de-DE" sz="650" b="1" dirty="0">
+                <a:latin typeface="Times New Roman" pitchFamily="18" charset="0"/>
+                <a:cs typeface="Times New Roman" pitchFamily="18" charset="0"/>
+              </a:rPr>
+              <a:t>Max Features</a:t>
+            </a:r>
+            <a:r>
+              <a:rPr lang="de-DE" sz="650" dirty="0">
+                <a:latin typeface="Times New Roman" pitchFamily="18" charset="0"/>
+                <a:cs typeface="Times New Roman" pitchFamily="18" charset="0"/>
+              </a:rPr>
+              <a:t>]&amp;outputFormat=[</a:t>
+            </a:r>
+            <a:r>
+              <a:rPr lang="de-DE" sz="650" b="1" dirty="0">
+                <a:latin typeface="Times New Roman" pitchFamily="18" charset="0"/>
+                <a:cs typeface="Times New Roman" pitchFamily="18" charset="0"/>
+              </a:rPr>
+              <a:t>Output Format</a:t>
+            </a:r>
+            <a:r>
+              <a:rPr lang="de-DE" sz="650" dirty="0">
+                <a:latin typeface="Times New Roman" pitchFamily="18" charset="0"/>
+                <a:cs typeface="Times New Roman" pitchFamily="18" charset="0"/>
+              </a:rPr>
+              <a:t>]</a:t>
+            </a:r>
+          </a:p>
+        </p:txBody>
+      </p:sp>
+    </p:spTree>
+    <p:extLst>
+      <p:ext uri="{BB962C8B-B14F-4D97-AF65-F5344CB8AC3E}">
+        <p14:creationId xmlns:p14="http://schemas.microsoft.com/office/powerpoint/2010/main" val="2487175321"/>
+      </p:ext>
+    </p:extLst>
+  </p:cSld>
+  <p:clrMapOvr>
+    <a:masterClrMapping/>
+  </p:clrMapOvr>
+</p:sld>
+</file>
+
 <file path=ppt/theme/theme1.xml><?xml version="1.0" encoding="utf-8"?>
 <a:theme xmlns:a="http://schemas.openxmlformats.org/drawingml/2006/main" name="Office Theme">
   <a:themeElements>

--- a/assets/Hackfest - FSDF Overview.pptx
+++ b/assets/Hackfest - FSDF Overview.pptx
@@ -26442,6 +26442,15 @@
         <p:blipFill>
           <a:blip r:embed="rId2">
             <a:extLst>
+              <a:ext uri="{BEBA8EAE-BF5A-486C-A8C5-ECC9F3942E4B}">
+                <a14:imgProps xmlns:a14="http://schemas.microsoft.com/office/drawing/2010/main">
+                  <a14:imgLayer r:embed="rId3">
+                    <a14:imgEffect>
+                      <a14:saturation sat="0"/>
+                    </a14:imgEffect>
+                  </a14:imgLayer>
+                </a14:imgProps>
+              </a:ext>
               <a:ext uri="{28A0092B-C50C-407E-A947-70E740481C1C}">
                 <a14:useLocalDpi xmlns:a14="http://schemas.microsoft.com/office/drawing/2010/main" val="0"/>
               </a:ext>
@@ -26503,15 +26512,15 @@
         </p:nvSpPr>
         <p:spPr>
           <a:xfrm>
-            <a:off x="683568" y="620688"/>
-            <a:ext cx="1656184" cy="432048"/>
+            <a:off x="683568" y="764704"/>
+            <a:ext cx="1656184" cy="288032"/>
           </a:xfrm>
           <a:prstGeom prst="roundRect">
             <a:avLst/>
           </a:prstGeom>
           <a:solidFill>
             <a:srgbClr val="558ED5">
-              <a:alpha val="70000"/>
+              <a:alpha val="89804"/>
             </a:srgbClr>
           </a:solidFill>
           <a:ln>
@@ -26538,12 +26547,15 @@
           <a:bodyPr rtlCol="0" anchor="ctr"/>
           <a:lstStyle/>
           <a:p>
-            <a:pPr algn="ctr"/>
             <a:r>
-              <a:rPr lang="en-AU" b="1" dirty="0" smtClean="0"/>
-              <a:t>FSDF Server</a:t>
+              <a:rPr lang="en-AU" sz="1400" b="1" dirty="0" smtClean="0"/>
+              <a:t>Server </a:t>
             </a:r>
-            <a:endParaRPr lang="de-DE" b="1" dirty="0"/>
+            <a:r>
+              <a:rPr lang="en-AU" sz="1400" dirty="0" smtClean="0"/>
+              <a:t>(e.g., FSDF)</a:t>
+            </a:r>
+            <a:endParaRPr lang="de-DE" sz="1400" dirty="0"/>
           </a:p>
         </p:txBody>
       </p:sp>
@@ -26555,15 +26567,15 @@
         </p:nvSpPr>
         <p:spPr>
           <a:xfrm>
-            <a:off x="2373659" y="620688"/>
-            <a:ext cx="1586273" cy="432048"/>
+            <a:off x="2373659" y="764704"/>
+            <a:ext cx="1550269" cy="288032"/>
           </a:xfrm>
           <a:prstGeom prst="roundRect">
             <a:avLst/>
           </a:prstGeom>
           <a:solidFill>
             <a:srgbClr val="558ED5">
-              <a:alpha val="70000"/>
+              <a:alpha val="89804"/>
             </a:srgbClr>
           </a:solidFill>
           <a:ln>
@@ -26590,12 +26602,15 @@
           <a:bodyPr rtlCol="0" anchor="ctr"/>
           <a:lstStyle/>
           <a:p>
-            <a:pPr algn="ctr"/>
             <a:r>
-              <a:rPr lang="en-AU" b="1" dirty="0" smtClean="0"/>
-              <a:t>WMS/WFS?</a:t>
+              <a:rPr lang="en-AU" sz="1400" b="1" dirty="0" smtClean="0"/>
+              <a:t>Type </a:t>
             </a:r>
-            <a:endParaRPr lang="de-DE" b="1" dirty="0"/>
+            <a:r>
+              <a:rPr lang="en-AU" sz="1400" dirty="0" smtClean="0"/>
+              <a:t>(e.g., WFS)</a:t>
+            </a:r>
+            <a:endParaRPr lang="de-DE" sz="1400" b="1" dirty="0"/>
           </a:p>
         </p:txBody>
       </p:sp>
@@ -26607,15 +26622,15 @@
         </p:nvSpPr>
         <p:spPr>
           <a:xfrm>
-            <a:off x="611561" y="3356992"/>
-            <a:ext cx="2304255" cy="432048"/>
+            <a:off x="750815" y="3486156"/>
+            <a:ext cx="2092994" cy="288032"/>
           </a:xfrm>
           <a:prstGeom prst="roundRect">
             <a:avLst/>
           </a:prstGeom>
           <a:solidFill>
             <a:srgbClr val="558ED5">
-              <a:alpha val="70000"/>
+              <a:alpha val="89804"/>
             </a:srgbClr>
           </a:solidFill>
           <a:ln>
@@ -26642,12 +26657,19 @@
           <a:bodyPr rtlCol="0" anchor="ctr"/>
           <a:lstStyle/>
           <a:p>
-            <a:pPr algn="ctr"/>
             <a:r>
-              <a:rPr lang="en-AU" b="1" dirty="0" smtClean="0"/>
-              <a:t>Select Feature (Table)</a:t>
+              <a:rPr lang="en-AU" sz="1400" b="1" dirty="0" smtClean="0"/>
+              <a:t>Select </a:t>
             </a:r>
-            <a:endParaRPr lang="de-DE" b="1" dirty="0"/>
+            <a:r>
+              <a:rPr lang="en-AU" sz="1400" b="1" dirty="0" smtClean="0"/>
+              <a:t>Feature </a:t>
+            </a:r>
+            <a:r>
+              <a:rPr lang="en-AU" sz="1400" dirty="0" smtClean="0"/>
+              <a:t>(e.g., Unit)</a:t>
+            </a:r>
+            <a:endParaRPr lang="de-DE" sz="1400" dirty="0"/>
           </a:p>
         </p:txBody>
       </p:sp>
@@ -26659,15 +26681,15 @@
         </p:nvSpPr>
         <p:spPr>
           <a:xfrm>
-            <a:off x="717474" y="4077072"/>
-            <a:ext cx="4286574" cy="432048"/>
+            <a:off x="717474" y="4182984"/>
+            <a:ext cx="4286574" cy="288032"/>
           </a:xfrm>
           <a:prstGeom prst="roundRect">
             <a:avLst/>
           </a:prstGeom>
           <a:solidFill>
             <a:srgbClr val="558ED5">
-              <a:alpha val="70000"/>
+              <a:alpha val="89804"/>
             </a:srgbClr>
           </a:solidFill>
           <a:ln>
@@ -26694,12 +26716,23 @@
           <a:bodyPr rtlCol="0" anchor="ctr"/>
           <a:lstStyle/>
           <a:p>
-            <a:pPr algn="ctr"/>
             <a:r>
-              <a:rPr lang="en-AU" b="1" dirty="0" smtClean="0"/>
-              <a:t>Filter By Property (Table Attribute)</a:t>
+              <a:rPr lang="en-AU" sz="1400" b="1" dirty="0" smtClean="0"/>
+              <a:t>Filter By Property </a:t>
             </a:r>
-            <a:endParaRPr lang="de-DE" b="1" dirty="0"/>
+            <a:r>
+              <a:rPr lang="en-AU" sz="1400" dirty="0" smtClean="0"/>
+              <a:t>(e.g., </a:t>
+            </a:r>
+            <a:r>
+              <a:rPr lang="en-AU" sz="1400" dirty="0" err="1" smtClean="0"/>
+              <a:t>unit_id</a:t>
+            </a:r>
+            <a:r>
+              <a:rPr lang="en-AU" sz="1400" dirty="0" smtClean="0"/>
+              <a:t>)</a:t>
+            </a:r>
+            <a:endParaRPr lang="de-DE" sz="1400" dirty="0"/>
           </a:p>
         </p:txBody>
       </p:sp>
@@ -26814,8 +26847,8 @@
         </p:nvSpPr>
         <p:spPr>
           <a:xfrm>
-            <a:off x="251520" y="1988840"/>
-            <a:ext cx="8568952" cy="292388"/>
+            <a:off x="1835696" y="1988839"/>
+            <a:ext cx="5328592" cy="392415"/>
           </a:xfrm>
           <a:prstGeom prst="rect">
             <a:avLst/>
@@ -26827,12 +26860,14 @@
           </a:bodyPr>
           <a:lstStyle/>
           <a:p>
+            <a:pPr algn="ctr"/>
             <a:endParaRPr lang="de-DE" sz="650" dirty="0">
               <a:latin typeface="Times New Roman" pitchFamily="18" charset="0"/>
               <a:cs typeface="Times New Roman" pitchFamily="18" charset="0"/>
             </a:endParaRPr>
           </a:p>
           <a:p>
+            <a:pPr algn="ctr"/>
             <a:r>
               <a:rPr lang="de-DE" sz="650" dirty="0">
                 <a:latin typeface="Times New Roman" pitchFamily="18" charset="0"/>
@@ -26876,11 +26911,28 @@
               <a:t>Request Type</a:t>
             </a:r>
             <a:r>
+              <a:rPr lang="de-DE" sz="650" dirty="0" smtClean="0">
+                <a:latin typeface="Times New Roman" pitchFamily="18" charset="0"/>
+                <a:cs typeface="Times New Roman" pitchFamily="18" charset="0"/>
+              </a:rPr>
+              <a:t>]</a:t>
+            </a:r>
+          </a:p>
+          <a:p>
+            <a:pPr algn="ctr"/>
+            <a:r>
+              <a:rPr lang="de-DE" sz="650" dirty="0" smtClean="0">
+                <a:latin typeface="Times New Roman" pitchFamily="18" charset="0"/>
+                <a:cs typeface="Times New Roman" pitchFamily="18" charset="0"/>
+              </a:rPr>
+              <a:t>&amp;</a:t>
+            </a:r>
+            <a:r>
               <a:rPr lang="de-DE" sz="650" dirty="0">
                 <a:latin typeface="Times New Roman" pitchFamily="18" charset="0"/>
                 <a:cs typeface="Times New Roman" pitchFamily="18" charset="0"/>
               </a:rPr>
-              <a:t>]&amp;cql_filter=[</a:t>
+              <a:t>cql_filter=[</a:t>
             </a:r>
             <a:r>
               <a:rPr lang="de-DE" sz="650" b="1" dirty="0">

--- a/assets/Hackfest - FSDF Overview.pptx
+++ b/assets/Hackfest - FSDF Overview.pptx
@@ -26659,15 +26659,19 @@
           <a:p>
             <a:r>
               <a:rPr lang="en-AU" sz="1400" b="1" dirty="0" smtClean="0"/>
-              <a:t>Select </a:t>
-            </a:r>
-            <a:r>
-              <a:rPr lang="en-AU" sz="1400" b="1" dirty="0" smtClean="0"/>
               <a:t>Feature </a:t>
             </a:r>
             <a:r>
               <a:rPr lang="en-AU" sz="1400" dirty="0" smtClean="0"/>
-              <a:t>(e.g., Unit)</a:t>
+              <a:t>(e.g., </a:t>
+            </a:r>
+            <a:r>
+              <a:rPr lang="en-AU" sz="1400" dirty="0" err="1" smtClean="0"/>
+              <a:t>FSDF_Unit</a:t>
+            </a:r>
+            <a:r>
+              <a:rPr lang="en-AU" sz="1400" dirty="0" smtClean="0"/>
+              <a:t>)</a:t>
             </a:r>
             <a:endParaRPr lang="de-DE" sz="1400" dirty="0"/>
           </a:p>
@@ -26726,7 +26730,7 @@
             </a:r>
             <a:r>
               <a:rPr lang="en-AU" sz="1400" dirty="0" err="1" smtClean="0"/>
-              <a:t>unit_id</a:t>
+              <a:t>Unit_ID</a:t>
             </a:r>
             <a:r>
               <a:rPr lang="en-AU" sz="1400" dirty="0" smtClean="0"/>
@@ -26847,8 +26851,8 @@
         </p:nvSpPr>
         <p:spPr>
           <a:xfrm>
-            <a:off x="1835696" y="1988839"/>
-            <a:ext cx="5328592" cy="392415"/>
+            <a:off x="857915" y="1916833"/>
+            <a:ext cx="6306373" cy="392415"/>
           </a:xfrm>
           <a:prstGeom prst="rect">
             <a:avLst/>
@@ -26860,14 +26864,12 @@
           </a:bodyPr>
           <a:lstStyle/>
           <a:p>
-            <a:pPr algn="ctr"/>
             <a:endParaRPr lang="de-DE" sz="650" dirty="0">
               <a:latin typeface="Times New Roman" pitchFamily="18" charset="0"/>
               <a:cs typeface="Times New Roman" pitchFamily="18" charset="0"/>
             </a:endParaRPr>
           </a:p>
           <a:p>
-            <a:pPr algn="ctr"/>
             <a:r>
               <a:rPr lang="de-DE" sz="650" dirty="0">
                 <a:latin typeface="Times New Roman" pitchFamily="18" charset="0"/>
@@ -26919,7 +26921,6 @@
             </a:r>
           </a:p>
           <a:p>
-            <a:pPr algn="ctr"/>
             <a:r>
               <a:rPr lang="de-DE" sz="650" dirty="0" smtClean="0">
                 <a:latin typeface="Times New Roman" pitchFamily="18" charset="0"/>

--- a/assets/Hackfest - FSDF Overview.pptx
+++ b/assets/Hackfest - FSDF Overview.pptx
@@ -294,7 +294,7 @@
           <a:p>
             <a:fld id="{DEEEEF65-1F35-4156-A920-B5726720C106}" type="datetimeFigureOut">
               <a:rPr lang="de-DE" smtClean="0"/>
-              <a:t>27.11.2013</a:t>
+              <a:t>28.11.2013</a:t>
             </a:fld>
             <a:endParaRPr lang="de-DE"/>
           </a:p>
@@ -464,7 +464,7 @@
           <a:p>
             <a:fld id="{DEEEEF65-1F35-4156-A920-B5726720C106}" type="datetimeFigureOut">
               <a:rPr lang="de-DE" smtClean="0"/>
-              <a:t>27.11.2013</a:t>
+              <a:t>28.11.2013</a:t>
             </a:fld>
             <a:endParaRPr lang="de-DE"/>
           </a:p>
@@ -644,7 +644,7 @@
           <a:p>
             <a:fld id="{DEEEEF65-1F35-4156-A920-B5726720C106}" type="datetimeFigureOut">
               <a:rPr lang="de-DE" smtClean="0"/>
-              <a:t>27.11.2013</a:t>
+              <a:t>28.11.2013</a:t>
             </a:fld>
             <a:endParaRPr lang="de-DE"/>
           </a:p>
@@ -814,7 +814,7 @@
           <a:p>
             <a:fld id="{DEEEEF65-1F35-4156-A920-B5726720C106}" type="datetimeFigureOut">
               <a:rPr lang="de-DE" smtClean="0"/>
-              <a:t>27.11.2013</a:t>
+              <a:t>28.11.2013</a:t>
             </a:fld>
             <a:endParaRPr lang="de-DE"/>
           </a:p>
@@ -1060,7 +1060,7 @@
           <a:p>
             <a:fld id="{DEEEEF65-1F35-4156-A920-B5726720C106}" type="datetimeFigureOut">
               <a:rPr lang="de-DE" smtClean="0"/>
-              <a:t>27.11.2013</a:t>
+              <a:t>28.11.2013</a:t>
             </a:fld>
             <a:endParaRPr lang="de-DE"/>
           </a:p>
@@ -1348,7 +1348,7 @@
           <a:p>
             <a:fld id="{DEEEEF65-1F35-4156-A920-B5726720C106}" type="datetimeFigureOut">
               <a:rPr lang="de-DE" smtClean="0"/>
-              <a:t>27.11.2013</a:t>
+              <a:t>28.11.2013</a:t>
             </a:fld>
             <a:endParaRPr lang="de-DE"/>
           </a:p>
@@ -1770,7 +1770,7 @@
           <a:p>
             <a:fld id="{DEEEEF65-1F35-4156-A920-B5726720C106}" type="datetimeFigureOut">
               <a:rPr lang="de-DE" smtClean="0"/>
-              <a:t>27.11.2013</a:t>
+              <a:t>28.11.2013</a:t>
             </a:fld>
             <a:endParaRPr lang="de-DE"/>
           </a:p>
@@ -1888,7 +1888,7 @@
           <a:p>
             <a:fld id="{DEEEEF65-1F35-4156-A920-B5726720C106}" type="datetimeFigureOut">
               <a:rPr lang="de-DE" smtClean="0"/>
-              <a:t>27.11.2013</a:t>
+              <a:t>28.11.2013</a:t>
             </a:fld>
             <a:endParaRPr lang="de-DE"/>
           </a:p>
@@ -1983,7 +1983,7 @@
           <a:p>
             <a:fld id="{DEEEEF65-1F35-4156-A920-B5726720C106}" type="datetimeFigureOut">
               <a:rPr lang="de-DE" smtClean="0"/>
-              <a:t>27.11.2013</a:t>
+              <a:t>28.11.2013</a:t>
             </a:fld>
             <a:endParaRPr lang="de-DE"/>
           </a:p>
@@ -2260,7 +2260,7 @@
           <a:p>
             <a:fld id="{DEEEEF65-1F35-4156-A920-B5726720C106}" type="datetimeFigureOut">
               <a:rPr lang="de-DE" smtClean="0"/>
-              <a:t>27.11.2013</a:t>
+              <a:t>28.11.2013</a:t>
             </a:fld>
             <a:endParaRPr lang="de-DE"/>
           </a:p>
@@ -2513,7 +2513,7 @@
           <a:p>
             <a:fld id="{DEEEEF65-1F35-4156-A920-B5726720C106}" type="datetimeFigureOut">
               <a:rPr lang="de-DE" smtClean="0"/>
-              <a:t>27.11.2013</a:t>
+              <a:t>28.11.2013</a:t>
             </a:fld>
             <a:endParaRPr lang="de-DE"/>
           </a:p>
@@ -2726,7 +2726,7 @@
           <a:p>
             <a:fld id="{DEEEEF65-1F35-4156-A920-B5726720C106}" type="datetimeFigureOut">
               <a:rPr lang="de-DE" smtClean="0"/>
-              <a:t>27.11.2013</a:t>
+              <a:t>28.11.2013</a:t>
             </a:fld>
             <a:endParaRPr lang="de-DE"/>
           </a:p>
@@ -18002,26 +18002,22 @@
           <a:p>
             <a:pPr algn="ctr"/>
             <a:r>
-              <a:rPr lang="en-AU" sz="1000" dirty="0" smtClean="0">
-                <a:solidFill>
-                  <a:schemeClr val="tx1"/>
-                </a:solidFill>
+              <a:rPr lang="de-DE" sz="1000" dirty="0" smtClean="0">
+                <a:hlinkClick r:id="rId5"/>
               </a:rPr>
-              <a:t>(</a:t>
+              <a:t>http</a:t>
             </a:r>
             <a:r>
               <a:rPr lang="de-DE" sz="1000" dirty="0">
                 <a:hlinkClick r:id="rId5"/>
               </a:rPr>
-              <a:t>http://envirohack.research.nicta.com.au/</a:t>
+              <a:t>://envirohack.research.nicta.com.au</a:t>
             </a:r>
             <a:r>
-              <a:rPr lang="en-AU" sz="1000" dirty="0" smtClean="0">
-                <a:solidFill>
-                  <a:schemeClr val="tx1"/>
-                </a:solidFill>
+              <a:rPr lang="de-DE" sz="1000" dirty="0" smtClean="0">
+                <a:hlinkClick r:id="rId5"/>
               </a:rPr>
-              <a:t>)</a:t>
+              <a:t>/</a:t>
             </a:r>
             <a:endParaRPr lang="de-DE" sz="1000" dirty="0">
               <a:solidFill>
@@ -18080,8 +18076,8 @@
         </p:nvSpPr>
         <p:spPr>
           <a:xfrm>
-            <a:off x="-468560" y="1052736"/>
-            <a:ext cx="2771800" cy="432552"/>
+            <a:off x="323528" y="44624"/>
+            <a:ext cx="3168352" cy="432552"/>
           </a:xfrm>
           <a:prstGeom prst="roundRect">
             <a:avLst/>
@@ -18118,7 +18114,15 @@
                   <a:schemeClr val="tx1"/>
                 </a:solidFill>
               </a:rPr>
-              <a:t>FSDF Server</a:t>
+              <a:t>FSDF </a:t>
+            </a:r>
+            <a:r>
+              <a:rPr lang="en-AU" b="1" dirty="0" smtClean="0">
+                <a:solidFill>
+                  <a:schemeClr val="tx1"/>
+                </a:solidFill>
+              </a:rPr>
+              <a:t>Server</a:t>
             </a:r>
           </a:p>
         </p:txBody>
@@ -18164,6 +18168,38 @@
           </a:extLst>
         </p:spPr>
       </p:pic>
+      <p:sp>
+        <p:nvSpPr>
+          <p:cNvPr id="2" name="Rectangle 1"/>
+          <p:cNvSpPr/>
+          <p:nvPr/>
+        </p:nvSpPr>
+        <p:spPr>
+          <a:xfrm>
+            <a:off x="504056" y="374467"/>
+            <a:ext cx="4572000" cy="246221"/>
+          </a:xfrm>
+          <a:prstGeom prst="rect">
+            <a:avLst/>
+          </a:prstGeom>
+        </p:spPr>
+        <p:txBody>
+          <a:bodyPr>
+            <a:spAutoFit/>
+          </a:bodyPr>
+          <a:lstStyle/>
+          <a:p>
+            <a:pPr algn="ctr"/>
+            <a:r>
+              <a:rPr lang="de-DE" sz="1000" u="sng" dirty="0">
+                <a:hlinkClick r:id="rId7"/>
+              </a:rPr>
+              <a:t>http://envirohack.research.nicta.com.au/fsdf-topology/</a:t>
+            </a:r>
+            <a:endParaRPr lang="en-AU" sz="1000" b="1" dirty="0"/>
+          </a:p>
+        </p:txBody>
+      </p:sp>
     </p:spTree>
     <p:extLst>
       <p:ext uri="{BB962C8B-B14F-4D97-AF65-F5344CB8AC3E}">
@@ -42955,7 +42991,7 @@
           </p:cNvPicPr>
           <p:nvPr/>
         </p:nvPicPr>
-        <p:blipFill>
+        <p:blipFill rotWithShape="1">
           <a:blip r:embed="rId2">
             <a:extLst>
               <a:ext uri="{BEBA8EAE-BF5A-486C-A8C5-ECC9F3942E4B}">
@@ -42972,15 +43008,13 @@
               </a:ext>
             </a:extLst>
           </a:blip>
-          <a:srcRect/>
-          <a:stretch>
-            <a:fillRect/>
-          </a:stretch>
+          <a:srcRect l="1581" r="1149"/>
+          <a:stretch/>
         </p:blipFill>
         <p:spPr bwMode="auto">
           <a:xfrm>
-            <a:off x="611561" y="332656"/>
-            <a:ext cx="6696744" cy="6310513"/>
+            <a:off x="717474" y="332656"/>
+            <a:ext cx="6513906" cy="6310513"/>
           </a:xfrm>
           <a:prstGeom prst="rect">
             <a:avLst/>
@@ -43182,12 +43216,8 @@
               <a:t>(e.g., </a:t>
             </a:r>
             <a:r>
-              <a:rPr lang="en-AU" sz="1400" dirty="0" err="1" smtClean="0"/>
-              <a:t>FSDF_Unit</a:t>
-            </a:r>
-            <a:r>
               <a:rPr lang="en-AU" sz="1400" dirty="0" smtClean="0"/>
-              <a:t>)</a:t>
+              <a:t>FSDF_ABS)</a:t>
             </a:r>
             <a:endParaRPr lang="de-DE" sz="1400" dirty="0"/>
           </a:p>
@@ -43253,6 +43283,52 @@
               <a:t>)</a:t>
             </a:r>
             <a:endParaRPr lang="de-DE" sz="1400" dirty="0"/>
+          </a:p>
+        </p:txBody>
+      </p:sp>
+      <p:sp>
+        <p:nvSpPr>
+          <p:cNvPr id="3" name="Rectangle 2"/>
+          <p:cNvSpPr/>
+          <p:nvPr/>
+        </p:nvSpPr>
+        <p:spPr>
+          <a:xfrm>
+            <a:off x="683568" y="-99392"/>
+            <a:ext cx="1656184" cy="432048"/>
+          </a:xfrm>
+          <a:prstGeom prst="rect">
+            <a:avLst/>
+          </a:prstGeom>
+          <a:solidFill>
+            <a:schemeClr val="bg1"/>
+          </a:solidFill>
+          <a:ln>
+            <a:noFill/>
+          </a:ln>
+        </p:spPr>
+        <p:style>
+          <a:lnRef idx="2">
+            <a:schemeClr val="accent1">
+              <a:shade val="50000"/>
+            </a:schemeClr>
+          </a:lnRef>
+          <a:fillRef idx="1">
+            <a:schemeClr val="accent1"/>
+          </a:fillRef>
+          <a:effectRef idx="0">
+            <a:schemeClr val="accent1"/>
+          </a:effectRef>
+          <a:fontRef idx="minor">
+            <a:schemeClr val="lt1"/>
+          </a:fontRef>
+        </p:style>
+        <p:txBody>
+          <a:bodyPr rtlCol="0" anchor="ctr"/>
+          <a:lstStyle/>
+          <a:p>
+            <a:pPr algn="ctr"/>
+            <a:endParaRPr lang="de-DE"/>
           </a:p>
         </p:txBody>
       </p:sp>
